--- a/project 4 presentation.pptx
+++ b/project 4 presentation.pptx
@@ -9,12 +9,15 @@
     <p:sldId id="257" r:id="rId3"/>
     <p:sldId id="267" r:id="rId4"/>
     <p:sldId id="268" r:id="rId5"/>
-    <p:sldId id="258" r:id="rId6"/>
-    <p:sldId id="259" r:id="rId7"/>
-    <p:sldId id="260" r:id="rId8"/>
-    <p:sldId id="261" r:id="rId9"/>
-    <p:sldId id="263" r:id="rId10"/>
-    <p:sldId id="264" r:id="rId11"/>
+    <p:sldId id="264" r:id="rId6"/>
+    <p:sldId id="258" r:id="rId7"/>
+    <p:sldId id="259" r:id="rId8"/>
+    <p:sldId id="260" r:id="rId9"/>
+    <p:sldId id="270" r:id="rId10"/>
+    <p:sldId id="271" r:id="rId11"/>
+    <p:sldId id="269" r:id="rId12"/>
+    <p:sldId id="272" r:id="rId13"/>
+    <p:sldId id="263" r:id="rId14"/>
   </p:sldIdLst>
   <p:sldSz cx="12192000" cy="6858000"/>
   <p:notesSz cx="6858000" cy="9144000"/>
@@ -1829,7 +1832,7 @@
       <dgm:spPr/>
     </dgm:pt>
     <dgm:pt modelId="{3060B94C-FB3A-4903-A65F-6A6FCB6C4B31}" type="pres">
-      <dgm:prSet presAssocID="{2041AB3C-F2DA-494A-A864-BD79AE6BF4E1}" presName="iconRect" presStyleLbl="node1" presStyleIdx="0" presStyleCnt="3" custLinFactNeighborX="-19717" custLinFactNeighborY="-4563"/>
+      <dgm:prSet presAssocID="{2041AB3C-F2DA-494A-A864-BD79AE6BF4E1}" presName="iconRect" presStyleLbl="node1" presStyleIdx="0" presStyleCnt="3" custLinFactX="100000" custLinFactNeighborX="101991" custLinFactNeighborY="-3934"/>
       <dgm:spPr>
         <a:blipFill>
           <a:blip xmlns:r="http://schemas.openxmlformats.org/officeDocument/2006/relationships" r:embed="rId1">
@@ -1858,7 +1861,7 @@
       <dgm:spPr/>
     </dgm:pt>
     <dgm:pt modelId="{A668C796-5327-4BA5-BB3A-749971871DD5}" type="pres">
-      <dgm:prSet presAssocID="{2041AB3C-F2DA-494A-A864-BD79AE6BF4E1}" presName="textRect" presStyleLbl="revTx" presStyleIdx="0" presStyleCnt="3">
+      <dgm:prSet presAssocID="{2041AB3C-F2DA-494A-A864-BD79AE6BF4E1}" presName="textRect" presStyleLbl="revTx" presStyleIdx="0" presStyleCnt="3" custLinFactNeighborX="90479" custLinFactNeighborY="-12126">
         <dgm:presLayoutVars>
           <dgm:chMax val="1"/>
           <dgm:chPref val="1"/>
@@ -1875,7 +1878,7 @@
       <dgm:spPr/>
     </dgm:pt>
     <dgm:pt modelId="{99EE978C-2E15-4B23-A90A-7AA5219F2AB5}" type="pres">
-      <dgm:prSet presAssocID="{A2B0142E-8FB3-4090-A89E-3A127B3FB64F}" presName="iconRect" presStyleLbl="node1" presStyleIdx="1" presStyleCnt="3" custLinFactNeighborX="-68784" custLinFactNeighborY="-5898"/>
+      <dgm:prSet presAssocID="{A2B0142E-8FB3-4090-A89E-3A127B3FB64F}" presName="iconRect" presStyleLbl="node1" presStyleIdx="1" presStyleCnt="3" custScaleX="110000" custLinFactX="-100000" custLinFactNeighborX="-172750" custLinFactNeighborY="-3658"/>
       <dgm:spPr>
         <a:blipFill>
           <a:blip xmlns:r="http://schemas.openxmlformats.org/officeDocument/2006/relationships" r:embed="rId3">
@@ -1904,7 +1907,7 @@
       <dgm:spPr/>
     </dgm:pt>
     <dgm:pt modelId="{94E18645-3A17-4DEF-9796-1E129BA8E7A0}" type="pres">
-      <dgm:prSet presAssocID="{A2B0142E-8FB3-4090-A89E-3A127B3FB64F}" presName="textRect" presStyleLbl="revTx" presStyleIdx="1" presStyleCnt="3" custLinFactNeighborX="-24553" custLinFactNeighborY="-12095">
+      <dgm:prSet presAssocID="{A2B0142E-8FB3-4090-A89E-3A127B3FB64F}" presName="textRect" presStyleLbl="revTx" presStyleIdx="1" presStyleCnt="3" custLinFactX="-21362" custLinFactNeighborX="-100000" custLinFactNeighborY="-21347">
         <dgm:presLayoutVars>
           <dgm:chMax val="1"/>
           <dgm:chPref val="1"/>
@@ -2185,7 +2188,7 @@
       </dsp:nvSpPr>
       <dsp:spPr>
         <a:xfrm>
-          <a:off x="754474" y="816206"/>
+          <a:off x="4027757" y="825492"/>
           <a:ext cx="1476393" cy="1476393"/>
         </a:xfrm>
         <a:prstGeom prst="rect">
@@ -2242,7 +2245,7 @@
       </dsp:nvSpPr>
       <dsp:spPr>
         <a:xfrm>
-          <a:off x="143334" y="2747763"/>
+          <a:off x="3111837" y="2660456"/>
           <a:ext cx="3280874" cy="720000"/>
         </a:xfrm>
         <a:prstGeom prst="rect">
@@ -2292,7 +2295,7 @@
         </a:p>
       </dsp:txBody>
       <dsp:txXfrm>
-        <a:off x="143334" y="2747763"/>
+        <a:off x="3111837" y="2660456"/>
         <a:ext cx="3280874" cy="720000"/>
       </dsp:txXfrm>
     </dsp:sp>
@@ -2303,8 +2306,8 @@
       </dsp:nvSpPr>
       <dsp:spPr>
         <a:xfrm>
-          <a:off x="3885080" y="796496"/>
-          <a:ext cx="1476393" cy="1476393"/>
+          <a:off x="799919" y="829567"/>
+          <a:ext cx="1624033" cy="1476393"/>
         </a:xfrm>
         <a:prstGeom prst="rect">
           <a:avLst/>
@@ -2360,7 +2363,7 @@
       </dsp:nvSpPr>
       <dsp:spPr>
         <a:xfrm>
-          <a:off x="3192809" y="2660679"/>
+          <a:off x="16626" y="2594065"/>
           <a:ext cx="3280874" cy="720000"/>
         </a:xfrm>
         <a:prstGeom prst="rect">
@@ -2410,7 +2413,7 @@
         </a:p>
       </dsp:txBody>
       <dsp:txXfrm>
-        <a:off x="3192809" y="2660679"/>
+        <a:off x="16626" y="2594065"/>
         <a:ext cx="3280874" cy="720000"/>
       </dsp:txXfrm>
     </dsp:sp>
@@ -5812,7 +5815,7 @@
           <a:p>
             <a:fld id="{073D55F9-11A3-4523-8F38-6BA37933791A}" type="datetime1">
               <a:rPr lang="en-US" smtClean="0"/>
-              <a:t>5/12/2023</a:t>
+              <a:t>5/15/2023</a:t>
             </a:fld>
             <a:endParaRPr lang="en-US"/>
           </a:p>
@@ -6091,7 +6094,7 @@
             <a:fld id="{193BAB95-8DA7-460B-B00A-7037C8394FB0}" type="datetime1">
               <a:rPr lang="en-US" smtClean="0"/>
               <a:pPr/>
-              <a:t>5/12/2023</a:t>
+              <a:t>5/15/2023</a:t>
             </a:fld>
             <a:endParaRPr lang="en-US" dirty="0"/>
           </a:p>
@@ -6296,7 +6299,7 @@
             <a:fld id="{193BAB95-8DA7-460B-B00A-7037C8394FB0}" type="datetime1">
               <a:rPr lang="en-US" smtClean="0"/>
               <a:pPr/>
-              <a:t>5/12/2023</a:t>
+              <a:t>5/15/2023</a:t>
             </a:fld>
             <a:endParaRPr lang="en-US" dirty="0"/>
           </a:p>
@@ -6575,7 +6578,7 @@
             <a:fld id="{193BAB95-8DA7-460B-B00A-7037C8394FB0}" type="datetime1">
               <a:rPr lang="en-US" smtClean="0"/>
               <a:pPr/>
-              <a:t>5/12/2023</a:t>
+              <a:t>5/15/2023</a:t>
             </a:fld>
             <a:endParaRPr lang="en-US" dirty="0"/>
           </a:p>
@@ -6918,7 +6921,7 @@
             <a:fld id="{193BAB95-8DA7-460B-B00A-7037C8394FB0}" type="datetime1">
               <a:rPr lang="en-US" smtClean="0"/>
               <a:pPr/>
-              <a:t>5/12/2023</a:t>
+              <a:t>5/15/2023</a:t>
             </a:fld>
             <a:endParaRPr lang="en-US" dirty="0"/>
           </a:p>
@@ -7539,7 +7542,7 @@
             <a:fld id="{193BAB95-8DA7-460B-B00A-7037C8394FB0}" type="datetime1">
               <a:rPr lang="en-US" smtClean="0"/>
               <a:pPr/>
-              <a:t>5/12/2023</a:t>
+              <a:t>5/15/2023</a:t>
             </a:fld>
             <a:endParaRPr lang="en-US" dirty="0"/>
           </a:p>
@@ -8397,7 +8400,7 @@
             <a:fld id="{193BAB95-8DA7-460B-B00A-7037C8394FB0}" type="datetime1">
               <a:rPr lang="en-US" smtClean="0"/>
               <a:pPr/>
-              <a:t>5/12/2023</a:t>
+              <a:t>5/15/2023</a:t>
             </a:fld>
             <a:endParaRPr lang="en-US" dirty="0"/>
           </a:p>
@@ -8577,7 +8580,7 @@
           <a:p>
             <a:fld id="{0B4E757A-3EC2-4683-9080-1A460C37C843}" type="datetime1">
               <a:rPr lang="en-US" smtClean="0"/>
-              <a:t>5/12/2023</a:t>
+              <a:t>5/15/2023</a:t>
             </a:fld>
             <a:endParaRPr lang="en-US"/>
           </a:p>
@@ -8760,7 +8763,7 @@
           <a:p>
             <a:fld id="{5CC8096C-64ED-4153-A483-5C02E44AD5C3}" type="datetime1">
               <a:rPr lang="en-US" smtClean="0"/>
-              <a:t>5/12/2023</a:t>
+              <a:t>5/15/2023</a:t>
             </a:fld>
             <a:endParaRPr lang="en-US" dirty="0"/>
           </a:p>
@@ -8933,7 +8936,7 @@
           <a:p>
             <a:fld id="{1CB9D56B-6EBE-4E5F-99D9-2A3DBDF37D0A}" type="datetime1">
               <a:rPr lang="en-US" smtClean="0"/>
-              <a:t>5/12/2023</a:t>
+              <a:t>5/15/2023</a:t>
             </a:fld>
             <a:endParaRPr lang="en-US"/>
           </a:p>
@@ -9180,7 +9183,7 @@
           <a:p>
             <a:fld id="{8C33F3CA-C7E3-432D-9282-18F13836509A}" type="datetime1">
               <a:rPr lang="en-US" smtClean="0"/>
-              <a:t>5/12/2023</a:t>
+              <a:t>5/15/2023</a:t>
             </a:fld>
             <a:endParaRPr lang="en-US" dirty="0"/>
           </a:p>
@@ -9475,7 +9478,7 @@
           <a:p>
             <a:fld id="{75BE9C62-1337-40B8-BA50-E9F4861DB4BC}" type="datetime1">
               <a:rPr lang="en-US" smtClean="0"/>
-              <a:t>5/12/2023</a:t>
+              <a:t>5/15/2023</a:t>
             </a:fld>
             <a:endParaRPr lang="en-US"/>
           </a:p>
@@ -9916,7 +9919,7 @@
           <a:p>
             <a:fld id="{47C195EB-2DA3-4B24-8725-19BC22A7BE50}" type="datetime1">
               <a:rPr lang="en-US" smtClean="0"/>
-              <a:t>5/12/2023</a:t>
+              <a:t>5/15/2023</a:t>
             </a:fld>
             <a:endParaRPr lang="en-US"/>
           </a:p>
@@ -10037,7 +10040,7 @@
           <a:p>
             <a:fld id="{F4E237E6-0076-4915-A5A8-B7C11FA4F374}" type="datetime1">
               <a:rPr lang="en-US" smtClean="0"/>
-              <a:t>5/12/2023</a:t>
+              <a:t>5/15/2023</a:t>
             </a:fld>
             <a:endParaRPr lang="en-US"/>
           </a:p>
@@ -10135,7 +10138,7 @@
           <a:p>
             <a:fld id="{3505F58F-C0B5-422A-8E5A-6B99E5D80F0A}" type="datetime1">
               <a:rPr lang="en-US" smtClean="0"/>
-              <a:t>5/12/2023</a:t>
+              <a:t>5/15/2023</a:t>
             </a:fld>
             <a:endParaRPr lang="en-US"/>
           </a:p>
@@ -10417,7 +10420,7 @@
           <a:p>
             <a:fld id="{7565E655-9687-48DF-A33F-F8824CCCB5D1}" type="datetime1">
               <a:rPr lang="en-US" smtClean="0"/>
-              <a:t>5/12/2023</a:t>
+              <a:t>5/15/2023</a:t>
             </a:fld>
             <a:endParaRPr lang="en-US"/>
           </a:p>
@@ -10695,7 +10698,7 @@
           <a:p>
             <a:fld id="{B97FD56A-AAB8-4544-A495-D0645413C9E3}" type="datetime1">
               <a:rPr lang="en-US" smtClean="0"/>
-              <a:t>5/12/2023</a:t>
+              <a:t>5/15/2023</a:t>
             </a:fld>
             <a:endParaRPr lang="en-US"/>
           </a:p>
@@ -11128,7 +11131,7 @@
             <a:fld id="{193BAB95-8DA7-460B-B00A-7037C8394FB0}" type="datetime1">
               <a:rPr lang="en-US" smtClean="0"/>
               <a:pPr/>
-              <a:t>5/12/2023</a:t>
+              <a:t>5/15/2023</a:t>
             </a:fld>
             <a:endParaRPr lang="en-US" dirty="0"/>
           </a:p>
@@ -11721,7 +11724,7 @@
         </p:nvSpPr>
         <p:spPr>
           <a:xfrm>
-            <a:off x="647654" y="4777379"/>
+            <a:off x="634403" y="2125286"/>
             <a:ext cx="4802187" cy="1471019"/>
           </a:xfrm>
         </p:spPr>
@@ -11733,7 +11736,7 @@
           <a:p>
             <a:r>
               <a:rPr lang="en-AU" dirty="0"/>
-              <a:t>GROUP PROJECT 4</a:t>
+              <a:t>PROJECT 4</a:t>
             </a:r>
           </a:p>
         </p:txBody>
@@ -11899,7 +11902,1118 @@
                                           </p:stCondLst>
                                         </p:cTn>
                                         <p:tgtEl>
+                                          <p:spTgt spid="3">
+                                            <p:txEl>
+                                              <p:pRg st="0" end="0"/>
+                                            </p:txEl>
+                                          </p:spTgt>
+                                        </p:tgtEl>
+                                        <p:attrNameLst>
+                                          <p:attrName>style.visibility</p:attrName>
+                                        </p:attrNameLst>
+                                      </p:cBhvr>
+                                      <p:to>
+                                        <p:strVal val="visible"/>
+                                      </p:to>
+                                    </p:set>
+                                  </p:childTnLst>
+                                </p:cTn>
+                              </p:par>
+                            </p:childTnLst>
+                          </p:cTn>
+                        </p:par>
+                      </p:childTnLst>
+                    </p:cTn>
+                  </p:par>
+                  <p:par>
+                    <p:cTn id="7" fill="hold">
+                      <p:stCondLst>
+                        <p:cond delay="indefinite"/>
+                      </p:stCondLst>
+                      <p:childTnLst>
+                        <p:par>
+                          <p:cTn id="8" fill="hold">
+                            <p:stCondLst>
+                              <p:cond delay="0"/>
+                            </p:stCondLst>
+                            <p:childTnLst>
+                              <p:par>
+                                <p:cTn id="9" presetID="2" presetClass="entr" presetSubtype="4" fill="hold" grpId="0" nodeType="clickEffect">
+                                  <p:stCondLst>
+                                    <p:cond delay="0"/>
+                                  </p:stCondLst>
+                                  <p:childTnLst>
+                                    <p:set>
+                                      <p:cBhvr>
+                                        <p:cTn id="10" dur="1" fill="hold">
+                                          <p:stCondLst>
+                                            <p:cond delay="0"/>
+                                          </p:stCondLst>
+                                        </p:cTn>
+                                        <p:tgtEl>
                                           <p:spTgt spid="2"/>
+                                        </p:tgtEl>
+                                        <p:attrNameLst>
+                                          <p:attrName>style.visibility</p:attrName>
+                                        </p:attrNameLst>
+                                      </p:cBhvr>
+                                      <p:to>
+                                        <p:strVal val="visible"/>
+                                      </p:to>
+                                    </p:set>
+                                    <p:anim calcmode="lin" valueType="num">
+                                      <p:cBhvr additive="base">
+                                        <p:cTn id="11" dur="500" fill="hold"/>
+                                        <p:tgtEl>
+                                          <p:spTgt spid="2"/>
+                                        </p:tgtEl>
+                                        <p:attrNameLst>
+                                          <p:attrName>ppt_x</p:attrName>
+                                        </p:attrNameLst>
+                                      </p:cBhvr>
+                                      <p:tavLst>
+                                        <p:tav tm="0">
+                                          <p:val>
+                                            <p:strVal val="#ppt_x"/>
+                                          </p:val>
+                                        </p:tav>
+                                        <p:tav tm="100000">
+                                          <p:val>
+                                            <p:strVal val="#ppt_x"/>
+                                          </p:val>
+                                        </p:tav>
+                                      </p:tavLst>
+                                    </p:anim>
+                                    <p:anim calcmode="lin" valueType="num">
+                                      <p:cBhvr additive="base">
+                                        <p:cTn id="12" dur="500" fill="hold"/>
+                                        <p:tgtEl>
+                                          <p:spTgt spid="2"/>
+                                        </p:tgtEl>
+                                        <p:attrNameLst>
+                                          <p:attrName>ppt_y</p:attrName>
+                                        </p:attrNameLst>
+                                      </p:cBhvr>
+                                      <p:tavLst>
+                                        <p:tav tm="0">
+                                          <p:val>
+                                            <p:strVal val="1+#ppt_h/2"/>
+                                          </p:val>
+                                        </p:tav>
+                                        <p:tav tm="100000">
+                                          <p:val>
+                                            <p:strVal val="#ppt_y"/>
+                                          </p:val>
+                                        </p:tav>
+                                      </p:tavLst>
+                                    </p:anim>
+                                  </p:childTnLst>
+                                </p:cTn>
+                              </p:par>
+                            </p:childTnLst>
+                          </p:cTn>
+                        </p:par>
+                      </p:childTnLst>
+                    </p:cTn>
+                  </p:par>
+                </p:childTnLst>
+              </p:cTn>
+              <p:prevCondLst>
+                <p:cond evt="onPrev" delay="0">
+                  <p:tgtEl>
+                    <p:sldTgt/>
+                  </p:tgtEl>
+                </p:cond>
+              </p:prevCondLst>
+              <p:nextCondLst>
+                <p:cond evt="onNext" delay="0">
+                  <p:tgtEl>
+                    <p:sldTgt/>
+                  </p:tgtEl>
+                </p:cond>
+              </p:nextCondLst>
+            </p:seq>
+          </p:childTnLst>
+        </p:cTn>
+      </p:par>
+    </p:tnLst>
+    <p:bldLst>
+      <p:bldP spid="2" grpId="0"/>
+      <p:bldP spid="3" grpId="0" build="p"/>
+    </p:bldLst>
+  </p:timing>
+</p:sld>
+</file>
+
+<file path=ppt/slides/slide10.xml><?xml version="1.0" encoding="utf-8"?>
+<p:sld xmlns:a="http://schemas.openxmlformats.org/drawingml/2006/main" xmlns:r="http://schemas.openxmlformats.org/officeDocument/2006/relationships" xmlns:p="http://schemas.openxmlformats.org/presentationml/2006/main">
+  <p:cSld>
+    <p:spTree>
+      <p:nvGrpSpPr>
+        <p:cNvPr id="1" name=""/>
+        <p:cNvGrpSpPr/>
+        <p:nvPr/>
+      </p:nvGrpSpPr>
+      <p:grpSpPr>
+        <a:xfrm>
+          <a:off x="0" y="0"/>
+          <a:ext cx="0" cy="0"/>
+          <a:chOff x="0" y="0"/>
+          <a:chExt cx="0" cy="0"/>
+        </a:xfrm>
+      </p:grpSpPr>
+      <p:sp>
+        <p:nvSpPr>
+          <p:cNvPr id="2" name="Title 1">
+            <a:extLst>
+              <a:ext uri="{FF2B5EF4-FFF2-40B4-BE49-F238E27FC236}">
+                <a16:creationId xmlns:a16="http://schemas.microsoft.com/office/drawing/2014/main" id="{678A081C-56F7-2D28-B0D7-DD3062DC9C9F}"/>
+              </a:ext>
+            </a:extLst>
+          </p:cNvPr>
+          <p:cNvSpPr>
+            <a:spLocks noGrp="1"/>
+          </p:cNvSpPr>
+          <p:nvPr>
+            <p:ph type="title"/>
+          </p:nvPr>
+        </p:nvSpPr>
+        <p:spPr>
+          <a:xfrm>
+            <a:off x="1560739" y="423221"/>
+            <a:ext cx="9404723" cy="1400530"/>
+          </a:xfrm>
+        </p:spPr>
+        <p:txBody>
+          <a:bodyPr/>
+          <a:lstStyle/>
+          <a:p>
+            <a:r>
+              <a:rPr lang="en-AU" dirty="0"/>
+              <a:t>Logistics Regression Model</a:t>
+            </a:r>
+          </a:p>
+        </p:txBody>
+      </p:sp>
+      <p:pic>
+        <p:nvPicPr>
+          <p:cNvPr id="9" name="Picture 8" descr="A picture containing text, screenshot, font, number&#10;&#10;Description automatically generated">
+            <a:extLst>
+              <a:ext uri="{FF2B5EF4-FFF2-40B4-BE49-F238E27FC236}">
+                <a16:creationId xmlns:a16="http://schemas.microsoft.com/office/drawing/2014/main" id="{30048368-A8E5-1D55-74FD-63F8CE2F44E9}"/>
+              </a:ext>
+            </a:extLst>
+          </p:cNvPr>
+          <p:cNvPicPr>
+            <a:picLocks noChangeAspect="1"/>
+          </p:cNvPicPr>
+          <p:nvPr/>
+        </p:nvPicPr>
+        <p:blipFill>
+          <a:blip r:embed="rId2">
+            <a:extLst>
+              <a:ext uri="{28A0092B-C50C-407E-A947-70E740481C1C}">
+                <a14:useLocalDpi xmlns:a14="http://schemas.microsoft.com/office/drawing/2010/main" val="0"/>
+              </a:ext>
+            </a:extLst>
+          </a:blip>
+          <a:stretch>
+            <a:fillRect/>
+          </a:stretch>
+        </p:blipFill>
+        <p:spPr>
+          <a:xfrm>
+            <a:off x="1560738" y="2581888"/>
+            <a:ext cx="9404723" cy="3184444"/>
+          </a:xfrm>
+          <a:prstGeom prst="rect">
+            <a:avLst/>
+          </a:prstGeom>
+        </p:spPr>
+      </p:pic>
+    </p:spTree>
+    <p:extLst>
+      <p:ext uri="{BB962C8B-B14F-4D97-AF65-F5344CB8AC3E}">
+        <p14:creationId xmlns:p14="http://schemas.microsoft.com/office/powerpoint/2010/main" val="532313250"/>
+      </p:ext>
+    </p:extLst>
+  </p:cSld>
+  <p:clrMapOvr>
+    <a:masterClrMapping/>
+  </p:clrMapOvr>
+  <p:timing>
+    <p:tnLst>
+      <p:par>
+        <p:cTn id="1" dur="indefinite" restart="never" nodeType="tmRoot">
+          <p:childTnLst>
+            <p:seq concurrent="1" nextAc="seek">
+              <p:cTn id="2" dur="indefinite" nodeType="mainSeq">
+                <p:childTnLst>
+                  <p:par>
+                    <p:cTn id="3" fill="hold">
+                      <p:stCondLst>
+                        <p:cond delay="indefinite"/>
+                      </p:stCondLst>
+                      <p:childTnLst>
+                        <p:par>
+                          <p:cTn id="4" fill="hold">
+                            <p:stCondLst>
+                              <p:cond delay="0"/>
+                            </p:stCondLst>
+                            <p:childTnLst>
+                              <p:par>
+                                <p:cTn id="5" presetID="2" presetClass="entr" presetSubtype="4" fill="hold" nodeType="clickEffect">
+                                  <p:stCondLst>
+                                    <p:cond delay="0"/>
+                                  </p:stCondLst>
+                                  <p:childTnLst>
+                                    <p:set>
+                                      <p:cBhvr>
+                                        <p:cTn id="6" dur="1" fill="hold">
+                                          <p:stCondLst>
+                                            <p:cond delay="0"/>
+                                          </p:stCondLst>
+                                        </p:cTn>
+                                        <p:tgtEl>
+                                          <p:spTgt spid="9"/>
+                                        </p:tgtEl>
+                                        <p:attrNameLst>
+                                          <p:attrName>style.visibility</p:attrName>
+                                        </p:attrNameLst>
+                                      </p:cBhvr>
+                                      <p:to>
+                                        <p:strVal val="visible"/>
+                                      </p:to>
+                                    </p:set>
+                                    <p:anim calcmode="lin" valueType="num">
+                                      <p:cBhvr additive="base">
+                                        <p:cTn id="7" dur="500" fill="hold"/>
+                                        <p:tgtEl>
+                                          <p:spTgt spid="9"/>
+                                        </p:tgtEl>
+                                        <p:attrNameLst>
+                                          <p:attrName>ppt_x</p:attrName>
+                                        </p:attrNameLst>
+                                      </p:cBhvr>
+                                      <p:tavLst>
+                                        <p:tav tm="0">
+                                          <p:val>
+                                            <p:strVal val="#ppt_x"/>
+                                          </p:val>
+                                        </p:tav>
+                                        <p:tav tm="100000">
+                                          <p:val>
+                                            <p:strVal val="#ppt_x"/>
+                                          </p:val>
+                                        </p:tav>
+                                      </p:tavLst>
+                                    </p:anim>
+                                    <p:anim calcmode="lin" valueType="num">
+                                      <p:cBhvr additive="base">
+                                        <p:cTn id="8" dur="500" fill="hold"/>
+                                        <p:tgtEl>
+                                          <p:spTgt spid="9"/>
+                                        </p:tgtEl>
+                                        <p:attrNameLst>
+                                          <p:attrName>ppt_y</p:attrName>
+                                        </p:attrNameLst>
+                                      </p:cBhvr>
+                                      <p:tavLst>
+                                        <p:tav tm="0">
+                                          <p:val>
+                                            <p:strVal val="1+#ppt_h/2"/>
+                                          </p:val>
+                                        </p:tav>
+                                        <p:tav tm="100000">
+                                          <p:val>
+                                            <p:strVal val="#ppt_y"/>
+                                          </p:val>
+                                        </p:tav>
+                                      </p:tavLst>
+                                    </p:anim>
+                                  </p:childTnLst>
+                                </p:cTn>
+                              </p:par>
+                            </p:childTnLst>
+                          </p:cTn>
+                        </p:par>
+                      </p:childTnLst>
+                    </p:cTn>
+                  </p:par>
+                </p:childTnLst>
+              </p:cTn>
+              <p:prevCondLst>
+                <p:cond evt="onPrev" delay="0">
+                  <p:tgtEl>
+                    <p:sldTgt/>
+                  </p:tgtEl>
+                </p:cond>
+              </p:prevCondLst>
+              <p:nextCondLst>
+                <p:cond evt="onNext" delay="0">
+                  <p:tgtEl>
+                    <p:sldTgt/>
+                  </p:tgtEl>
+                </p:cond>
+              </p:nextCondLst>
+            </p:seq>
+          </p:childTnLst>
+        </p:cTn>
+      </p:par>
+    </p:tnLst>
+  </p:timing>
+</p:sld>
+</file>
+
+<file path=ppt/slides/slide11.xml><?xml version="1.0" encoding="utf-8"?>
+<p:sld xmlns:a="http://schemas.openxmlformats.org/drawingml/2006/main" xmlns:r="http://schemas.openxmlformats.org/officeDocument/2006/relationships" xmlns:p="http://schemas.openxmlformats.org/presentationml/2006/main">
+  <p:cSld>
+    <p:spTree>
+      <p:nvGrpSpPr>
+        <p:cNvPr id="1" name=""/>
+        <p:cNvGrpSpPr/>
+        <p:nvPr/>
+      </p:nvGrpSpPr>
+      <p:grpSpPr>
+        <a:xfrm>
+          <a:off x="0" y="0"/>
+          <a:ext cx="0" cy="0"/>
+          <a:chOff x="0" y="0"/>
+          <a:chExt cx="0" cy="0"/>
+        </a:xfrm>
+      </p:grpSpPr>
+      <p:sp>
+        <p:nvSpPr>
+          <p:cNvPr id="2" name="Title 1">
+            <a:extLst>
+              <a:ext uri="{FF2B5EF4-FFF2-40B4-BE49-F238E27FC236}">
+                <a16:creationId xmlns:a16="http://schemas.microsoft.com/office/drawing/2014/main" id="{AD2A15A4-A032-B3DD-AA9C-C89F0CC23E40}"/>
+              </a:ext>
+            </a:extLst>
+          </p:cNvPr>
+          <p:cNvSpPr>
+            <a:spLocks noGrp="1"/>
+          </p:cNvSpPr>
+          <p:nvPr>
+            <p:ph type="title"/>
+          </p:nvPr>
+        </p:nvSpPr>
+        <p:spPr>
+          <a:xfrm>
+            <a:off x="1607574" y="467467"/>
+            <a:ext cx="9404723" cy="1400530"/>
+          </a:xfrm>
+        </p:spPr>
+        <p:txBody>
+          <a:bodyPr/>
+          <a:lstStyle/>
+          <a:p>
+            <a:r>
+              <a:rPr lang="en-AU" dirty="0"/>
+              <a:t>SVM</a:t>
+            </a:r>
+          </a:p>
+        </p:txBody>
+      </p:sp>
+      <p:pic>
+        <p:nvPicPr>
+          <p:cNvPr id="6" name="Picture 5" descr="A screenshot of a computer&#10;&#10;Description automatically generated with low confidence">
+            <a:extLst>
+              <a:ext uri="{FF2B5EF4-FFF2-40B4-BE49-F238E27FC236}">
+                <a16:creationId xmlns:a16="http://schemas.microsoft.com/office/drawing/2014/main" id="{5DF88CD9-39A3-39AA-A131-C001C3B3ED15}"/>
+              </a:ext>
+            </a:extLst>
+          </p:cNvPr>
+          <p:cNvPicPr>
+            <a:picLocks noChangeAspect="1"/>
+          </p:cNvPicPr>
+          <p:nvPr/>
+        </p:nvPicPr>
+        <p:blipFill>
+          <a:blip r:embed="rId2">
+            <a:extLst>
+              <a:ext uri="{28A0092B-C50C-407E-A947-70E740481C1C}">
+                <a14:useLocalDpi xmlns:a14="http://schemas.microsoft.com/office/drawing/2010/main" val="0"/>
+              </a:ext>
+            </a:extLst>
+          </a:blip>
+          <a:stretch>
+            <a:fillRect/>
+          </a:stretch>
+        </p:blipFill>
+        <p:spPr>
+          <a:xfrm>
+            <a:off x="1669378" y="1504335"/>
+            <a:ext cx="7883709" cy="3775588"/>
+          </a:xfrm>
+          <a:prstGeom prst="rect">
+            <a:avLst/>
+          </a:prstGeom>
+        </p:spPr>
+      </p:pic>
+    </p:spTree>
+    <p:extLst>
+      <p:ext uri="{BB962C8B-B14F-4D97-AF65-F5344CB8AC3E}">
+        <p14:creationId xmlns:p14="http://schemas.microsoft.com/office/powerpoint/2010/main" val="3430231117"/>
+      </p:ext>
+    </p:extLst>
+  </p:cSld>
+  <p:clrMapOvr>
+    <a:masterClrMapping/>
+  </p:clrMapOvr>
+  <p:timing>
+    <p:tnLst>
+      <p:par>
+        <p:cTn id="1" dur="indefinite" restart="never" nodeType="tmRoot">
+          <p:childTnLst>
+            <p:seq concurrent="1" nextAc="seek">
+              <p:cTn id="2" dur="indefinite" nodeType="mainSeq">
+                <p:childTnLst>
+                  <p:par>
+                    <p:cTn id="3" fill="hold">
+                      <p:stCondLst>
+                        <p:cond delay="indefinite"/>
+                      </p:stCondLst>
+                      <p:childTnLst>
+                        <p:par>
+                          <p:cTn id="4" fill="hold">
+                            <p:stCondLst>
+                              <p:cond delay="0"/>
+                            </p:stCondLst>
+                            <p:childTnLst>
+                              <p:par>
+                                <p:cTn id="5" presetID="2" presetClass="entr" presetSubtype="4" fill="hold" nodeType="clickEffect">
+                                  <p:stCondLst>
+                                    <p:cond delay="0"/>
+                                  </p:stCondLst>
+                                  <p:childTnLst>
+                                    <p:set>
+                                      <p:cBhvr>
+                                        <p:cTn id="6" dur="1" fill="hold">
+                                          <p:stCondLst>
+                                            <p:cond delay="0"/>
+                                          </p:stCondLst>
+                                        </p:cTn>
+                                        <p:tgtEl>
+                                          <p:spTgt spid="6"/>
+                                        </p:tgtEl>
+                                        <p:attrNameLst>
+                                          <p:attrName>style.visibility</p:attrName>
+                                        </p:attrNameLst>
+                                      </p:cBhvr>
+                                      <p:to>
+                                        <p:strVal val="visible"/>
+                                      </p:to>
+                                    </p:set>
+                                    <p:anim calcmode="lin" valueType="num">
+                                      <p:cBhvr additive="base">
+                                        <p:cTn id="7" dur="500" fill="hold"/>
+                                        <p:tgtEl>
+                                          <p:spTgt spid="6"/>
+                                        </p:tgtEl>
+                                        <p:attrNameLst>
+                                          <p:attrName>ppt_x</p:attrName>
+                                        </p:attrNameLst>
+                                      </p:cBhvr>
+                                      <p:tavLst>
+                                        <p:tav tm="0">
+                                          <p:val>
+                                            <p:strVal val="#ppt_x"/>
+                                          </p:val>
+                                        </p:tav>
+                                        <p:tav tm="100000">
+                                          <p:val>
+                                            <p:strVal val="#ppt_x"/>
+                                          </p:val>
+                                        </p:tav>
+                                      </p:tavLst>
+                                    </p:anim>
+                                    <p:anim calcmode="lin" valueType="num">
+                                      <p:cBhvr additive="base">
+                                        <p:cTn id="8" dur="500" fill="hold"/>
+                                        <p:tgtEl>
+                                          <p:spTgt spid="6"/>
+                                        </p:tgtEl>
+                                        <p:attrNameLst>
+                                          <p:attrName>ppt_y</p:attrName>
+                                        </p:attrNameLst>
+                                      </p:cBhvr>
+                                      <p:tavLst>
+                                        <p:tav tm="0">
+                                          <p:val>
+                                            <p:strVal val="1+#ppt_h/2"/>
+                                          </p:val>
+                                        </p:tav>
+                                        <p:tav tm="100000">
+                                          <p:val>
+                                            <p:strVal val="#ppt_y"/>
+                                          </p:val>
+                                        </p:tav>
+                                      </p:tavLst>
+                                    </p:anim>
+                                  </p:childTnLst>
+                                </p:cTn>
+                              </p:par>
+                            </p:childTnLst>
+                          </p:cTn>
+                        </p:par>
+                      </p:childTnLst>
+                    </p:cTn>
+                  </p:par>
+                </p:childTnLst>
+              </p:cTn>
+              <p:prevCondLst>
+                <p:cond evt="onPrev" delay="0">
+                  <p:tgtEl>
+                    <p:sldTgt/>
+                  </p:tgtEl>
+                </p:cond>
+              </p:prevCondLst>
+              <p:nextCondLst>
+                <p:cond evt="onNext" delay="0">
+                  <p:tgtEl>
+                    <p:sldTgt/>
+                  </p:tgtEl>
+                </p:cond>
+              </p:nextCondLst>
+            </p:seq>
+          </p:childTnLst>
+        </p:cTn>
+      </p:par>
+    </p:tnLst>
+  </p:timing>
+</p:sld>
+</file>
+
+<file path=ppt/slides/slide12.xml><?xml version="1.0" encoding="utf-8"?>
+<p:sld xmlns:a="http://schemas.openxmlformats.org/drawingml/2006/main" xmlns:r="http://schemas.openxmlformats.org/officeDocument/2006/relationships" xmlns:p="http://schemas.openxmlformats.org/presentationml/2006/main">
+  <p:cSld>
+    <p:spTree>
+      <p:nvGrpSpPr>
+        <p:cNvPr id="1" name=""/>
+        <p:cNvGrpSpPr/>
+        <p:nvPr/>
+      </p:nvGrpSpPr>
+      <p:grpSpPr>
+        <a:xfrm>
+          <a:off x="0" y="0"/>
+          <a:ext cx="0" cy="0"/>
+          <a:chOff x="0" y="0"/>
+          <a:chExt cx="0" cy="0"/>
+        </a:xfrm>
+      </p:grpSpPr>
+      <p:sp>
+        <p:nvSpPr>
+          <p:cNvPr id="2" name="Title 1">
+            <a:extLst>
+              <a:ext uri="{FF2B5EF4-FFF2-40B4-BE49-F238E27FC236}">
+                <a16:creationId xmlns:a16="http://schemas.microsoft.com/office/drawing/2014/main" id="{628A4534-9569-6C02-6876-1A225D9537F3}"/>
+              </a:ext>
+            </a:extLst>
+          </p:cNvPr>
+          <p:cNvSpPr>
+            <a:spLocks noGrp="1"/>
+          </p:cNvSpPr>
+          <p:nvPr>
+            <p:ph type="title"/>
+          </p:nvPr>
+        </p:nvSpPr>
+        <p:spPr>
+          <a:xfrm>
+            <a:off x="1103312" y="482215"/>
+            <a:ext cx="9404723" cy="1400530"/>
+          </a:xfrm>
+        </p:spPr>
+        <p:txBody>
+          <a:bodyPr/>
+          <a:lstStyle/>
+          <a:p>
+            <a:r>
+              <a:rPr lang="en-AU" dirty="0"/>
+              <a:t>Form html and Outcome html</a:t>
+            </a:r>
+          </a:p>
+        </p:txBody>
+      </p:sp>
+      <p:pic>
+        <p:nvPicPr>
+          <p:cNvPr id="5" name="Content Placeholder 4" descr="A picture containing text, screenshot, font, document&#10;&#10;Description automatically generated">
+            <a:extLst>
+              <a:ext uri="{FF2B5EF4-FFF2-40B4-BE49-F238E27FC236}">
+                <a16:creationId xmlns:a16="http://schemas.microsoft.com/office/drawing/2014/main" id="{A7D43051-620D-FFCD-96BB-047056226BAA}"/>
+              </a:ext>
+            </a:extLst>
+          </p:cNvPr>
+          <p:cNvPicPr>
+            <a:picLocks noGrp="1" noChangeAspect="1"/>
+          </p:cNvPicPr>
+          <p:nvPr>
+            <p:ph idx="1"/>
+          </p:nvPr>
+        </p:nvPicPr>
+        <p:blipFill>
+          <a:blip r:embed="rId2">
+            <a:extLst>
+              <a:ext uri="{28A0092B-C50C-407E-A947-70E740481C1C}">
+                <a14:useLocalDpi xmlns:a14="http://schemas.microsoft.com/office/drawing/2010/main" val="0"/>
+              </a:ext>
+            </a:extLst>
+          </a:blip>
+          <a:stretch>
+            <a:fillRect/>
+          </a:stretch>
+        </p:blipFill>
+        <p:spPr>
+          <a:xfrm>
+            <a:off x="3176335" y="1882745"/>
+            <a:ext cx="3827712" cy="4195762"/>
+          </a:xfrm>
+        </p:spPr>
+      </p:pic>
+    </p:spTree>
+    <p:extLst>
+      <p:ext uri="{BB962C8B-B14F-4D97-AF65-F5344CB8AC3E}">
+        <p14:creationId xmlns:p14="http://schemas.microsoft.com/office/powerpoint/2010/main" val="4061903621"/>
+      </p:ext>
+    </p:extLst>
+  </p:cSld>
+  <p:clrMapOvr>
+    <a:masterClrMapping/>
+  </p:clrMapOvr>
+  <p:timing>
+    <p:tnLst>
+      <p:par>
+        <p:cTn id="1" dur="indefinite" restart="never" nodeType="tmRoot">
+          <p:childTnLst>
+            <p:seq concurrent="1" nextAc="seek">
+              <p:cTn id="2" dur="indefinite" nodeType="mainSeq">
+                <p:childTnLst>
+                  <p:par>
+                    <p:cTn id="3" fill="hold">
+                      <p:stCondLst>
+                        <p:cond delay="indefinite"/>
+                      </p:stCondLst>
+                      <p:childTnLst>
+                        <p:par>
+                          <p:cTn id="4" fill="hold">
+                            <p:stCondLst>
+                              <p:cond delay="0"/>
+                            </p:stCondLst>
+                            <p:childTnLst>
+                              <p:par>
+                                <p:cTn id="5" presetID="2" presetClass="entr" presetSubtype="4" fill="hold" nodeType="clickEffect">
+                                  <p:stCondLst>
+                                    <p:cond delay="0"/>
+                                  </p:stCondLst>
+                                  <p:childTnLst>
+                                    <p:set>
+                                      <p:cBhvr>
+                                        <p:cTn id="6" dur="1" fill="hold">
+                                          <p:stCondLst>
+                                            <p:cond delay="0"/>
+                                          </p:stCondLst>
+                                        </p:cTn>
+                                        <p:tgtEl>
+                                          <p:spTgt spid="5"/>
+                                        </p:tgtEl>
+                                        <p:attrNameLst>
+                                          <p:attrName>style.visibility</p:attrName>
+                                        </p:attrNameLst>
+                                      </p:cBhvr>
+                                      <p:to>
+                                        <p:strVal val="visible"/>
+                                      </p:to>
+                                    </p:set>
+                                    <p:anim calcmode="lin" valueType="num">
+                                      <p:cBhvr additive="base">
+                                        <p:cTn id="7" dur="500" fill="hold"/>
+                                        <p:tgtEl>
+                                          <p:spTgt spid="5"/>
+                                        </p:tgtEl>
+                                        <p:attrNameLst>
+                                          <p:attrName>ppt_x</p:attrName>
+                                        </p:attrNameLst>
+                                      </p:cBhvr>
+                                      <p:tavLst>
+                                        <p:tav tm="0">
+                                          <p:val>
+                                            <p:strVal val="#ppt_x"/>
+                                          </p:val>
+                                        </p:tav>
+                                        <p:tav tm="100000">
+                                          <p:val>
+                                            <p:strVal val="#ppt_x"/>
+                                          </p:val>
+                                        </p:tav>
+                                      </p:tavLst>
+                                    </p:anim>
+                                    <p:anim calcmode="lin" valueType="num">
+                                      <p:cBhvr additive="base">
+                                        <p:cTn id="8" dur="500" fill="hold"/>
+                                        <p:tgtEl>
+                                          <p:spTgt spid="5"/>
+                                        </p:tgtEl>
+                                        <p:attrNameLst>
+                                          <p:attrName>ppt_y</p:attrName>
+                                        </p:attrNameLst>
+                                      </p:cBhvr>
+                                      <p:tavLst>
+                                        <p:tav tm="0">
+                                          <p:val>
+                                            <p:strVal val="1+#ppt_h/2"/>
+                                          </p:val>
+                                        </p:tav>
+                                        <p:tav tm="100000">
+                                          <p:val>
+                                            <p:strVal val="#ppt_y"/>
+                                          </p:val>
+                                        </p:tav>
+                                      </p:tavLst>
+                                    </p:anim>
+                                  </p:childTnLst>
+                                </p:cTn>
+                              </p:par>
+                            </p:childTnLst>
+                          </p:cTn>
+                        </p:par>
+                      </p:childTnLst>
+                    </p:cTn>
+                  </p:par>
+                </p:childTnLst>
+              </p:cTn>
+              <p:prevCondLst>
+                <p:cond evt="onPrev" delay="0">
+                  <p:tgtEl>
+                    <p:sldTgt/>
+                  </p:tgtEl>
+                </p:cond>
+              </p:prevCondLst>
+              <p:nextCondLst>
+                <p:cond evt="onNext" delay="0">
+                  <p:tgtEl>
+                    <p:sldTgt/>
+                  </p:tgtEl>
+                </p:cond>
+              </p:nextCondLst>
+            </p:seq>
+          </p:childTnLst>
+        </p:cTn>
+      </p:par>
+    </p:tnLst>
+  </p:timing>
+</p:sld>
+</file>
+
+<file path=ppt/slides/slide13.xml><?xml version="1.0" encoding="utf-8"?>
+<p:sld xmlns:a="http://schemas.openxmlformats.org/drawingml/2006/main" xmlns:r="http://schemas.openxmlformats.org/officeDocument/2006/relationships" xmlns:p="http://schemas.openxmlformats.org/presentationml/2006/main">
+  <p:cSld>
+    <p:bg>
+      <p:bgPr>
+        <a:blipFill rotWithShape="1">
+          <a:blip r:embed="rId2">
+            <a:duotone>
+              <a:schemeClr val="bg2">
+                <a:shade val="62000"/>
+                <a:hueMod val="108000"/>
+                <a:satMod val="164000"/>
+                <a:lumMod val="69000"/>
+              </a:schemeClr>
+              <a:schemeClr val="bg2">
+                <a:tint val="96000"/>
+                <a:hueMod val="90000"/>
+                <a:satMod val="130000"/>
+                <a:lumMod val="134000"/>
+              </a:schemeClr>
+            </a:duotone>
+          </a:blip>
+          <a:stretch/>
+        </a:blipFill>
+        <a:effectLst/>
+      </p:bgPr>
+    </p:bg>
+    <p:spTree>
+      <p:nvGrpSpPr>
+        <p:cNvPr id="1" name=""/>
+        <p:cNvGrpSpPr/>
+        <p:nvPr/>
+      </p:nvGrpSpPr>
+      <p:grpSpPr>
+        <a:xfrm>
+          <a:off x="0" y="0"/>
+          <a:ext cx="0" cy="0"/>
+          <a:chOff x="0" y="0"/>
+          <a:chExt cx="0" cy="0"/>
+        </a:xfrm>
+      </p:grpSpPr>
+      <p:sp>
+        <p:nvSpPr>
+          <p:cNvPr id="2" name="Title 1">
+            <a:extLst>
+              <a:ext uri="{FF2B5EF4-FFF2-40B4-BE49-F238E27FC236}">
+                <a16:creationId xmlns:a16="http://schemas.microsoft.com/office/drawing/2014/main" id="{41AF79C0-7389-1E23-A245-F080AB7B525B}"/>
+              </a:ext>
+            </a:extLst>
+          </p:cNvPr>
+          <p:cNvSpPr>
+            <a:spLocks noGrp="1"/>
+          </p:cNvSpPr>
+          <p:nvPr>
+            <p:ph type="title"/>
+          </p:nvPr>
+        </p:nvSpPr>
+        <p:spPr>
+          <a:xfrm>
+            <a:off x="1102555" y="609601"/>
+            <a:ext cx="9404723" cy="1400530"/>
+          </a:xfrm>
+        </p:spPr>
+        <p:txBody>
+          <a:bodyPr>
+            <a:normAutofit/>
+          </a:bodyPr>
+          <a:lstStyle/>
+          <a:p>
+            <a:r>
+              <a:rPr lang="en-US" b="1" i="0" dirty="0">
+                <a:effectLst/>
+                <a:latin typeface="sohne"/>
+              </a:rPr>
+              <a:t>Conclusion</a:t>
+            </a:r>
+            <a:br>
+              <a:rPr lang="en-US" b="1" i="0" dirty="0">
+                <a:effectLst/>
+                <a:latin typeface="sohne"/>
+              </a:rPr>
+            </a:br>
+            <a:endParaRPr lang="en-AU" dirty="0"/>
+          </a:p>
+        </p:txBody>
+      </p:sp>
+      <p:pic>
+        <p:nvPicPr>
+          <p:cNvPr id="14" name="Picture 13" descr="Graphical user interface&#10;&#10;Description automatically generated with medium confidence">
+            <a:extLst>
+              <a:ext uri="{FF2B5EF4-FFF2-40B4-BE49-F238E27FC236}">
+                <a16:creationId xmlns:a16="http://schemas.microsoft.com/office/drawing/2014/main" id="{6C55759E-B9F8-7372-B483-10895E3F4F97}"/>
+              </a:ext>
+            </a:extLst>
+          </p:cNvPr>
+          <p:cNvPicPr>
+            <a:picLocks noChangeAspect="1"/>
+          </p:cNvPicPr>
+          <p:nvPr/>
+        </p:nvPicPr>
+        <p:blipFill rotWithShape="1">
+          <a:blip r:embed="rId3">
+            <a:extLst>
+              <a:ext uri="{28A0092B-C50C-407E-A947-70E740481C1C}">
+                <a14:useLocalDpi xmlns:a14="http://schemas.microsoft.com/office/drawing/2010/main" val="0"/>
+              </a:ext>
+            </a:extLst>
+          </a:blip>
+          <a:srcRect r="7088"/>
+          <a:stretch/>
+        </p:blipFill>
+        <p:spPr>
+          <a:xfrm>
+            <a:off x="1102555" y="2052213"/>
+            <a:ext cx="3409507" cy="2028293"/>
+          </a:xfrm>
+          <a:prstGeom prst="rect">
+            <a:avLst/>
+          </a:prstGeom>
+          <a:effectLst>
+            <a:outerShdw blurRad="50800" dist="38100" dir="5400000" algn="t" rotWithShape="0">
+              <a:prstClr val="black">
+                <a:alpha val="43000"/>
+              </a:prstClr>
+            </a:outerShdw>
+          </a:effectLst>
+        </p:spPr>
+      </p:pic>
+      <p:pic>
+        <p:nvPicPr>
+          <p:cNvPr id="10" name="Picture 9" descr="Diagram, engineering drawing&#10;&#10;Description automatically generated">
+            <a:extLst>
+              <a:ext uri="{FF2B5EF4-FFF2-40B4-BE49-F238E27FC236}">
+                <a16:creationId xmlns:a16="http://schemas.microsoft.com/office/drawing/2014/main" id="{D446AF04-7EE9-112B-85CA-6AB42A7A7045}"/>
+              </a:ext>
+            </a:extLst>
+          </p:cNvPr>
+          <p:cNvPicPr>
+            <a:picLocks noChangeAspect="1"/>
+          </p:cNvPicPr>
+          <p:nvPr/>
+        </p:nvPicPr>
+        <p:blipFill rotWithShape="1">
+          <a:blip r:embed="rId4">
+            <a:extLst>
+              <a:ext uri="{28A0092B-C50C-407E-A947-70E740481C1C}">
+                <a14:useLocalDpi xmlns:a14="http://schemas.microsoft.com/office/drawing/2010/main" val="0"/>
+              </a:ext>
+            </a:extLst>
+          </a:blip>
+          <a:srcRect t="9626" r="4" b="4"/>
+          <a:stretch/>
+        </p:blipFill>
+        <p:spPr>
+          <a:xfrm>
+            <a:off x="1102555" y="4187190"/>
+            <a:ext cx="3409507" cy="2061208"/>
+          </a:xfrm>
+          <a:prstGeom prst="rect">
+            <a:avLst/>
+          </a:prstGeom>
+          <a:effectLst>
+            <a:outerShdw blurRad="50800" dist="38100" dir="5400000" algn="t" rotWithShape="0">
+              <a:prstClr val="black">
+                <a:alpha val="43000"/>
+              </a:prstClr>
+            </a:outerShdw>
+          </a:effectLst>
+        </p:spPr>
+      </p:pic>
+      <p:sp>
+        <p:nvSpPr>
+          <p:cNvPr id="27" name="Content Placeholder 2">
+            <a:extLst>
+              <a:ext uri="{FF2B5EF4-FFF2-40B4-BE49-F238E27FC236}">
+                <a16:creationId xmlns:a16="http://schemas.microsoft.com/office/drawing/2014/main" id="{C6767A52-EDD1-1F54-DC97-6C043F5E4939}"/>
+              </a:ext>
+            </a:extLst>
+          </p:cNvPr>
+          <p:cNvSpPr>
+            <a:spLocks noGrp="1"/>
+          </p:cNvSpPr>
+          <p:nvPr>
+            <p:ph idx="1"/>
+          </p:nvPr>
+        </p:nvSpPr>
+        <p:spPr>
+          <a:xfrm>
+            <a:off x="5175647" y="2052918"/>
+            <a:ext cx="6367721" cy="4195481"/>
+          </a:xfrm>
+        </p:spPr>
+        <p:txBody>
+          <a:bodyPr>
+            <a:normAutofit/>
+          </a:bodyPr>
+          <a:lstStyle/>
+          <a:p>
+            <a:pPr>
+              <a:lnSpc>
+                <a:spcPct val="90000"/>
+              </a:lnSpc>
+            </a:pPr>
+            <a:r>
+              <a:rPr lang="en-US" sz="1600" dirty="0">
+                <a:latin typeface="source-serif-pro"/>
+              </a:rPr>
+              <a:t>C</a:t>
+            </a:r>
+            <a:r>
+              <a:rPr lang="en-US" sz="1600" b="0" dirty="0">
+                <a:effectLst/>
+                <a:latin typeface="source-serif-pro"/>
+              </a:rPr>
+              <a:t>lassification problems in the real world are imbalanced. Also, almost  data sets have missing values. There is no definitive guide of which algorithms to use given any situation. What may work on some data sets may not necessarily work on others. In some classification problems, False Negatives are a lot more expensive than False Positives. Usually, Missing values sometimes add more information to the model than we might expect. </a:t>
+            </a:r>
+          </a:p>
+          <a:p>
+            <a:pPr>
+              <a:lnSpc>
+                <a:spcPct val="90000"/>
+              </a:lnSpc>
+            </a:pPr>
+            <a:r>
+              <a:rPr lang="en-US" sz="1600" dirty="0">
+                <a:latin typeface="source-serif-pro"/>
+              </a:rPr>
+              <a:t>We checked and used three machine learning models, out of those three models would recommend SVM model due to high accuracy.</a:t>
+            </a:r>
+            <a:endParaRPr lang="en-US" sz="1600" b="0" dirty="0">
+              <a:effectLst/>
+              <a:latin typeface="source-serif-pro"/>
+            </a:endParaRPr>
+          </a:p>
+          <a:p>
+            <a:pPr>
+              <a:lnSpc>
+                <a:spcPct val="90000"/>
+              </a:lnSpc>
+            </a:pPr>
+            <a:endParaRPr lang="en-US" sz="1600" b="0" i="0" dirty="0">
+              <a:effectLst/>
+              <a:latin typeface="source-serif-pro"/>
+            </a:endParaRPr>
+          </a:p>
+          <a:p>
+            <a:pPr marL="0" indent="0">
+              <a:lnSpc>
+                <a:spcPct val="90000"/>
+              </a:lnSpc>
+              <a:buNone/>
+            </a:pPr>
+            <a:br>
+              <a:rPr lang="en-US" sz="1100" dirty="0">
+                <a:effectLst/>
+              </a:rPr>
+            </a:br>
+            <a:endParaRPr lang="en-AU" sz="1100" dirty="0"/>
+          </a:p>
+        </p:txBody>
+      </p:sp>
+    </p:spTree>
+    <p:extLst>
+      <p:ext uri="{BB962C8B-B14F-4D97-AF65-F5344CB8AC3E}">
+        <p14:creationId xmlns:p14="http://schemas.microsoft.com/office/powerpoint/2010/main" val="1173549489"/>
+      </p:ext>
+    </p:extLst>
+  </p:cSld>
+  <p:clrMapOvr>
+    <a:masterClrMapping/>
+  </p:clrMapOvr>
+  <p:timing>
+    <p:tnLst>
+      <p:par>
+        <p:cTn id="1" dur="indefinite" restart="never" nodeType="tmRoot">
+          <p:childTnLst>
+            <p:seq concurrent="1" nextAc="seek">
+              <p:cTn id="2" dur="indefinite" nodeType="mainSeq">
+                <p:childTnLst>
+                  <p:par>
+                    <p:cTn id="3" fill="hold">
+                      <p:stCondLst>
+                        <p:cond delay="indefinite"/>
+                      </p:stCondLst>
+                      <p:childTnLst>
+                        <p:par>
+                          <p:cTn id="4" fill="hold">
+                            <p:stCondLst>
+                              <p:cond delay="0"/>
+                            </p:stCondLst>
+                            <p:childTnLst>
+                              <p:par>
+                                <p:cTn id="5" presetID="1" presetClass="entr" presetSubtype="0" fill="hold" grpId="0" nodeType="clickEffect">
+                                  <p:stCondLst>
+                                    <p:cond delay="0"/>
+                                  </p:stCondLst>
+                                  <p:childTnLst>
+                                    <p:set>
+                                      <p:cBhvr>
+                                        <p:cTn id="6" dur="1" fill="hold">
+                                          <p:stCondLst>
+                                            <p:cond delay="0"/>
+                                          </p:stCondLst>
+                                        </p:cTn>
+                                        <p:tgtEl>
+                                          <p:spTgt spid="27">
+                                            <p:txEl>
+                                              <p:pRg st="0" end="0"/>
+                                            </p:txEl>
+                                          </p:spTgt>
                                         </p:tgtEl>
                                         <p:attrNameLst>
                                           <p:attrName>style.visibility</p:attrName>
@@ -11944,9 +13058,9 @@
                                           </p:stCondLst>
                                         </p:cTn>
                                         <p:tgtEl>
-                                          <p:spTgt spid="3">
+                                          <p:spTgt spid="27">
                                             <p:txEl>
-                                              <p:pRg st="0" end="0"/>
+                                              <p:pRg st="1" end="1"/>
                                             </p:txEl>
                                           </p:spTgt>
                                         </p:tgtEl>
@@ -11989,307 +13103,7 @@
       </p:par>
     </p:tnLst>
     <p:bldLst>
-      <p:bldP spid="2" grpId="0"/>
-      <p:bldP spid="3" grpId="0" build="p"/>
-    </p:bldLst>
-  </p:timing>
-</p:sld>
-</file>
-
-<file path=ppt/slides/slide10.xml><?xml version="1.0" encoding="utf-8"?>
-<p:sld xmlns:a="http://schemas.openxmlformats.org/drawingml/2006/main" xmlns:r="http://schemas.openxmlformats.org/officeDocument/2006/relationships" xmlns:p="http://schemas.openxmlformats.org/presentationml/2006/main">
-  <p:cSld>
-    <p:bg>
-      <p:bgPr>
-        <a:blipFill rotWithShape="1">
-          <a:blip r:embed="rId2">
-            <a:duotone>
-              <a:schemeClr val="bg2">
-                <a:shade val="69000"/>
-                <a:hueMod val="108000"/>
-                <a:satMod val="164000"/>
-                <a:lumMod val="74000"/>
-              </a:schemeClr>
-              <a:schemeClr val="bg2">
-                <a:tint val="96000"/>
-                <a:hueMod val="88000"/>
-                <a:satMod val="140000"/>
-                <a:lumMod val="132000"/>
-              </a:schemeClr>
-            </a:duotone>
-          </a:blip>
-          <a:stretch/>
-        </a:blipFill>
-        <a:effectLst/>
-      </p:bgPr>
-    </p:bg>
-    <p:spTree>
-      <p:nvGrpSpPr>
-        <p:cNvPr id="1" name=""/>
-        <p:cNvGrpSpPr/>
-        <p:nvPr/>
-      </p:nvGrpSpPr>
-      <p:grpSpPr>
-        <a:xfrm>
-          <a:off x="0" y="0"/>
-          <a:ext cx="0" cy="0"/>
-          <a:chOff x="0" y="0"/>
-          <a:chExt cx="0" cy="0"/>
-        </a:xfrm>
-      </p:grpSpPr>
-      <p:sp>
-        <p:nvSpPr>
-          <p:cNvPr id="2" name="Title 1">
-            <a:extLst>
-              <a:ext uri="{FF2B5EF4-FFF2-40B4-BE49-F238E27FC236}">
-                <a16:creationId xmlns:a16="http://schemas.microsoft.com/office/drawing/2014/main" id="{6F9BF657-ACDF-E66E-C308-1E5D9E0158BC}"/>
-              </a:ext>
-            </a:extLst>
-          </p:cNvPr>
-          <p:cNvSpPr>
-            <a:spLocks noGrp="1"/>
-          </p:cNvSpPr>
-          <p:nvPr>
-            <p:ph type="title"/>
-          </p:nvPr>
-        </p:nvSpPr>
-        <p:spPr>
-          <a:xfrm>
-            <a:off x="646111" y="452718"/>
-            <a:ext cx="9404723" cy="1400530"/>
-          </a:xfrm>
-        </p:spPr>
-        <p:txBody>
-          <a:bodyPr>
-            <a:normAutofit/>
-          </a:bodyPr>
-          <a:lstStyle/>
-          <a:p>
-            <a:r>
-              <a:rPr lang="en-AU" dirty="0"/>
-              <a:t>Data Sources</a:t>
-            </a:r>
-          </a:p>
-        </p:txBody>
-      </p:sp>
-      <p:sp>
-        <p:nvSpPr>
-          <p:cNvPr id="24" name="Rectangle 9">
-            <a:extLst>
-              <a:ext uri="{FF2B5EF4-FFF2-40B4-BE49-F238E27FC236}">
-                <a16:creationId xmlns:a16="http://schemas.microsoft.com/office/drawing/2014/main" id="{909FE742-1A27-4AEF-B5F0-F8C383EAB1D7}"/>
-              </a:ext>
-              <a:ext uri="{C183D7F6-B498-43B3-948B-1728B52AA6E4}">
-                <adec:decorative xmlns:adec="http://schemas.microsoft.com/office/drawing/2017/decorative" val="1"/>
-              </a:ext>
-            </a:extLst>
-          </p:cNvPr>
-          <p:cNvSpPr>
-            <a:spLocks noGrp="1" noRot="1" noChangeAspect="1" noMove="1" noResize="1" noEditPoints="1" noAdjustHandles="1" noChangeArrowheads="1" noChangeShapeType="1" noTextEdit="1"/>
-          </p:cNvSpPr>
-          <p:nvPr>
-            <p:extLst>
-              <p:ext uri="{386F3935-93C4-4BCD-93E2-E3B085C9AB24}">
-                <p16:designElem xmlns:p16="http://schemas.microsoft.com/office/powerpoint/2015/main" val="1"/>
-              </p:ext>
-            </p:extLst>
-          </p:nvPr>
-        </p:nvSpPr>
-        <p:spPr>
-          <a:xfrm>
-            <a:off x="10437812" y="0"/>
-            <a:ext cx="685800" cy="1143000"/>
-          </a:xfrm>
-          <a:prstGeom prst="rect">
-            <a:avLst/>
-          </a:prstGeom>
-          <a:solidFill>
-            <a:schemeClr val="accent1"/>
-          </a:solidFill>
-          <a:ln>
-            <a:noFill/>
-          </a:ln>
-        </p:spPr>
-        <p:style>
-          <a:lnRef idx="1">
-            <a:schemeClr val="accent1"/>
-          </a:lnRef>
-          <a:fillRef idx="3">
-            <a:schemeClr val="accent1"/>
-          </a:fillRef>
-          <a:effectRef idx="2">
-            <a:schemeClr val="accent1"/>
-          </a:effectRef>
-          <a:fontRef idx="minor">
-            <a:schemeClr val="lt1"/>
-          </a:fontRef>
-        </p:style>
-      </p:sp>
-      <p:graphicFrame>
-        <p:nvGraphicFramePr>
-          <p:cNvPr id="5" name="Content Placeholder 2">
-            <a:extLst>
-              <a:ext uri="{FF2B5EF4-FFF2-40B4-BE49-F238E27FC236}">
-                <a16:creationId xmlns:a16="http://schemas.microsoft.com/office/drawing/2014/main" id="{D2C01503-2653-C1FB-A9EF-8D7F6F5C7AC0}"/>
-              </a:ext>
-            </a:extLst>
-          </p:cNvPr>
-          <p:cNvGraphicFramePr>
-            <a:graphicFrameLocks noGrp="1"/>
-          </p:cNvGraphicFramePr>
-          <p:nvPr>
-            <p:ph idx="1"/>
-            <p:extLst>
-              <p:ext uri="{D42A27DB-BD31-4B8C-83A1-F6EECF244321}">
-                <p14:modId xmlns:p14="http://schemas.microsoft.com/office/powerpoint/2010/main" val="496091228"/>
-              </p:ext>
-            </p:extLst>
-          </p:nvPr>
-        </p:nvGraphicFramePr>
-        <p:xfrm>
-          <a:off x="1103313" y="2052638"/>
-          <a:ext cx="8947150" cy="4195762"/>
-        </p:xfrm>
-        <a:graphic>
-          <a:graphicData uri="http://schemas.openxmlformats.org/drawingml/2006/diagram">
-            <dgm:relIds xmlns:dgm="http://schemas.openxmlformats.org/drawingml/2006/diagram" xmlns:r="http://schemas.openxmlformats.org/officeDocument/2006/relationships" r:dm="rId3" r:lo="rId4" r:qs="rId5" r:cs="rId6"/>
-          </a:graphicData>
-        </a:graphic>
-      </p:graphicFrame>
-    </p:spTree>
-    <p:extLst>
-      <p:ext uri="{BB962C8B-B14F-4D97-AF65-F5344CB8AC3E}">
-        <p14:creationId xmlns:p14="http://schemas.microsoft.com/office/powerpoint/2010/main" val="3012305430"/>
-      </p:ext>
-    </p:extLst>
-  </p:cSld>
-  <p:clrMapOvr>
-    <a:masterClrMapping/>
-  </p:clrMapOvr>
-  <p:timing>
-    <p:tnLst>
-      <p:par>
-        <p:cTn id="1" dur="indefinite" restart="never" nodeType="tmRoot">
-          <p:childTnLst>
-            <p:seq concurrent="1" nextAc="seek">
-              <p:cTn id="2" dur="indefinite" nodeType="mainSeq">
-                <p:childTnLst>
-                  <p:par>
-                    <p:cTn id="3" fill="hold">
-                      <p:stCondLst>
-                        <p:cond delay="indefinite"/>
-                      </p:stCondLst>
-                      <p:childTnLst>
-                        <p:par>
-                          <p:cTn id="4" fill="hold">
-                            <p:stCondLst>
-                              <p:cond delay="0"/>
-                            </p:stCondLst>
-                            <p:childTnLst>
-                              <p:par>
-                                <p:cTn id="5" presetID="1" presetClass="entr" presetSubtype="0" fill="hold" grpId="0" nodeType="clickEffect">
-                                  <p:stCondLst>
-                                    <p:cond delay="0"/>
-                                  </p:stCondLst>
-                                  <p:childTnLst>
-                                    <p:set>
-                                      <p:cBhvr>
-                                        <p:cTn id="6" dur="1" fill="hold">
-                                          <p:stCondLst>
-                                            <p:cond delay="0"/>
-                                          </p:stCondLst>
-                                        </p:cTn>
-                                        <p:tgtEl>
-                                          <p:spTgt spid="2"/>
-                                        </p:tgtEl>
-                                        <p:attrNameLst>
-                                          <p:attrName>style.visibility</p:attrName>
-                                        </p:attrNameLst>
-                                      </p:cBhvr>
-                                      <p:to>
-                                        <p:strVal val="visible"/>
-                                      </p:to>
-                                    </p:set>
-                                  </p:childTnLst>
-                                </p:cTn>
-                              </p:par>
-                            </p:childTnLst>
-                          </p:cTn>
-                        </p:par>
-                      </p:childTnLst>
-                    </p:cTn>
-                  </p:par>
-                  <p:par>
-                    <p:cTn id="7" fill="hold">
-                      <p:stCondLst>
-                        <p:cond delay="indefinite"/>
-                      </p:stCondLst>
-                      <p:childTnLst>
-                        <p:par>
-                          <p:cTn id="8" fill="hold">
-                            <p:stCondLst>
-                              <p:cond delay="0"/>
-                            </p:stCondLst>
-                            <p:childTnLst>
-                              <p:par>
-                                <p:cTn id="9" presetID="1" presetClass="entr" presetSubtype="0" fill="hold" grpId="0" nodeType="clickEffect">
-                                  <p:stCondLst>
-                                    <p:cond delay="0"/>
-                                  </p:stCondLst>
-                                  <p:childTnLst>
-                                    <p:set>
-                                      <p:cBhvr>
-                                        <p:cTn id="10" dur="1" fill="hold">
-                                          <p:stCondLst>
-                                            <p:cond delay="0"/>
-                                          </p:stCondLst>
-                                        </p:cTn>
-                                        <p:tgtEl>
-                                          <p:spTgt spid="5"/>
-                                        </p:tgtEl>
-                                        <p:attrNameLst>
-                                          <p:attrName>style.visibility</p:attrName>
-                                        </p:attrNameLst>
-                                      </p:cBhvr>
-                                      <p:to>
-                                        <p:strVal val="visible"/>
-                                      </p:to>
-                                    </p:set>
-                                  </p:childTnLst>
-                                </p:cTn>
-                              </p:par>
-                            </p:childTnLst>
-                          </p:cTn>
-                        </p:par>
-                      </p:childTnLst>
-                    </p:cTn>
-                  </p:par>
-                </p:childTnLst>
-              </p:cTn>
-              <p:prevCondLst>
-                <p:cond evt="onPrev" delay="0">
-                  <p:tgtEl>
-                    <p:sldTgt/>
-                  </p:tgtEl>
-                </p:cond>
-              </p:prevCondLst>
-              <p:nextCondLst>
-                <p:cond evt="onNext" delay="0">
-                  <p:tgtEl>
-                    <p:sldTgt/>
-                  </p:tgtEl>
-                </p:cond>
-              </p:nextCondLst>
-            </p:seq>
-          </p:childTnLst>
-        </p:cTn>
-      </p:par>
-    </p:tnLst>
-    <p:bldLst>
-      <p:bldP spid="2" grpId="0"/>
-      <p:bldGraphic spid="5" grpId="0">
-        <p:bldAsOne/>
-      </p:bldGraphic>
+      <p:bldP spid="27" grpId="0" uiExpand="1" build="p"/>
     </p:bldLst>
   </p:timing>
 </p:sld>
@@ -12899,8 +13713,8 @@
         </p:blipFill>
         <p:spPr>
           <a:xfrm>
-            <a:off x="1331960" y="1993160"/>
-            <a:ext cx="1895935" cy="1103359"/>
+            <a:off x="1356852" y="1993160"/>
+            <a:ext cx="1871044" cy="1103359"/>
           </a:xfrm>
           <a:prstGeom prst="rect">
             <a:avLst/>
@@ -12935,8 +13749,8 @@
         </p:blipFill>
         <p:spPr>
           <a:xfrm>
-            <a:off x="1331960" y="3059926"/>
-            <a:ext cx="1895935" cy="485132"/>
+            <a:off x="1342103" y="3059926"/>
+            <a:ext cx="1885792" cy="485132"/>
           </a:xfrm>
           <a:prstGeom prst="rect">
             <a:avLst/>
@@ -13010,7 +13824,7 @@
                             </p:stCondLst>
                             <p:childTnLst>
                               <p:par>
-                                <p:cTn id="5" presetID="1" presetClass="entr" presetSubtype="0" fill="hold" nodeType="clickEffect">
+                                <p:cTn id="5" presetID="2" presetClass="entr" presetSubtype="4" fill="hold" nodeType="clickEffect">
                                   <p:stCondLst>
                                     <p:cond delay="0"/>
                                   </p:stCondLst>
@@ -13033,6 +13847,344 @@
                                         <p:strVal val="visible"/>
                                       </p:to>
                                     </p:set>
+                                    <p:anim calcmode="lin" valueType="num">
+                                      <p:cBhvr additive="base">
+                                        <p:cTn id="7" dur="500" fill="hold"/>
+                                        <p:tgtEl>
+                                          <p:spTgt spid="7"/>
+                                        </p:tgtEl>
+                                        <p:attrNameLst>
+                                          <p:attrName>ppt_x</p:attrName>
+                                        </p:attrNameLst>
+                                      </p:cBhvr>
+                                      <p:tavLst>
+                                        <p:tav tm="0">
+                                          <p:val>
+                                            <p:strVal val="#ppt_x"/>
+                                          </p:val>
+                                        </p:tav>
+                                        <p:tav tm="100000">
+                                          <p:val>
+                                            <p:strVal val="#ppt_x"/>
+                                          </p:val>
+                                        </p:tav>
+                                      </p:tavLst>
+                                    </p:anim>
+                                    <p:anim calcmode="lin" valueType="num">
+                                      <p:cBhvr additive="base">
+                                        <p:cTn id="8" dur="500" fill="hold"/>
+                                        <p:tgtEl>
+                                          <p:spTgt spid="7"/>
+                                        </p:tgtEl>
+                                        <p:attrNameLst>
+                                          <p:attrName>ppt_y</p:attrName>
+                                        </p:attrNameLst>
+                                      </p:cBhvr>
+                                      <p:tavLst>
+                                        <p:tav tm="0">
+                                          <p:val>
+                                            <p:strVal val="1+#ppt_h/2"/>
+                                          </p:val>
+                                        </p:tav>
+                                        <p:tav tm="100000">
+                                          <p:val>
+                                            <p:strVal val="#ppt_y"/>
+                                          </p:val>
+                                        </p:tav>
+                                      </p:tavLst>
+                                    </p:anim>
+                                  </p:childTnLst>
+                                </p:cTn>
+                              </p:par>
+                              <p:par>
+                                <p:cTn id="9" presetID="2" presetClass="entr" presetSubtype="4" fill="hold" nodeType="withEffect">
+                                  <p:stCondLst>
+                                    <p:cond delay="0"/>
+                                  </p:stCondLst>
+                                  <p:childTnLst>
+                                    <p:set>
+                                      <p:cBhvr>
+                                        <p:cTn id="10" dur="1" fill="hold">
+                                          <p:stCondLst>
+                                            <p:cond delay="0"/>
+                                          </p:stCondLst>
+                                        </p:cTn>
+                                        <p:tgtEl>
+                                          <p:spTgt spid="4"/>
+                                        </p:tgtEl>
+                                        <p:attrNameLst>
+                                          <p:attrName>style.visibility</p:attrName>
+                                        </p:attrNameLst>
+                                      </p:cBhvr>
+                                      <p:to>
+                                        <p:strVal val="visible"/>
+                                      </p:to>
+                                    </p:set>
+                                    <p:anim calcmode="lin" valueType="num">
+                                      <p:cBhvr additive="base">
+                                        <p:cTn id="11" dur="500" fill="hold"/>
+                                        <p:tgtEl>
+                                          <p:spTgt spid="4"/>
+                                        </p:tgtEl>
+                                        <p:attrNameLst>
+                                          <p:attrName>ppt_x</p:attrName>
+                                        </p:attrNameLst>
+                                      </p:cBhvr>
+                                      <p:tavLst>
+                                        <p:tav tm="0">
+                                          <p:val>
+                                            <p:strVal val="#ppt_x"/>
+                                          </p:val>
+                                        </p:tav>
+                                        <p:tav tm="100000">
+                                          <p:val>
+                                            <p:strVal val="#ppt_x"/>
+                                          </p:val>
+                                        </p:tav>
+                                      </p:tavLst>
+                                    </p:anim>
+                                    <p:anim calcmode="lin" valueType="num">
+                                      <p:cBhvr additive="base">
+                                        <p:cTn id="12" dur="500" fill="hold"/>
+                                        <p:tgtEl>
+                                          <p:spTgt spid="4"/>
+                                        </p:tgtEl>
+                                        <p:attrNameLst>
+                                          <p:attrName>ppt_y</p:attrName>
+                                        </p:attrNameLst>
+                                      </p:cBhvr>
+                                      <p:tavLst>
+                                        <p:tav tm="0">
+                                          <p:val>
+                                            <p:strVal val="1+#ppt_h/2"/>
+                                          </p:val>
+                                        </p:tav>
+                                        <p:tav tm="100000">
+                                          <p:val>
+                                            <p:strVal val="#ppt_y"/>
+                                          </p:val>
+                                        </p:tav>
+                                      </p:tavLst>
+                                    </p:anim>
+                                  </p:childTnLst>
+                                </p:cTn>
+                              </p:par>
+                              <p:par>
+                                <p:cTn id="13" presetID="2" presetClass="entr" presetSubtype="4" fill="hold" nodeType="withEffect">
+                                  <p:stCondLst>
+                                    <p:cond delay="0"/>
+                                  </p:stCondLst>
+                                  <p:childTnLst>
+                                    <p:set>
+                                      <p:cBhvr>
+                                        <p:cTn id="14" dur="1" fill="hold">
+                                          <p:stCondLst>
+                                            <p:cond delay="0"/>
+                                          </p:stCondLst>
+                                        </p:cTn>
+                                        <p:tgtEl>
+                                          <p:spTgt spid="8"/>
+                                        </p:tgtEl>
+                                        <p:attrNameLst>
+                                          <p:attrName>style.visibility</p:attrName>
+                                        </p:attrNameLst>
+                                      </p:cBhvr>
+                                      <p:to>
+                                        <p:strVal val="visible"/>
+                                      </p:to>
+                                    </p:set>
+                                    <p:anim calcmode="lin" valueType="num">
+                                      <p:cBhvr additive="base">
+                                        <p:cTn id="15" dur="500" fill="hold"/>
+                                        <p:tgtEl>
+                                          <p:spTgt spid="8"/>
+                                        </p:tgtEl>
+                                        <p:attrNameLst>
+                                          <p:attrName>ppt_x</p:attrName>
+                                        </p:attrNameLst>
+                                      </p:cBhvr>
+                                      <p:tavLst>
+                                        <p:tav tm="0">
+                                          <p:val>
+                                            <p:strVal val="#ppt_x"/>
+                                          </p:val>
+                                        </p:tav>
+                                        <p:tav tm="100000">
+                                          <p:val>
+                                            <p:strVal val="#ppt_x"/>
+                                          </p:val>
+                                        </p:tav>
+                                      </p:tavLst>
+                                    </p:anim>
+                                    <p:anim calcmode="lin" valueType="num">
+                                      <p:cBhvr additive="base">
+                                        <p:cTn id="16" dur="500" fill="hold"/>
+                                        <p:tgtEl>
+                                          <p:spTgt spid="8"/>
+                                        </p:tgtEl>
+                                        <p:attrNameLst>
+                                          <p:attrName>ppt_y</p:attrName>
+                                        </p:attrNameLst>
+                                      </p:cBhvr>
+                                      <p:tavLst>
+                                        <p:tav tm="0">
+                                          <p:val>
+                                            <p:strVal val="1+#ppt_h/2"/>
+                                          </p:val>
+                                        </p:tav>
+                                        <p:tav tm="100000">
+                                          <p:val>
+                                            <p:strVal val="#ppt_y"/>
+                                          </p:val>
+                                        </p:tav>
+                                      </p:tavLst>
+                                    </p:anim>
+                                  </p:childTnLst>
+                                </p:cTn>
+                              </p:par>
+                              <p:par>
+                                <p:cTn id="17" presetID="2" presetClass="entr" presetSubtype="4" fill="hold" nodeType="withEffect">
+                                  <p:stCondLst>
+                                    <p:cond delay="0"/>
+                                  </p:stCondLst>
+                                  <p:childTnLst>
+                                    <p:set>
+                                      <p:cBhvr>
+                                        <p:cTn id="18" dur="1" fill="hold">
+                                          <p:stCondLst>
+                                            <p:cond delay="0"/>
+                                          </p:stCondLst>
+                                        </p:cTn>
+                                        <p:tgtEl>
+                                          <p:spTgt spid="11"/>
+                                        </p:tgtEl>
+                                        <p:attrNameLst>
+                                          <p:attrName>style.visibility</p:attrName>
+                                        </p:attrNameLst>
+                                      </p:cBhvr>
+                                      <p:to>
+                                        <p:strVal val="visible"/>
+                                      </p:to>
+                                    </p:set>
+                                    <p:anim calcmode="lin" valueType="num">
+                                      <p:cBhvr additive="base">
+                                        <p:cTn id="19" dur="500" fill="hold"/>
+                                        <p:tgtEl>
+                                          <p:spTgt spid="11"/>
+                                        </p:tgtEl>
+                                        <p:attrNameLst>
+                                          <p:attrName>ppt_x</p:attrName>
+                                        </p:attrNameLst>
+                                      </p:cBhvr>
+                                      <p:tavLst>
+                                        <p:tav tm="0">
+                                          <p:val>
+                                            <p:strVal val="#ppt_x"/>
+                                          </p:val>
+                                        </p:tav>
+                                        <p:tav tm="100000">
+                                          <p:val>
+                                            <p:strVal val="#ppt_x"/>
+                                          </p:val>
+                                        </p:tav>
+                                      </p:tavLst>
+                                    </p:anim>
+                                    <p:anim calcmode="lin" valueType="num">
+                                      <p:cBhvr additive="base">
+                                        <p:cTn id="20" dur="500" fill="hold"/>
+                                        <p:tgtEl>
+                                          <p:spTgt spid="11"/>
+                                        </p:tgtEl>
+                                        <p:attrNameLst>
+                                          <p:attrName>ppt_y</p:attrName>
+                                        </p:attrNameLst>
+                                      </p:cBhvr>
+                                      <p:tavLst>
+                                        <p:tav tm="0">
+                                          <p:val>
+                                            <p:strVal val="1+#ppt_h/2"/>
+                                          </p:val>
+                                        </p:tav>
+                                        <p:tav tm="100000">
+                                          <p:val>
+                                            <p:strVal val="#ppt_y"/>
+                                          </p:val>
+                                        </p:tav>
+                                      </p:tavLst>
+                                    </p:anim>
+                                  </p:childTnLst>
+                                </p:cTn>
+                              </p:par>
+                              <p:par>
+                                <p:cTn id="21" presetID="2" presetClass="entr" presetSubtype="4" fill="hold" nodeType="withEffect">
+                                  <p:stCondLst>
+                                    <p:cond delay="0"/>
+                                  </p:stCondLst>
+                                  <p:childTnLst>
+                                    <p:set>
+                                      <p:cBhvr>
+                                        <p:cTn id="22" dur="1" fill="hold">
+                                          <p:stCondLst>
+                                            <p:cond delay="0"/>
+                                          </p:stCondLst>
+                                        </p:cTn>
+                                        <p:tgtEl>
+                                          <p:spTgt spid="13"/>
+                                        </p:tgtEl>
+                                        <p:attrNameLst>
+                                          <p:attrName>style.visibility</p:attrName>
+                                        </p:attrNameLst>
+                                      </p:cBhvr>
+                                      <p:to>
+                                        <p:strVal val="visible"/>
+                                      </p:to>
+                                    </p:set>
+                                    <p:anim calcmode="lin" valueType="num">
+                                      <p:cBhvr additive="base">
+                                        <p:cTn id="23" dur="500" fill="hold"/>
+                                        <p:tgtEl>
+                                          <p:spTgt spid="13"/>
+                                        </p:tgtEl>
+                                        <p:attrNameLst>
+                                          <p:attrName>ppt_x</p:attrName>
+                                        </p:attrNameLst>
+                                      </p:cBhvr>
+                                      <p:tavLst>
+                                        <p:tav tm="0">
+                                          <p:val>
+                                            <p:strVal val="#ppt_x"/>
+                                          </p:val>
+                                        </p:tav>
+                                        <p:tav tm="100000">
+                                          <p:val>
+                                            <p:strVal val="#ppt_x"/>
+                                          </p:val>
+                                        </p:tav>
+                                      </p:tavLst>
+                                    </p:anim>
+                                    <p:anim calcmode="lin" valueType="num">
+                                      <p:cBhvr additive="base">
+                                        <p:cTn id="24" dur="500" fill="hold"/>
+                                        <p:tgtEl>
+                                          <p:spTgt spid="13"/>
+                                        </p:tgtEl>
+                                        <p:attrNameLst>
+                                          <p:attrName>ppt_y</p:attrName>
+                                        </p:attrNameLst>
+                                      </p:cBhvr>
+                                      <p:tavLst>
+                                        <p:tav tm="0">
+                                          <p:val>
+                                            <p:strVal val="1+#ppt_h/2"/>
+                                          </p:val>
+                                        </p:tav>
+                                        <p:tav tm="100000">
+                                          <p:val>
+                                            <p:strVal val="#ppt_y"/>
+                                          </p:val>
+                                        </p:tav>
+                                      </p:tavLst>
+                                    </p:anim>
                                   </p:childTnLst>
                                 </p:cTn>
                               </p:par>
@@ -13128,13 +14280,13 @@
             <p:ph idx="1"/>
             <p:extLst>
               <p:ext uri="{D42A27DB-BD31-4B8C-83A1-F6EECF244321}">
-                <p14:modId xmlns:p14="http://schemas.microsoft.com/office/powerpoint/2010/main" val="2017938612"/>
+                <p14:modId xmlns:p14="http://schemas.microsoft.com/office/powerpoint/2010/main" val="2140857724"/>
               </p:ext>
             </p:extLst>
           </p:nvPr>
         </p:nvGraphicFramePr>
         <p:xfrm>
-          <a:off x="457200" y="1690688"/>
+          <a:off x="457200" y="1820975"/>
           <a:ext cx="11277600" cy="4351338"/>
         </p:xfrm>
         <a:graphic>
@@ -13171,7 +14323,7 @@
         </p:blipFill>
         <p:spPr>
           <a:xfrm>
-            <a:off x="9405258" y="2516187"/>
+            <a:off x="9405257" y="2603602"/>
             <a:ext cx="1575067" cy="1480457"/>
           </a:xfrm>
           <a:prstGeom prst="rect">
@@ -13193,7 +14345,7 @@
         </p:nvSpPr>
         <p:spPr>
           <a:xfrm>
-            <a:off x="9584873" y="4341813"/>
+            <a:off x="9495064" y="4465081"/>
             <a:ext cx="1395452" cy="369332"/>
           </a:xfrm>
           <a:prstGeom prst="rect">
@@ -13250,7 +14402,7 @@
                             </p:stCondLst>
                             <p:childTnLst>
                               <p:par>
-                                <p:cTn id="5" presetID="2" presetClass="entr" presetSubtype="4" fill="hold" grpId="0" nodeType="clickEffect">
+                                <p:cTn id="5" presetID="1" presetClass="entr" presetSubtype="0" fill="hold" grpId="0" nodeType="clickEffect">
                                   <p:stCondLst>
                                     <p:cond delay="0"/>
                                   </p:stCondLst>
@@ -13273,11 +14425,307 @@
                                         <p:strVal val="visible"/>
                                       </p:to>
                                     </p:set>
+                                  </p:childTnLst>
+                                </p:cTn>
+                              </p:par>
+                            </p:childTnLst>
+                          </p:cTn>
+                        </p:par>
+                      </p:childTnLst>
+                    </p:cTn>
+                  </p:par>
+                </p:childTnLst>
+              </p:cTn>
+              <p:prevCondLst>
+                <p:cond evt="onPrev" delay="0">
+                  <p:tgtEl>
+                    <p:sldTgt/>
+                  </p:tgtEl>
+                </p:cond>
+              </p:prevCondLst>
+              <p:nextCondLst>
+                <p:cond evt="onNext" delay="0">
+                  <p:tgtEl>
+                    <p:sldTgt/>
+                  </p:tgtEl>
+                </p:cond>
+              </p:nextCondLst>
+            </p:seq>
+          </p:childTnLst>
+        </p:cTn>
+      </p:par>
+    </p:tnLst>
+    <p:bldLst>
+      <p:bldP spid="2" grpId="0"/>
+    </p:bldLst>
+  </p:timing>
+</p:sld>
+</file>
+
+<file path=ppt/slides/slide5.xml><?xml version="1.0" encoding="utf-8"?>
+<p:sld xmlns:a="http://schemas.openxmlformats.org/drawingml/2006/main" xmlns:r="http://schemas.openxmlformats.org/officeDocument/2006/relationships" xmlns:p="http://schemas.openxmlformats.org/presentationml/2006/main">
+  <p:cSld>
+    <p:bg>
+      <p:bgPr>
+        <a:blipFill rotWithShape="1">
+          <a:blip r:embed="rId2">
+            <a:duotone>
+              <a:schemeClr val="bg2">
+                <a:shade val="69000"/>
+                <a:hueMod val="108000"/>
+                <a:satMod val="164000"/>
+                <a:lumMod val="74000"/>
+              </a:schemeClr>
+              <a:schemeClr val="bg2">
+                <a:tint val="96000"/>
+                <a:hueMod val="88000"/>
+                <a:satMod val="140000"/>
+                <a:lumMod val="132000"/>
+              </a:schemeClr>
+            </a:duotone>
+          </a:blip>
+          <a:stretch/>
+        </a:blipFill>
+        <a:effectLst/>
+      </p:bgPr>
+    </p:bg>
+    <p:spTree>
+      <p:nvGrpSpPr>
+        <p:cNvPr id="1" name=""/>
+        <p:cNvGrpSpPr/>
+        <p:nvPr/>
+      </p:nvGrpSpPr>
+      <p:grpSpPr>
+        <a:xfrm>
+          <a:off x="0" y="0"/>
+          <a:ext cx="0" cy="0"/>
+          <a:chOff x="0" y="0"/>
+          <a:chExt cx="0" cy="0"/>
+        </a:xfrm>
+      </p:grpSpPr>
+      <p:sp>
+        <p:nvSpPr>
+          <p:cNvPr id="2" name="Title 1">
+            <a:extLst>
+              <a:ext uri="{FF2B5EF4-FFF2-40B4-BE49-F238E27FC236}">
+                <a16:creationId xmlns:a16="http://schemas.microsoft.com/office/drawing/2014/main" id="{6F9BF657-ACDF-E66E-C308-1E5D9E0158BC}"/>
+              </a:ext>
+            </a:extLst>
+          </p:cNvPr>
+          <p:cNvSpPr>
+            <a:spLocks noGrp="1"/>
+          </p:cNvSpPr>
+          <p:nvPr>
+            <p:ph type="title"/>
+          </p:nvPr>
+        </p:nvSpPr>
+        <p:spPr>
+          <a:xfrm>
+            <a:off x="646111" y="452718"/>
+            <a:ext cx="9404723" cy="1400530"/>
+          </a:xfrm>
+        </p:spPr>
+        <p:txBody>
+          <a:bodyPr>
+            <a:normAutofit/>
+          </a:bodyPr>
+          <a:lstStyle/>
+          <a:p>
+            <a:r>
+              <a:rPr lang="en-AU" dirty="0"/>
+              <a:t>Data Sources</a:t>
+            </a:r>
+          </a:p>
+        </p:txBody>
+      </p:sp>
+      <p:sp>
+        <p:nvSpPr>
+          <p:cNvPr id="24" name="Rectangle 9">
+            <a:extLst>
+              <a:ext uri="{FF2B5EF4-FFF2-40B4-BE49-F238E27FC236}">
+                <a16:creationId xmlns:a16="http://schemas.microsoft.com/office/drawing/2014/main" id="{909FE742-1A27-4AEF-B5F0-F8C383EAB1D7}"/>
+              </a:ext>
+              <a:ext uri="{C183D7F6-B498-43B3-948B-1728B52AA6E4}">
+                <adec:decorative xmlns:adec="http://schemas.microsoft.com/office/drawing/2017/decorative" val="1"/>
+              </a:ext>
+            </a:extLst>
+          </p:cNvPr>
+          <p:cNvSpPr>
+            <a:spLocks noGrp="1" noRot="1" noChangeAspect="1" noMove="1" noResize="1" noEditPoints="1" noAdjustHandles="1" noChangeArrowheads="1" noChangeShapeType="1" noTextEdit="1"/>
+          </p:cNvSpPr>
+          <p:nvPr>
+            <p:extLst>
+              <p:ext uri="{386F3935-93C4-4BCD-93E2-E3B085C9AB24}">
+                <p16:designElem xmlns:p16="http://schemas.microsoft.com/office/powerpoint/2015/main" val="1"/>
+              </p:ext>
+            </p:extLst>
+          </p:nvPr>
+        </p:nvSpPr>
+        <p:spPr>
+          <a:xfrm>
+            <a:off x="10437812" y="0"/>
+            <a:ext cx="685800" cy="1143000"/>
+          </a:xfrm>
+          <a:prstGeom prst="rect">
+            <a:avLst/>
+          </a:prstGeom>
+          <a:solidFill>
+            <a:schemeClr val="accent1"/>
+          </a:solidFill>
+          <a:ln>
+            <a:noFill/>
+          </a:ln>
+        </p:spPr>
+        <p:style>
+          <a:lnRef idx="1">
+            <a:schemeClr val="accent1"/>
+          </a:lnRef>
+          <a:fillRef idx="3">
+            <a:schemeClr val="accent1"/>
+          </a:fillRef>
+          <a:effectRef idx="2">
+            <a:schemeClr val="accent1"/>
+          </a:effectRef>
+          <a:fontRef idx="minor">
+            <a:schemeClr val="lt1"/>
+          </a:fontRef>
+        </p:style>
+      </p:sp>
+      <p:graphicFrame>
+        <p:nvGraphicFramePr>
+          <p:cNvPr id="5" name="Content Placeholder 2">
+            <a:extLst>
+              <a:ext uri="{FF2B5EF4-FFF2-40B4-BE49-F238E27FC236}">
+                <a16:creationId xmlns:a16="http://schemas.microsoft.com/office/drawing/2014/main" id="{D2C01503-2653-C1FB-A9EF-8D7F6F5C7AC0}"/>
+              </a:ext>
+            </a:extLst>
+          </p:cNvPr>
+          <p:cNvGraphicFramePr>
+            <a:graphicFrameLocks noGrp="1"/>
+          </p:cNvGraphicFramePr>
+          <p:nvPr>
+            <p:ph idx="1"/>
+            <p:extLst>
+              <p:ext uri="{D42A27DB-BD31-4B8C-83A1-F6EECF244321}">
+                <p14:modId xmlns:p14="http://schemas.microsoft.com/office/powerpoint/2010/main" val="496091228"/>
+              </p:ext>
+            </p:extLst>
+          </p:nvPr>
+        </p:nvGraphicFramePr>
+        <p:xfrm>
+          <a:off x="1103313" y="2052638"/>
+          <a:ext cx="8947150" cy="4195762"/>
+        </p:xfrm>
+        <a:graphic>
+          <a:graphicData uri="http://schemas.openxmlformats.org/drawingml/2006/diagram">
+            <dgm:relIds xmlns:dgm="http://schemas.openxmlformats.org/drawingml/2006/diagram" xmlns:r="http://schemas.openxmlformats.org/officeDocument/2006/relationships" r:dm="rId3" r:lo="rId4" r:qs="rId5" r:cs="rId6"/>
+          </a:graphicData>
+        </a:graphic>
+      </p:graphicFrame>
+    </p:spTree>
+    <p:extLst>
+      <p:ext uri="{BB962C8B-B14F-4D97-AF65-F5344CB8AC3E}">
+        <p14:creationId xmlns:p14="http://schemas.microsoft.com/office/powerpoint/2010/main" val="3012305430"/>
+      </p:ext>
+    </p:extLst>
+  </p:cSld>
+  <p:clrMapOvr>
+    <a:masterClrMapping/>
+  </p:clrMapOvr>
+  <p:timing>
+    <p:tnLst>
+      <p:par>
+        <p:cTn id="1" dur="indefinite" restart="never" nodeType="tmRoot">
+          <p:childTnLst>
+            <p:seq concurrent="1" nextAc="seek">
+              <p:cTn id="2" dur="indefinite" nodeType="mainSeq">
+                <p:childTnLst>
+                  <p:par>
+                    <p:cTn id="3" fill="hold">
+                      <p:stCondLst>
+                        <p:cond delay="indefinite"/>
+                      </p:stCondLst>
+                      <p:childTnLst>
+                        <p:par>
+                          <p:cTn id="4" fill="hold">
+                            <p:stCondLst>
+                              <p:cond delay="0"/>
+                            </p:stCondLst>
+                            <p:childTnLst>
+                              <p:par>
+                                <p:cTn id="5" presetID="1" presetClass="entr" presetSubtype="0" fill="hold" grpId="0" nodeType="clickEffect">
+                                  <p:stCondLst>
+                                    <p:cond delay="0"/>
+                                  </p:stCondLst>
+                                  <p:childTnLst>
+                                    <p:set>
+                                      <p:cBhvr>
+                                        <p:cTn id="6" dur="1" fill="hold">
+                                          <p:stCondLst>
+                                            <p:cond delay="0"/>
+                                          </p:stCondLst>
+                                        </p:cTn>
+                                        <p:tgtEl>
+                                          <p:spTgt spid="2"/>
+                                        </p:tgtEl>
+                                        <p:attrNameLst>
+                                          <p:attrName>style.visibility</p:attrName>
+                                        </p:attrNameLst>
+                                      </p:cBhvr>
+                                      <p:to>
+                                        <p:strVal val="visible"/>
+                                      </p:to>
+                                    </p:set>
+                                  </p:childTnLst>
+                                </p:cTn>
+                              </p:par>
+                            </p:childTnLst>
+                          </p:cTn>
+                        </p:par>
+                      </p:childTnLst>
+                    </p:cTn>
+                  </p:par>
+                  <p:par>
+                    <p:cTn id="7" fill="hold">
+                      <p:stCondLst>
+                        <p:cond delay="indefinite"/>
+                      </p:stCondLst>
+                      <p:childTnLst>
+                        <p:par>
+                          <p:cTn id="8" fill="hold">
+                            <p:stCondLst>
+                              <p:cond delay="0"/>
+                            </p:stCondLst>
+                            <p:childTnLst>
+                              <p:par>
+                                <p:cTn id="9" presetID="2" presetClass="entr" presetSubtype="4" fill="hold" grpId="0" nodeType="clickEffect">
+                                  <p:stCondLst>
+                                    <p:cond delay="0"/>
+                                  </p:stCondLst>
+                                  <p:childTnLst>
+                                    <p:set>
+                                      <p:cBhvr>
+                                        <p:cTn id="10" dur="1" fill="hold">
+                                          <p:stCondLst>
+                                            <p:cond delay="0"/>
+                                          </p:stCondLst>
+                                        </p:cTn>
+                                        <p:tgtEl>
+                                          <p:spTgt spid="5"/>
+                                        </p:tgtEl>
+                                        <p:attrNameLst>
+                                          <p:attrName>style.visibility</p:attrName>
+                                        </p:attrNameLst>
+                                      </p:cBhvr>
+                                      <p:to>
+                                        <p:strVal val="visible"/>
+                                      </p:to>
+                                    </p:set>
                                     <p:anim calcmode="lin" valueType="num">
                                       <p:cBhvr additive="base">
-                                        <p:cTn id="7" dur="500" fill="hold"/>
+                                        <p:cTn id="11" dur="500" fill="hold"/>
                                         <p:tgtEl>
-                                          <p:spTgt spid="2"/>
+                                          <p:spTgt spid="5"/>
                                         </p:tgtEl>
                                         <p:attrNameLst>
                                           <p:attrName>ppt_x</p:attrName>
@@ -13298,9 +14746,9 @@
                                     </p:anim>
                                     <p:anim calcmode="lin" valueType="num">
                                       <p:cBhvr additive="base">
-                                        <p:cTn id="8" dur="500" fill="hold"/>
+                                        <p:cTn id="12" dur="500" fill="hold"/>
                                         <p:tgtEl>
-                                          <p:spTgt spid="2"/>
+                                          <p:spTgt spid="5"/>
                                         </p:tgtEl>
                                         <p:attrNameLst>
                                           <p:attrName>ppt_y</p:attrName>
@@ -13351,12 +14799,15 @@
     </p:tnLst>
     <p:bldLst>
       <p:bldP spid="2" grpId="0"/>
+      <p:bldGraphic spid="5" grpId="0">
+        <p:bldAsOne/>
+      </p:bldGraphic>
     </p:bldLst>
   </p:timing>
 </p:sld>
 </file>
 
-<file path=ppt/slides/slide5.xml><?xml version="1.0" encoding="utf-8"?>
+<file path=ppt/slides/slide6.xml><?xml version="1.0" encoding="utf-8"?>
 <p:sld xmlns:a="http://schemas.openxmlformats.org/drawingml/2006/main" xmlns:r="http://schemas.openxmlformats.org/officeDocument/2006/relationships" xmlns:p="http://schemas.openxmlformats.org/presentationml/2006/main">
   <p:cSld>
     <p:bg>
@@ -13399,8 +14850,8 @@
         </p:nvSpPr>
         <p:spPr>
           <a:xfrm>
-            <a:off x="457200" y="725467"/>
-            <a:ext cx="4952999" cy="2247616"/>
+            <a:off x="789965" y="725467"/>
+            <a:ext cx="4952999" cy="1580411"/>
           </a:xfrm>
         </p:spPr>
         <p:txBody>
@@ -13411,7 +14862,7 @@
           <a:p>
             <a:r>
               <a:rPr lang="en-AU" dirty="0"/>
-              <a:t>Selected Topic and Introduction</a:t>
+              <a:t>Introduction</a:t>
             </a:r>
           </a:p>
         </p:txBody>
@@ -13434,8 +14885,8 @@
         </p:nvSpPr>
         <p:spPr>
           <a:xfrm>
-            <a:off x="457200" y="3264832"/>
-            <a:ext cx="4952999" cy="3009494"/>
+            <a:off x="457200" y="2001078"/>
+            <a:ext cx="4952999" cy="4131455"/>
           </a:xfrm>
         </p:spPr>
         <p:txBody>
@@ -13462,11 +14913,50 @@
               </a:lnSpc>
             </a:pPr>
             <a:r>
-              <a:rPr lang="en-US" sz="1000" b="0" i="0" dirty="0">
+              <a:rPr lang="en-US" sz="1400" b="0" i="0" dirty="0">
                 <a:effectLst/>
                 <a:latin typeface="source-serif-pro"/>
               </a:rPr>
-              <a:t>The two most critical questions in the lending industry are: 1) How risky is the borrower? 2) Given the borrower’s risk, should we lend him/her? The answer to the first question determines the interest rate the borrower would have. Interest rate measures among other things (such as time value of money) the riskiness of the borrower, i.e. the riskier the borrower, the higher the interest rate. With interest rate in mind, we can then determine if the borrower is eligible for the loan.</a:t>
+              <a:t>The two critical questions in the lending industry are</a:t>
+            </a:r>
+            <a:r>
+              <a:rPr lang="en-US" sz="1400" dirty="0">
+                <a:latin typeface="source-serif-pro"/>
+              </a:rPr>
+              <a:t>,  </a:t>
+            </a:r>
+            <a:r>
+              <a:rPr lang="en-US" sz="1400" b="0" i="0" dirty="0">
+                <a:effectLst/>
+                <a:latin typeface="source-serif-pro"/>
+              </a:rPr>
+              <a:t>A) What sort of is the borrower? B) </a:t>
+            </a:r>
+            <a:r>
+              <a:rPr lang="en-US" sz="1400" dirty="0">
+                <a:latin typeface="source-serif-pro"/>
+              </a:rPr>
+              <a:t>Considering </a:t>
+            </a:r>
+            <a:r>
+              <a:rPr lang="en-US" sz="1400" b="0" i="0" dirty="0">
+                <a:effectLst/>
+                <a:latin typeface="source-serif-pro"/>
+              </a:rPr>
+              <a:t>the borrower’s risk, Could we lend </a:t>
+            </a:r>
+            <a:r>
+              <a:rPr lang="en-US" sz="1400" dirty="0">
+                <a:latin typeface="source-serif-pro"/>
+              </a:rPr>
+              <a:t>to the borrower</a:t>
+            </a:r>
+            <a:r>
+              <a:rPr lang="en-US" sz="1400" b="0" i="0" dirty="0">
+                <a:effectLst/>
+                <a:latin typeface="source-serif-pro"/>
+              </a:rPr>
+              <a:t>?</a:t>
             </a:r>
           </a:p>
           <a:p>
@@ -13476,11 +14966,24 @@
               </a:lnSpc>
             </a:pPr>
             <a:r>
-              <a:rPr lang="en-US" sz="1000" b="0" i="0" dirty="0">
+              <a:rPr lang="en-US" sz="1400" b="0" i="0" dirty="0">
                 <a:effectLst/>
                 <a:latin typeface="source-serif-pro"/>
               </a:rPr>
-              <a:t>Investors (lenders) provide loans to borrowers in exchange for the promise of repayment with interest. That means the lender only makes profit (interest) if the borrower pays off the loan. However, if he/she doesn’t repay the loan, then the lender loses money.</a:t>
+              <a:t> Lenders provide loans to borrowers in exchange for the promise of repayment with interest. That means the lender only makes profit if the borrower pays off the loan. However, if </a:t>
+            </a:r>
+            <a:r>
+              <a:rPr lang="en-US" sz="1400" dirty="0">
+                <a:latin typeface="source-serif-pro"/>
+              </a:rPr>
+              <a:t>borrower </a:t>
+            </a:r>
+            <a:r>
+              <a:rPr lang="en-US" sz="1400" b="0" i="0" dirty="0">
+                <a:effectLst/>
+                <a:latin typeface="source-serif-pro"/>
+              </a:rPr>
+              <a:t>doesn’t repay the loan, then the lender loses money. </a:t>
             </a:r>
           </a:p>
           <a:p>
@@ -13490,40 +14993,24 @@
               </a:lnSpc>
             </a:pPr>
             <a:r>
-              <a:rPr lang="en-US" sz="1000" b="0" i="0" dirty="0">
+              <a:rPr lang="en-US" sz="1400" b="0" i="0" dirty="0">
                 <a:effectLst/>
                 <a:latin typeface="source-serif-pro"/>
               </a:rPr>
-              <a:t>We’ll be using publicly available data from </a:t>
-            </a:r>
-            <a:r>
-              <a:rPr lang="en-US" sz="1000" b="0" i="0" u="sng" dirty="0">
-                <a:effectLst/>
+              <a:t>So for this project We’ll be using publicly available data from </a:t>
+            </a:r>
+            <a:r>
+              <a:rPr lang="en-US" sz="1400" u="sng" dirty="0">
                 <a:latin typeface="source-serif-pro"/>
-                <a:hlinkClick r:id="rId2"/>
               </a:rPr>
-              <a:t>LendingClub.com</a:t>
-            </a:r>
-            <a:r>
-              <a:rPr lang="en-US" sz="1000" b="0" i="0" dirty="0">
+              <a:t>https://www.kaggle.com </a:t>
+            </a:r>
+            <a:r>
+              <a:rPr lang="en-US" sz="1400" b="0" i="0" dirty="0">
                 <a:effectLst/>
                 <a:latin typeface="source-serif-pro"/>
               </a:rPr>
-              <a:t>. The data covers the 9,578 loans funded by the platform between May 2007 and February 2010. The interest rate is provided to us for each borrower. Therefore, so we’ll address the second question indirectly by trying to predict if the borrower will repay the loan by its mature date or not. Through this </a:t>
-            </a:r>
-            <a:r>
-              <a:rPr lang="en-US" sz="1000" b="0" i="0" dirty="0" err="1">
-                <a:effectLst/>
-                <a:latin typeface="source-serif-pro"/>
-              </a:rPr>
-              <a:t>excerise</a:t>
-            </a:r>
-            <a:r>
-              <a:rPr lang="en-US" sz="1000" b="0" i="0" dirty="0">
-                <a:effectLst/>
-                <a:latin typeface="source-serif-pro"/>
-              </a:rPr>
-              <a:t> we’ll illustrate three modeling concepts:</a:t>
+              <a:t> . The data covers the 9,578 loans funded by the platform between 2007 and 2010. Considering all we’ll predict if the borrower will repay the loan by its mature date or not. </a:t>
             </a:r>
           </a:p>
           <a:p>
@@ -13551,7 +15038,7 @@
           <p:nvPr/>
         </p:nvPicPr>
         <p:blipFill rotWithShape="1">
-          <a:blip r:embed="rId3"/>
+          <a:blip r:embed="rId2"/>
           <a:srcRect l="14518" r="29652" b="1"/>
           <a:stretch/>
         </p:blipFill>
@@ -14012,7 +15499,7 @@
 </p:sld>
 </file>
 
-<file path=ppt/slides/slide6.xml><?xml version="1.0" encoding="utf-8"?>
+<file path=ppt/slides/slide7.xml><?xml version="1.0" encoding="utf-8"?>
 <p:sld xmlns:a="http://schemas.openxmlformats.org/drawingml/2006/main" xmlns:r="http://schemas.openxmlformats.org/officeDocument/2006/relationships" xmlns:p="http://schemas.openxmlformats.org/presentationml/2006/main">
   <p:cSld>
     <p:spTree>
@@ -14141,7 +15628,7 @@
                 <a:effectLst/>
                 <a:latin typeface="source-serif-pro"/>
               </a:rPr>
-              <a:t>: 1 if the customer meets the credit underwriting criteria of LendingClub.com, and 0 otherwise.</a:t>
+              <a:t>: 1 if the customer meets the credit underwriting criteria of LendingClub.com, and 0 if not.</a:t>
             </a:r>
           </a:p>
           <a:p>
@@ -14182,6 +15669,20 @@
                 <a:effectLst/>
                 <a:latin typeface="source-serif-pro"/>
               </a:rPr>
+              <a:t>Educationl</a:t>
+            </a:r>
+            <a:r>
+              <a:rPr lang="en-US" b="0" i="0" dirty="0">
+                <a:effectLst/>
+                <a:latin typeface="source-serif-pro"/>
+              </a:rPr>
+              <a:t>, </a:t>
+            </a:r>
+            <a:r>
+              <a:rPr lang="en-US" b="0" i="0" dirty="0" err="1">
+                <a:effectLst/>
+                <a:latin typeface="source-serif-pro"/>
+              </a:rPr>
               <a:t>debt_consolidation</a:t>
             </a:r>
             <a:r>
@@ -14197,6 +15698,20 @@
               </a:rPr>
               <a:t> </a:t>
             </a:r>
+            <a:r>
+              <a:rPr lang="en-US" b="0" i="0" dirty="0" err="1">
+                <a:effectLst/>
+                <a:latin typeface="source-serif-pro"/>
+              </a:rPr>
+              <a:t>Home_improvement</a:t>
+            </a:r>
+            <a:r>
+              <a:rPr lang="en-US" b="0" i="0" dirty="0">
+                <a:effectLst/>
+                <a:latin typeface="source-serif-pro"/>
+              </a:rPr>
+              <a:t> etc.</a:t>
+            </a:r>
           </a:p>
           <a:p>
             <a:pPr algn="l">
@@ -14375,7 +15890,7 @@
                 <a:effectLst/>
                 <a:latin typeface="source-serif-pro"/>
               </a:rPr>
-              <a:t>: The borrower’s number of inquiries by creditors in the last 6 months.</a:t>
+              <a:t>: The borrower’s number of inquiries by creditors in the last 6 months.(no of credit checks)</a:t>
             </a:r>
           </a:p>
           <a:p>
@@ -15977,7 +17492,7 @@
 </p:sld>
 </file>
 
-<file path=ppt/slides/slide7.xml><?xml version="1.0" encoding="utf-8"?>
+<file path=ppt/slides/slide8.xml><?xml version="1.0" encoding="utf-8"?>
 <p:sld xmlns:a="http://schemas.openxmlformats.org/drawingml/2006/main" xmlns:r="http://schemas.openxmlformats.org/officeDocument/2006/relationships" xmlns:p="http://schemas.openxmlformats.org/presentationml/2006/main">
   <p:cSld>
     <p:bg>
@@ -16004,51 +17519,6 @@
       </p:grpSpPr>
       <p:sp>
         <p:nvSpPr>
-          <p:cNvPr id="2" name="Title 1">
-            <a:extLst>
-              <a:ext uri="{FF2B5EF4-FFF2-40B4-BE49-F238E27FC236}">
-                <a16:creationId xmlns:a16="http://schemas.microsoft.com/office/drawing/2014/main" id="{B278B394-0D99-BBCF-DCCB-10D987FA0746}"/>
-              </a:ext>
-            </a:extLst>
-          </p:cNvPr>
-          <p:cNvSpPr>
-            <a:spLocks noGrp="1"/>
-          </p:cNvSpPr>
-          <p:nvPr>
-            <p:ph type="title"/>
-          </p:nvPr>
-        </p:nvSpPr>
-        <p:spPr>
-          <a:xfrm>
-            <a:off x="789965" y="768207"/>
-            <a:ext cx="4952999" cy="1514150"/>
-          </a:xfrm>
-        </p:spPr>
-        <p:txBody>
-          <a:bodyPr>
-            <a:normAutofit/>
-          </a:bodyPr>
-          <a:lstStyle/>
-          <a:p>
-            <a:r>
-              <a:rPr lang="en-US" b="1" i="0" dirty="0">
-                <a:effectLst/>
-                <a:latin typeface="sohne"/>
-              </a:rPr>
-              <a:t>Modeling</a:t>
-            </a:r>
-            <a:br>
-              <a:rPr lang="en-US" b="1" i="0" dirty="0">
-                <a:effectLst/>
-                <a:latin typeface="sohne"/>
-              </a:rPr>
-            </a:br>
-            <a:endParaRPr lang="en-AU" dirty="0"/>
-          </a:p>
-        </p:txBody>
-      </p:sp>
-      <p:sp>
-        <p:nvSpPr>
           <p:cNvPr id="3" name="Content Placeholder 2">
             <a:extLst>
               <a:ext uri="{FF2B5EF4-FFF2-40B4-BE49-F238E27FC236}">
@@ -16065,36 +17535,15 @@
         </p:nvSpPr>
         <p:spPr>
           <a:xfrm>
-            <a:off x="457199" y="2105814"/>
+            <a:off x="576469" y="4424944"/>
             <a:ext cx="4952999" cy="2895600"/>
           </a:xfrm>
         </p:spPr>
         <p:txBody>
           <a:bodyPr>
-            <a:normAutofit lnSpcReduction="10000"/>
+            <a:normAutofit/>
           </a:bodyPr>
           <a:lstStyle/>
-          <a:p>
-            <a:pPr>
-              <a:lnSpc>
-                <a:spcPct val="100000"/>
-              </a:lnSpc>
-            </a:pPr>
-            <a:r>
-              <a:rPr lang="en-US" sz="1500" b="1" i="0" dirty="0">
-                <a:effectLst/>
-                <a:latin typeface="source-serif-pro"/>
-              </a:rPr>
-              <a:t>Ensemble methods</a:t>
-            </a:r>
-            <a:r>
-              <a:rPr lang="en-US" sz="1500" b="0" i="0" dirty="0">
-                <a:effectLst/>
-                <a:latin typeface="source-serif-pro"/>
-              </a:rPr>
-              <a:t> can be defined as combining several different models (base learners) into final model (meta learner) to reduce the generalization error. It relies on the assumption that each model would look at a different aspect of the data which yield to capturing part of the truth. Combining good performing models the were trained independently will capture more of the truth than a single model. Therefore, this would result in more accurate predictions and lower generalization errors.</a:t>
-            </a:r>
-          </a:p>
           <a:p>
             <a:pPr marL="0" indent="0">
               <a:lnSpc>
@@ -16141,10 +17590,279 @@
           </a:prstGeom>
         </p:spPr>
       </p:pic>
+      <p:sp>
+        <p:nvSpPr>
+          <p:cNvPr id="7" name="TextBox 6">
+            <a:extLst>
+              <a:ext uri="{FF2B5EF4-FFF2-40B4-BE49-F238E27FC236}">
+                <a16:creationId xmlns:a16="http://schemas.microsoft.com/office/drawing/2014/main" id="{5804924D-2222-30A8-2589-1705FCC8CC96}"/>
+              </a:ext>
+            </a:extLst>
+          </p:cNvPr>
+          <p:cNvSpPr txBox="1"/>
+          <p:nvPr/>
+        </p:nvSpPr>
+        <p:spPr>
+          <a:xfrm>
+            <a:off x="346412" y="1719119"/>
+            <a:ext cx="5630318" cy="3139321"/>
+          </a:xfrm>
+          <a:prstGeom prst="rect">
+            <a:avLst/>
+          </a:prstGeom>
+          <a:noFill/>
+        </p:spPr>
+        <p:txBody>
+          <a:bodyPr wrap="square">
+            <a:spAutoFit/>
+          </a:bodyPr>
+          <a:lstStyle/>
+          <a:p>
+            <a:pPr>
+              <a:lnSpc>
+                <a:spcPct val="100000"/>
+              </a:lnSpc>
+            </a:pPr>
+            <a:r>
+              <a:rPr lang="en-US" sz="1800" b="0" i="0" dirty="0">
+                <a:effectLst/>
+                <a:latin typeface="source-serif-pro"/>
+              </a:rPr>
+              <a:t>Create dummy variables from the feature “purpose” since its nominal (not ordinal) categorical variable. </a:t>
+            </a:r>
+          </a:p>
+          <a:p>
+            <a:pPr>
+              <a:lnSpc>
+                <a:spcPct val="100000"/>
+              </a:lnSpc>
+            </a:pPr>
+            <a:endParaRPr lang="en-US" dirty="0">
+              <a:latin typeface="source-serif-pro"/>
+            </a:endParaRPr>
+          </a:p>
+          <a:p>
+            <a:pPr>
+              <a:lnSpc>
+                <a:spcPct val="100000"/>
+              </a:lnSpc>
+            </a:pPr>
+            <a:r>
+              <a:rPr lang="en-US" sz="1800" b="0" i="0" dirty="0">
+                <a:effectLst/>
+                <a:latin typeface="source-serif-pro"/>
+              </a:rPr>
+              <a:t>Split the data into training set and test set. </a:t>
+            </a:r>
+          </a:p>
+          <a:p>
+            <a:pPr>
+              <a:lnSpc>
+                <a:spcPct val="100000"/>
+              </a:lnSpc>
+            </a:pPr>
+            <a:endParaRPr lang="en-US" sz="1800" b="0" i="0" dirty="0">
+              <a:effectLst/>
+              <a:latin typeface="source-serif-pro"/>
+            </a:endParaRPr>
+          </a:p>
+          <a:p>
+            <a:pPr>
+              <a:lnSpc>
+                <a:spcPct val="100000"/>
+              </a:lnSpc>
+            </a:pPr>
+            <a:r>
+              <a:rPr lang="en-US" dirty="0">
+                <a:latin typeface="source-serif-pro"/>
+              </a:rPr>
+              <a:t>Fit selected model by using the training data</a:t>
+            </a:r>
+          </a:p>
+          <a:p>
+            <a:pPr>
+              <a:lnSpc>
+                <a:spcPct val="100000"/>
+              </a:lnSpc>
+            </a:pPr>
+            <a:endParaRPr lang="en-US" dirty="0">
+              <a:latin typeface="source-serif-pro"/>
+            </a:endParaRPr>
+          </a:p>
+          <a:p>
+            <a:pPr>
+              <a:lnSpc>
+                <a:spcPct val="100000"/>
+              </a:lnSpc>
+            </a:pPr>
+            <a:r>
+              <a:rPr lang="en-US" dirty="0">
+                <a:latin typeface="source-serif-pro"/>
+              </a:rPr>
+              <a:t>Use the testing data to evaluate the model for the classification report</a:t>
+            </a:r>
+          </a:p>
+          <a:p>
+            <a:pPr>
+              <a:lnSpc>
+                <a:spcPct val="100000"/>
+              </a:lnSpc>
+            </a:pPr>
+            <a:endParaRPr lang="en-US" dirty="0">
+              <a:latin typeface="source-serif-pro"/>
+            </a:endParaRPr>
+          </a:p>
+          <a:p>
+            <a:pPr>
+              <a:lnSpc>
+                <a:spcPct val="100000"/>
+              </a:lnSpc>
+            </a:pPr>
+            <a:r>
+              <a:rPr lang="en-US" dirty="0">
+                <a:latin typeface="source-serif-pro"/>
+              </a:rPr>
+              <a:t>Select the best model for the data set</a:t>
+            </a:r>
+          </a:p>
+        </p:txBody>
+      </p:sp>
+      <p:sp>
+        <p:nvSpPr>
+          <p:cNvPr id="9" name="Title 8">
+            <a:extLst>
+              <a:ext uri="{FF2B5EF4-FFF2-40B4-BE49-F238E27FC236}">
+                <a16:creationId xmlns:a16="http://schemas.microsoft.com/office/drawing/2014/main" id="{441DB118-042B-2DB1-522A-E7E94FBB20C2}"/>
+              </a:ext>
+            </a:extLst>
+          </p:cNvPr>
+          <p:cNvSpPr>
+            <a:spLocks noGrp="1"/>
+          </p:cNvSpPr>
+          <p:nvPr>
+            <p:ph type="title"/>
+          </p:nvPr>
+        </p:nvSpPr>
+        <p:spPr>
+          <a:xfrm>
+            <a:off x="346412" y="426214"/>
+            <a:ext cx="9404723" cy="1400530"/>
+          </a:xfrm>
+        </p:spPr>
+        <p:txBody>
+          <a:bodyPr/>
+          <a:lstStyle/>
+          <a:p>
+            <a:r>
+              <a:rPr lang="en-AU" dirty="0"/>
+              <a:t>Machine Learning</a:t>
+            </a:r>
+          </a:p>
+        </p:txBody>
+      </p:sp>
     </p:spTree>
     <p:extLst>
       <p:ext uri="{BB962C8B-B14F-4D97-AF65-F5344CB8AC3E}">
         <p14:creationId xmlns:p14="http://schemas.microsoft.com/office/powerpoint/2010/main" val="3880408465"/>
+      </p:ext>
+    </p:extLst>
+  </p:cSld>
+  <p:clrMapOvr>
+    <a:masterClrMapping/>
+  </p:clrMapOvr>
+</p:sld>
+</file>
+
+<file path=ppt/slides/slide9.xml><?xml version="1.0" encoding="utf-8"?>
+<p:sld xmlns:a="http://schemas.openxmlformats.org/drawingml/2006/main" xmlns:r="http://schemas.openxmlformats.org/officeDocument/2006/relationships" xmlns:p="http://schemas.openxmlformats.org/presentationml/2006/main">
+  <p:cSld>
+    <p:spTree>
+      <p:nvGrpSpPr>
+        <p:cNvPr id="1" name=""/>
+        <p:cNvGrpSpPr/>
+        <p:nvPr/>
+      </p:nvGrpSpPr>
+      <p:grpSpPr>
+        <a:xfrm>
+          <a:off x="0" y="0"/>
+          <a:ext cx="0" cy="0"/>
+          <a:chOff x="0" y="0"/>
+          <a:chExt cx="0" cy="0"/>
+        </a:xfrm>
+      </p:grpSpPr>
+      <p:sp>
+        <p:nvSpPr>
+          <p:cNvPr id="2" name="Title 1">
+            <a:extLst>
+              <a:ext uri="{FF2B5EF4-FFF2-40B4-BE49-F238E27FC236}">
+                <a16:creationId xmlns:a16="http://schemas.microsoft.com/office/drawing/2014/main" id="{1E398985-1F60-3B1C-B8E7-85A709601B7E}"/>
+              </a:ext>
+            </a:extLst>
+          </p:cNvPr>
+          <p:cNvSpPr>
+            <a:spLocks noGrp="1"/>
+          </p:cNvSpPr>
+          <p:nvPr>
+            <p:ph type="title"/>
+          </p:nvPr>
+        </p:nvSpPr>
+        <p:spPr>
+          <a:xfrm>
+            <a:off x="1283110" y="430667"/>
+            <a:ext cx="9404723" cy="1400530"/>
+          </a:xfrm>
+        </p:spPr>
+        <p:txBody>
+          <a:bodyPr/>
+          <a:lstStyle/>
+          <a:p>
+            <a:r>
+              <a:rPr lang="en-AU" dirty="0"/>
+              <a:t>Decision Tree Classifier</a:t>
+            </a:r>
+          </a:p>
+        </p:txBody>
+      </p:sp>
+      <p:pic>
+        <p:nvPicPr>
+          <p:cNvPr id="6" name="Picture 5" descr="A screenshot of a computer&#10;&#10;Description automatically generated with low confidence">
+            <a:extLst>
+              <a:ext uri="{FF2B5EF4-FFF2-40B4-BE49-F238E27FC236}">
+                <a16:creationId xmlns:a16="http://schemas.microsoft.com/office/drawing/2014/main" id="{5660F319-68B2-B927-4E4A-C341E9C2FCB1}"/>
+              </a:ext>
+            </a:extLst>
+          </p:cNvPr>
+          <p:cNvPicPr>
+            <a:picLocks noChangeAspect="1"/>
+          </p:cNvPicPr>
+          <p:nvPr/>
+        </p:nvPicPr>
+        <p:blipFill>
+          <a:blip r:embed="rId2">
+            <a:extLst>
+              <a:ext uri="{28A0092B-C50C-407E-A947-70E740481C1C}">
+                <a14:useLocalDpi xmlns:a14="http://schemas.microsoft.com/office/drawing/2010/main" val="0"/>
+              </a:ext>
+            </a:extLst>
+          </a:blip>
+          <a:stretch>
+            <a:fillRect/>
+          </a:stretch>
+        </p:blipFill>
+        <p:spPr>
+          <a:xfrm>
+            <a:off x="1283110" y="1831197"/>
+            <a:ext cx="8477954" cy="3684699"/>
+          </a:xfrm>
+          <a:prstGeom prst="rect">
+            <a:avLst/>
+          </a:prstGeom>
+        </p:spPr>
+      </p:pic>
+    </p:spTree>
+    <p:extLst>
+      <p:ext uri="{BB962C8B-B14F-4D97-AF65-F5344CB8AC3E}">
+        <p14:creationId xmlns:p14="http://schemas.microsoft.com/office/powerpoint/2010/main" val="570029922"/>
       </p:ext>
     </p:extLst>
   </p:cSld>
@@ -16172,7 +17890,7 @@
                             </p:stCondLst>
                             <p:childTnLst>
                               <p:par>
-                                <p:cTn id="5" presetID="1" presetClass="entr" presetSubtype="0" fill="hold" grpId="0" nodeType="clickEffect">
+                                <p:cTn id="5" presetID="2" presetClass="entr" presetSubtype="4" fill="hold" nodeType="clickEffect">
                                   <p:stCondLst>
                                     <p:cond delay="0"/>
                                   </p:stCondLst>
@@ -16185,7 +17903,7 @@
                                           </p:stCondLst>
                                         </p:cTn>
                                         <p:tgtEl>
-                                          <p:spTgt spid="2"/>
+                                          <p:spTgt spid="6"/>
                                         </p:tgtEl>
                                         <p:attrNameLst>
                                           <p:attrName>style.visibility</p:attrName>
@@ -16195,55 +17913,52 @@
                                         <p:strVal val="visible"/>
                                       </p:to>
                                     </p:set>
-                                  </p:childTnLst>
-                                </p:cTn>
-                              </p:par>
-                            </p:childTnLst>
-                          </p:cTn>
-                        </p:par>
-                      </p:childTnLst>
-                    </p:cTn>
-                  </p:par>
-                  <p:par>
-                    <p:cTn id="7" fill="hold">
-                      <p:stCondLst>
-                        <p:cond delay="indefinite"/>
-                      </p:stCondLst>
-                      <p:childTnLst>
-                        <p:par>
-                          <p:cTn id="8" fill="hold">
-                            <p:stCondLst>
-                              <p:cond delay="0"/>
-                            </p:stCondLst>
-                            <p:childTnLst>
-                              <p:par>
-                                <p:cTn id="9" presetID="1" presetClass="entr" presetSubtype="0" fill="hold" grpId="0" nodeType="clickEffect">
-                                  <p:stCondLst>
-                                    <p:cond delay="0"/>
-                                  </p:stCondLst>
-                                  <p:childTnLst>
-                                    <p:set>
-                                      <p:cBhvr>
-                                        <p:cTn id="10" dur="1" fill="hold">
-                                          <p:stCondLst>
-                                            <p:cond delay="0"/>
-                                          </p:stCondLst>
-                                        </p:cTn>
+                                    <p:anim calcmode="lin" valueType="num">
+                                      <p:cBhvr additive="base">
+                                        <p:cTn id="7" dur="500" fill="hold"/>
                                         <p:tgtEl>
-                                          <p:spTgt spid="3">
-                                            <p:txEl>
-                                              <p:pRg st="0" end="0"/>
-                                            </p:txEl>
-                                          </p:spTgt>
+                                          <p:spTgt spid="6"/>
                                         </p:tgtEl>
                                         <p:attrNameLst>
-                                          <p:attrName>style.visibility</p:attrName>
+                                          <p:attrName>ppt_x</p:attrName>
                                         </p:attrNameLst>
                                       </p:cBhvr>
-                                      <p:to>
-                                        <p:strVal val="visible"/>
-                                      </p:to>
-                                    </p:set>
+                                      <p:tavLst>
+                                        <p:tav tm="0">
+                                          <p:val>
+                                            <p:strVal val="#ppt_x"/>
+                                          </p:val>
+                                        </p:tav>
+                                        <p:tav tm="100000">
+                                          <p:val>
+                                            <p:strVal val="#ppt_x"/>
+                                          </p:val>
+                                        </p:tav>
+                                      </p:tavLst>
+                                    </p:anim>
+                                    <p:anim calcmode="lin" valueType="num">
+                                      <p:cBhvr additive="base">
+                                        <p:cTn id="8" dur="500" fill="hold"/>
+                                        <p:tgtEl>
+                                          <p:spTgt spid="6"/>
+                                        </p:tgtEl>
+                                        <p:attrNameLst>
+                                          <p:attrName>ppt_y</p:attrName>
+                                        </p:attrNameLst>
+                                      </p:cBhvr>
+                                      <p:tavLst>
+                                        <p:tav tm="0">
+                                          <p:val>
+                                            <p:strVal val="1+#ppt_h/2"/>
+                                          </p:val>
+                                        </p:tav>
+                                        <p:tav tm="100000">
+                                          <p:val>
+                                            <p:strVal val="#ppt_y"/>
+                                          </p:val>
+                                        </p:tav>
+                                      </p:tavLst>
+                                    </p:anim>
                                   </p:childTnLst>
                                 </p:cTn>
                               </p:par>
@@ -16274,1137 +17989,6 @@
         </p:cTn>
       </p:par>
     </p:tnLst>
-    <p:bldLst>
-      <p:bldP spid="2" grpId="0"/>
-      <p:bldP spid="3" grpId="0" uiExpand="1" build="p"/>
-    </p:bldLst>
-  </p:timing>
-</p:sld>
-</file>
-
-<file path=ppt/slides/slide8.xml><?xml version="1.0" encoding="utf-8"?>
-<p:sld xmlns:a="http://schemas.openxmlformats.org/drawingml/2006/main" xmlns:r="http://schemas.openxmlformats.org/officeDocument/2006/relationships" xmlns:p="http://schemas.openxmlformats.org/presentationml/2006/main">
-  <p:cSld>
-    <p:bg>
-      <p:bgPr>
-        <a:solidFill>
-          <a:schemeClr val="bg1"/>
-        </a:solidFill>
-        <a:effectLst/>
-      </p:bgPr>
-    </p:bg>
-    <p:spTree>
-      <p:nvGrpSpPr>
-        <p:cNvPr id="1" name=""/>
-        <p:cNvGrpSpPr/>
-        <p:nvPr/>
-      </p:nvGrpSpPr>
-      <p:grpSpPr>
-        <a:xfrm>
-          <a:off x="0" y="0"/>
-          <a:ext cx="0" cy="0"/>
-          <a:chOff x="0" y="0"/>
-          <a:chExt cx="0" cy="0"/>
-        </a:xfrm>
-      </p:grpSpPr>
-      <p:sp>
-        <p:nvSpPr>
-          <p:cNvPr id="2" name="Title 1">
-            <a:extLst>
-              <a:ext uri="{FF2B5EF4-FFF2-40B4-BE49-F238E27FC236}">
-                <a16:creationId xmlns:a16="http://schemas.microsoft.com/office/drawing/2014/main" id="{2D0758DD-0CD1-7D0E-7DF2-9AE106D9F178}"/>
-              </a:ext>
-            </a:extLst>
-          </p:cNvPr>
-          <p:cNvSpPr>
-            <a:spLocks noGrp="1"/>
-          </p:cNvSpPr>
-          <p:nvPr>
-            <p:ph type="title"/>
-          </p:nvPr>
-        </p:nvSpPr>
-        <p:spPr>
-          <a:xfrm>
-            <a:off x="457200" y="725467"/>
-            <a:ext cx="4952999" cy="2247616"/>
-          </a:xfrm>
-        </p:spPr>
-        <p:txBody>
-          <a:bodyPr>
-            <a:normAutofit/>
-          </a:bodyPr>
-          <a:lstStyle/>
-          <a:p>
-            <a:r>
-              <a:rPr lang="en-US" sz="3700" b="0" i="0" dirty="0">
-                <a:effectLst/>
-                <a:latin typeface="source-serif-pro"/>
-              </a:rPr>
-              <a:t>Data preprocessing</a:t>
-            </a:r>
-            <a:endParaRPr lang="en-AU" sz="3700" dirty="0"/>
-          </a:p>
-        </p:txBody>
-      </p:sp>
-      <p:sp>
-        <p:nvSpPr>
-          <p:cNvPr id="3" name="Content Placeholder 2">
-            <a:extLst>
-              <a:ext uri="{FF2B5EF4-FFF2-40B4-BE49-F238E27FC236}">
-                <a16:creationId xmlns:a16="http://schemas.microsoft.com/office/drawing/2014/main" id="{093FAE58-C334-6B02-0F23-7BDF9086D6A3}"/>
-              </a:ext>
-            </a:extLst>
-          </p:cNvPr>
-          <p:cNvSpPr>
-            <a:spLocks noGrp="1"/>
-          </p:cNvSpPr>
-          <p:nvPr>
-            <p:ph idx="1"/>
-          </p:nvPr>
-        </p:nvSpPr>
-        <p:spPr>
-          <a:xfrm>
-            <a:off x="139148" y="1849275"/>
-            <a:ext cx="4952999" cy="3009494"/>
-          </a:xfrm>
-        </p:spPr>
-        <p:txBody>
-          <a:bodyPr>
-            <a:normAutofit/>
-          </a:bodyPr>
-          <a:lstStyle/>
-          <a:p>
-            <a:pPr>
-              <a:lnSpc>
-                <a:spcPct val="100000"/>
-              </a:lnSpc>
-              <a:buFont typeface="+mj-lt"/>
-              <a:buAutoNum type="arabicPeriod"/>
-            </a:pPr>
-            <a:r>
-              <a:rPr lang="en-US" sz="1500" b="0" i="0" dirty="0">
-                <a:effectLst/>
-                <a:latin typeface="source-serif-pro"/>
-              </a:rPr>
-              <a:t>Create dummy variables from the feature “purpose” since its nominal (not ordinal) categorical variable. It’s also a good practice to drop the first one to avoid linear dependency between the resulted features since some algorithms may struggle with this issue.</a:t>
-            </a:r>
-          </a:p>
-          <a:p>
-            <a:pPr>
-              <a:lnSpc>
-                <a:spcPct val="100000"/>
-              </a:lnSpc>
-              <a:buFont typeface="+mj-lt"/>
-              <a:buAutoNum type="arabicPeriod"/>
-            </a:pPr>
-            <a:r>
-              <a:rPr lang="en-US" sz="1500" b="0" i="0" dirty="0">
-                <a:effectLst/>
-                <a:latin typeface="source-serif-pro"/>
-              </a:rPr>
-              <a:t>Split the data into training set (70%), and test set (30%). Training set will be used to fit the model, and test set will be to evaluate the best model to get an estimation of generalization error. Instead of having validation set to tune hyperparameters and evaluate different models, we’ll use 10-folds cross validation because it’s more reliable estimate of generalization error.</a:t>
-            </a:r>
-          </a:p>
-          <a:p>
-            <a:pPr>
-              <a:lnSpc>
-                <a:spcPct val="100000"/>
-              </a:lnSpc>
-            </a:pPr>
-            <a:endParaRPr lang="en-AU" sz="1500" dirty="0"/>
-          </a:p>
-        </p:txBody>
-      </p:sp>
-      <p:pic>
-        <p:nvPicPr>
-          <p:cNvPr id="50" name="Picture 4" descr="Graph on document with pen">
-            <a:extLst>
-              <a:ext uri="{FF2B5EF4-FFF2-40B4-BE49-F238E27FC236}">
-                <a16:creationId xmlns:a16="http://schemas.microsoft.com/office/drawing/2014/main" id="{891A4FD0-04EB-5DF1-EC24-A6D9B5A534B6}"/>
-              </a:ext>
-            </a:extLst>
-          </p:cNvPr>
-          <p:cNvPicPr>
-            <a:picLocks noChangeAspect="1"/>
-          </p:cNvPicPr>
-          <p:nvPr/>
-        </p:nvPicPr>
-        <p:blipFill rotWithShape="1">
-          <a:blip r:embed="rId2"/>
-          <a:srcRect l="27047" r="13325" b="-1"/>
-          <a:stretch/>
-        </p:blipFill>
-        <p:spPr>
-          <a:xfrm>
-            <a:off x="6075730" y="-3440"/>
-            <a:ext cx="6129239" cy="6861439"/>
-          </a:xfrm>
-          <a:prstGeom prst="rect">
-            <a:avLst/>
-          </a:prstGeom>
-        </p:spPr>
-      </p:pic>
-    </p:spTree>
-    <p:extLst>
-      <p:ext uri="{BB962C8B-B14F-4D97-AF65-F5344CB8AC3E}">
-        <p14:creationId xmlns:p14="http://schemas.microsoft.com/office/powerpoint/2010/main" val="733149036"/>
-      </p:ext>
-    </p:extLst>
-  </p:cSld>
-  <p:clrMapOvr>
-    <a:masterClrMapping/>
-  </p:clrMapOvr>
-  <p:timing>
-    <p:tnLst>
-      <p:par>
-        <p:cTn id="1" dur="indefinite" restart="never" nodeType="tmRoot">
-          <p:childTnLst>
-            <p:seq concurrent="1" nextAc="seek">
-              <p:cTn id="2" dur="indefinite" nodeType="mainSeq">
-                <p:childTnLst>
-                  <p:par>
-                    <p:cTn id="3" fill="hold">
-                      <p:stCondLst>
-                        <p:cond delay="indefinite"/>
-                      </p:stCondLst>
-                      <p:childTnLst>
-                        <p:par>
-                          <p:cTn id="4" fill="hold">
-                            <p:stCondLst>
-                              <p:cond delay="0"/>
-                            </p:stCondLst>
-                            <p:childTnLst>
-                              <p:par>
-                                <p:cTn id="5" presetID="1" presetClass="entr" presetSubtype="0" fill="hold" grpId="0" nodeType="clickEffect">
-                                  <p:stCondLst>
-                                    <p:cond delay="0"/>
-                                  </p:stCondLst>
-                                  <p:childTnLst>
-                                    <p:set>
-                                      <p:cBhvr>
-                                        <p:cTn id="6" dur="1" fill="hold">
-                                          <p:stCondLst>
-                                            <p:cond delay="0"/>
-                                          </p:stCondLst>
-                                        </p:cTn>
-                                        <p:tgtEl>
-                                          <p:spTgt spid="2"/>
-                                        </p:tgtEl>
-                                        <p:attrNameLst>
-                                          <p:attrName>style.visibility</p:attrName>
-                                        </p:attrNameLst>
-                                      </p:cBhvr>
-                                      <p:to>
-                                        <p:strVal val="visible"/>
-                                      </p:to>
-                                    </p:set>
-                                  </p:childTnLst>
-                                </p:cTn>
-                              </p:par>
-                            </p:childTnLst>
-                          </p:cTn>
-                        </p:par>
-                      </p:childTnLst>
-                    </p:cTn>
-                  </p:par>
-                  <p:par>
-                    <p:cTn id="7" fill="hold">
-                      <p:stCondLst>
-                        <p:cond delay="indefinite"/>
-                      </p:stCondLst>
-                      <p:childTnLst>
-                        <p:par>
-                          <p:cTn id="8" fill="hold">
-                            <p:stCondLst>
-                              <p:cond delay="0"/>
-                            </p:stCondLst>
-                            <p:childTnLst>
-                              <p:par>
-                                <p:cTn id="9" presetID="1" presetClass="entr" presetSubtype="0" fill="hold" grpId="0" nodeType="clickEffect">
-                                  <p:stCondLst>
-                                    <p:cond delay="0"/>
-                                  </p:stCondLst>
-                                  <p:childTnLst>
-                                    <p:set>
-                                      <p:cBhvr>
-                                        <p:cTn id="10" dur="1" fill="hold">
-                                          <p:stCondLst>
-                                            <p:cond delay="0"/>
-                                          </p:stCondLst>
-                                        </p:cTn>
-                                        <p:tgtEl>
-                                          <p:spTgt spid="3">
-                                            <p:txEl>
-                                              <p:pRg st="0" end="0"/>
-                                            </p:txEl>
-                                          </p:spTgt>
-                                        </p:tgtEl>
-                                        <p:attrNameLst>
-                                          <p:attrName>style.visibility</p:attrName>
-                                        </p:attrNameLst>
-                                      </p:cBhvr>
-                                      <p:to>
-                                        <p:strVal val="visible"/>
-                                      </p:to>
-                                    </p:set>
-                                  </p:childTnLst>
-                                </p:cTn>
-                              </p:par>
-                            </p:childTnLst>
-                          </p:cTn>
-                        </p:par>
-                      </p:childTnLst>
-                    </p:cTn>
-                  </p:par>
-                  <p:par>
-                    <p:cTn id="11" fill="hold">
-                      <p:stCondLst>
-                        <p:cond delay="indefinite"/>
-                      </p:stCondLst>
-                      <p:childTnLst>
-                        <p:par>
-                          <p:cTn id="12" fill="hold">
-                            <p:stCondLst>
-                              <p:cond delay="0"/>
-                            </p:stCondLst>
-                            <p:childTnLst>
-                              <p:par>
-                                <p:cTn id="13" presetID="1" presetClass="entr" presetSubtype="0" fill="hold" grpId="0" nodeType="clickEffect">
-                                  <p:stCondLst>
-                                    <p:cond delay="0"/>
-                                  </p:stCondLst>
-                                  <p:childTnLst>
-                                    <p:set>
-                                      <p:cBhvr>
-                                        <p:cTn id="14" dur="1" fill="hold">
-                                          <p:stCondLst>
-                                            <p:cond delay="0"/>
-                                          </p:stCondLst>
-                                        </p:cTn>
-                                        <p:tgtEl>
-                                          <p:spTgt spid="3">
-                                            <p:txEl>
-                                              <p:pRg st="1" end="1"/>
-                                            </p:txEl>
-                                          </p:spTgt>
-                                        </p:tgtEl>
-                                        <p:attrNameLst>
-                                          <p:attrName>style.visibility</p:attrName>
-                                        </p:attrNameLst>
-                                      </p:cBhvr>
-                                      <p:to>
-                                        <p:strVal val="visible"/>
-                                      </p:to>
-                                    </p:set>
-                                  </p:childTnLst>
-                                </p:cTn>
-                              </p:par>
-                            </p:childTnLst>
-                          </p:cTn>
-                        </p:par>
-                      </p:childTnLst>
-                    </p:cTn>
-                  </p:par>
-                </p:childTnLst>
-              </p:cTn>
-              <p:prevCondLst>
-                <p:cond evt="onPrev" delay="0">
-                  <p:tgtEl>
-                    <p:sldTgt/>
-                  </p:tgtEl>
-                </p:cond>
-              </p:prevCondLst>
-              <p:nextCondLst>
-                <p:cond evt="onNext" delay="0">
-                  <p:tgtEl>
-                    <p:sldTgt/>
-                  </p:tgtEl>
-                </p:cond>
-              </p:nextCondLst>
-            </p:seq>
-          </p:childTnLst>
-        </p:cTn>
-      </p:par>
-    </p:tnLst>
-    <p:bldLst>
-      <p:bldP spid="2" grpId="0"/>
-      <p:bldP spid="3" grpId="0" build="p"/>
-    </p:bldLst>
-  </p:timing>
-</p:sld>
-</file>
-
-<file path=ppt/slides/slide9.xml><?xml version="1.0" encoding="utf-8"?>
-<p:sld xmlns:a="http://schemas.openxmlformats.org/drawingml/2006/main" xmlns:r="http://schemas.openxmlformats.org/officeDocument/2006/relationships" xmlns:p="http://schemas.openxmlformats.org/presentationml/2006/main">
-  <p:cSld>
-    <p:bg>
-      <p:bgPr>
-        <a:blipFill rotWithShape="1">
-          <a:blip r:embed="rId2">
-            <a:duotone>
-              <a:schemeClr val="bg2">
-                <a:shade val="62000"/>
-                <a:hueMod val="108000"/>
-                <a:satMod val="164000"/>
-                <a:lumMod val="69000"/>
-              </a:schemeClr>
-              <a:schemeClr val="bg2">
-                <a:tint val="96000"/>
-                <a:hueMod val="90000"/>
-                <a:satMod val="130000"/>
-                <a:lumMod val="134000"/>
-              </a:schemeClr>
-            </a:duotone>
-          </a:blip>
-          <a:stretch/>
-        </a:blipFill>
-        <a:effectLst/>
-      </p:bgPr>
-    </p:bg>
-    <p:spTree>
-      <p:nvGrpSpPr>
-        <p:cNvPr id="1" name=""/>
-        <p:cNvGrpSpPr/>
-        <p:nvPr/>
-      </p:nvGrpSpPr>
-      <p:grpSpPr>
-        <a:xfrm>
-          <a:off x="0" y="0"/>
-          <a:ext cx="0" cy="0"/>
-          <a:chOff x="0" y="0"/>
-          <a:chExt cx="0" cy="0"/>
-        </a:xfrm>
-      </p:grpSpPr>
-      <p:sp>
-        <p:nvSpPr>
-          <p:cNvPr id="2" name="Title 1">
-            <a:extLst>
-              <a:ext uri="{FF2B5EF4-FFF2-40B4-BE49-F238E27FC236}">
-                <a16:creationId xmlns:a16="http://schemas.microsoft.com/office/drawing/2014/main" id="{41AF79C0-7389-1E23-A245-F080AB7B525B}"/>
-              </a:ext>
-            </a:extLst>
-          </p:cNvPr>
-          <p:cNvSpPr>
-            <a:spLocks noGrp="1"/>
-          </p:cNvSpPr>
-          <p:nvPr>
-            <p:ph type="title"/>
-          </p:nvPr>
-        </p:nvSpPr>
-        <p:spPr>
-          <a:xfrm>
-            <a:off x="1102555" y="544999"/>
-            <a:ext cx="9404723" cy="1400530"/>
-          </a:xfrm>
-        </p:spPr>
-        <p:txBody>
-          <a:bodyPr>
-            <a:normAutofit/>
-          </a:bodyPr>
-          <a:lstStyle/>
-          <a:p>
-            <a:r>
-              <a:rPr lang="en-US" b="1" i="0" dirty="0">
-                <a:effectLst/>
-                <a:latin typeface="sohne"/>
-              </a:rPr>
-              <a:t>Conclusion</a:t>
-            </a:r>
-            <a:br>
-              <a:rPr lang="en-US" b="1" i="0" dirty="0">
-                <a:effectLst/>
-                <a:latin typeface="sohne"/>
-              </a:rPr>
-            </a:br>
-            <a:endParaRPr lang="en-AU" dirty="0"/>
-          </a:p>
-        </p:txBody>
-      </p:sp>
-      <p:pic>
-        <p:nvPicPr>
-          <p:cNvPr id="14" name="Picture 13" descr="Graphical user interface&#10;&#10;Description automatically generated with medium confidence">
-            <a:extLst>
-              <a:ext uri="{FF2B5EF4-FFF2-40B4-BE49-F238E27FC236}">
-                <a16:creationId xmlns:a16="http://schemas.microsoft.com/office/drawing/2014/main" id="{6C55759E-B9F8-7372-B483-10895E3F4F97}"/>
-              </a:ext>
-            </a:extLst>
-          </p:cNvPr>
-          <p:cNvPicPr>
-            <a:picLocks noChangeAspect="1"/>
-          </p:cNvPicPr>
-          <p:nvPr/>
-        </p:nvPicPr>
-        <p:blipFill rotWithShape="1">
-          <a:blip r:embed="rId3">
-            <a:extLst>
-              <a:ext uri="{28A0092B-C50C-407E-A947-70E740481C1C}">
-                <a14:useLocalDpi xmlns:a14="http://schemas.microsoft.com/office/drawing/2010/main" val="0"/>
-              </a:ext>
-            </a:extLst>
-          </a:blip>
-          <a:srcRect r="7088"/>
-          <a:stretch/>
-        </p:blipFill>
-        <p:spPr>
-          <a:xfrm>
-            <a:off x="1102555" y="2052213"/>
-            <a:ext cx="3409507" cy="2028293"/>
-          </a:xfrm>
-          <a:prstGeom prst="rect">
-            <a:avLst/>
-          </a:prstGeom>
-          <a:effectLst>
-            <a:outerShdw blurRad="50800" dist="38100" dir="5400000" algn="t" rotWithShape="0">
-              <a:prstClr val="black">
-                <a:alpha val="43000"/>
-              </a:prstClr>
-            </a:outerShdw>
-          </a:effectLst>
-        </p:spPr>
-      </p:pic>
-      <p:pic>
-        <p:nvPicPr>
-          <p:cNvPr id="10" name="Picture 9" descr="Diagram, engineering drawing&#10;&#10;Description automatically generated">
-            <a:extLst>
-              <a:ext uri="{FF2B5EF4-FFF2-40B4-BE49-F238E27FC236}">
-                <a16:creationId xmlns:a16="http://schemas.microsoft.com/office/drawing/2014/main" id="{D446AF04-7EE9-112B-85CA-6AB42A7A7045}"/>
-              </a:ext>
-            </a:extLst>
-          </p:cNvPr>
-          <p:cNvPicPr>
-            <a:picLocks noChangeAspect="1"/>
-          </p:cNvPicPr>
-          <p:nvPr/>
-        </p:nvPicPr>
-        <p:blipFill rotWithShape="1">
-          <a:blip r:embed="rId4">
-            <a:extLst>
-              <a:ext uri="{28A0092B-C50C-407E-A947-70E740481C1C}">
-                <a14:useLocalDpi xmlns:a14="http://schemas.microsoft.com/office/drawing/2010/main" val="0"/>
-              </a:ext>
-            </a:extLst>
-          </a:blip>
-          <a:srcRect t="9626" r="4" b="4"/>
-          <a:stretch/>
-        </p:blipFill>
-        <p:spPr>
-          <a:xfrm>
-            <a:off x="1102555" y="4187190"/>
-            <a:ext cx="3409507" cy="2061208"/>
-          </a:xfrm>
-          <a:prstGeom prst="rect">
-            <a:avLst/>
-          </a:prstGeom>
-          <a:effectLst>
-            <a:outerShdw blurRad="50800" dist="38100" dir="5400000" algn="t" rotWithShape="0">
-              <a:prstClr val="black">
-                <a:alpha val="43000"/>
-              </a:prstClr>
-            </a:outerShdw>
-          </a:effectLst>
-        </p:spPr>
-      </p:pic>
-      <p:sp>
-        <p:nvSpPr>
-          <p:cNvPr id="27" name="Content Placeholder 2">
-            <a:extLst>
-              <a:ext uri="{FF2B5EF4-FFF2-40B4-BE49-F238E27FC236}">
-                <a16:creationId xmlns:a16="http://schemas.microsoft.com/office/drawing/2014/main" id="{C6767A52-EDD1-1F54-DC97-6C043F5E4939}"/>
-              </a:ext>
-            </a:extLst>
-          </p:cNvPr>
-          <p:cNvSpPr>
-            <a:spLocks noGrp="1"/>
-          </p:cNvSpPr>
-          <p:nvPr>
-            <p:ph idx="1"/>
-          </p:nvPr>
-        </p:nvSpPr>
-        <p:spPr>
-          <a:xfrm>
-            <a:off x="5175647" y="2052918"/>
-            <a:ext cx="6367721" cy="4195481"/>
-          </a:xfrm>
-        </p:spPr>
-        <p:txBody>
-          <a:bodyPr>
-            <a:normAutofit/>
-          </a:bodyPr>
-          <a:lstStyle/>
-          <a:p>
-            <a:pPr>
-              <a:lnSpc>
-                <a:spcPct val="90000"/>
-              </a:lnSpc>
-            </a:pPr>
-            <a:r>
-              <a:rPr lang="en-US" sz="1100" b="0" i="0" dirty="0">
-                <a:effectLst/>
-                <a:latin typeface="source-serif-pro"/>
-              </a:rPr>
-              <a:t>Most classification problems in the real world are imbalanced. Also, almost always data sets have missing values. In this post, we covered strategies to deal with both missing values and imbalanced data sets. We also explored different ways of building ensembles in </a:t>
-            </a:r>
-            <a:r>
-              <a:rPr lang="en-US" sz="1100" b="0" i="0" dirty="0" err="1">
-                <a:effectLst/>
-                <a:latin typeface="source-serif-pro"/>
-              </a:rPr>
-              <a:t>sklearn</a:t>
-            </a:r>
-            <a:r>
-              <a:rPr lang="en-US" sz="1100" b="0" i="0" dirty="0">
-                <a:effectLst/>
-                <a:latin typeface="source-serif-pro"/>
-              </a:rPr>
-              <a:t>. Below are some takeaway points:</a:t>
-            </a:r>
-          </a:p>
-          <a:p>
-            <a:pPr>
-              <a:lnSpc>
-                <a:spcPct val="90000"/>
-              </a:lnSpc>
-              <a:buFont typeface="Arial" panose="020B0604020202020204" pitchFamily="34" charset="0"/>
-              <a:buChar char="•"/>
-            </a:pPr>
-            <a:r>
-              <a:rPr lang="en-US" sz="1100" b="0" i="0" dirty="0">
-                <a:effectLst/>
-                <a:latin typeface="source-serif-pro"/>
-              </a:rPr>
-              <a:t>There is no definitive guide of which algorithms to use given any situation. What may work on some data sets may not necessarily work on others. Therefore, always evaluate methods using cross validation to get a reliable estimates.</a:t>
-            </a:r>
-          </a:p>
-          <a:p>
-            <a:pPr>
-              <a:lnSpc>
-                <a:spcPct val="90000"/>
-              </a:lnSpc>
-              <a:buFont typeface="Arial" panose="020B0604020202020204" pitchFamily="34" charset="0"/>
-              <a:buChar char="•"/>
-            </a:pPr>
-            <a:r>
-              <a:rPr lang="en-US" sz="1100" b="0" i="0" dirty="0">
-                <a:effectLst/>
-                <a:latin typeface="source-serif-pro"/>
-              </a:rPr>
-              <a:t>Sometimes we may be willing to give up some improvement to the model if that would increase the complexity much more than the percentage change in the improvement to the evaluation metrics.</a:t>
-            </a:r>
-          </a:p>
-          <a:p>
-            <a:pPr>
-              <a:lnSpc>
-                <a:spcPct val="90000"/>
-              </a:lnSpc>
-              <a:buFont typeface="Arial" panose="020B0604020202020204" pitchFamily="34" charset="0"/>
-              <a:buChar char="•"/>
-            </a:pPr>
-            <a:r>
-              <a:rPr lang="en-US" sz="1100" b="0" i="0" dirty="0">
-                <a:effectLst/>
-                <a:latin typeface="source-serif-pro"/>
-              </a:rPr>
-              <a:t>In some classification problems, </a:t>
-            </a:r>
-            <a:r>
-              <a:rPr lang="en-US" sz="1100" b="0" i="1" dirty="0">
-                <a:effectLst/>
-                <a:latin typeface="source-serif-pro"/>
-              </a:rPr>
-              <a:t>False Negatives</a:t>
-            </a:r>
-            <a:r>
-              <a:rPr lang="en-US" sz="1100" b="0" i="0" dirty="0">
-                <a:effectLst/>
-                <a:latin typeface="source-serif-pro"/>
-              </a:rPr>
-              <a:t> are a lot more expensive than </a:t>
-            </a:r>
-            <a:r>
-              <a:rPr lang="en-US" sz="1100" b="0" i="1" dirty="0">
-                <a:effectLst/>
-                <a:latin typeface="source-serif-pro"/>
-              </a:rPr>
-              <a:t>False Positives</a:t>
-            </a:r>
-            <a:r>
-              <a:rPr lang="en-US" sz="1100" b="0" i="0" dirty="0">
-                <a:effectLst/>
-                <a:latin typeface="source-serif-pro"/>
-              </a:rPr>
-              <a:t>. Therefore, we can reduce cut-off points to reduce the False Negatives.</a:t>
-            </a:r>
-          </a:p>
-          <a:p>
-            <a:pPr>
-              <a:lnSpc>
-                <a:spcPct val="90000"/>
-              </a:lnSpc>
-              <a:buFont typeface="Arial" panose="020B0604020202020204" pitchFamily="34" charset="0"/>
-              <a:buChar char="•"/>
-            </a:pPr>
-            <a:r>
-              <a:rPr lang="en-US" sz="1100" b="0" i="0" dirty="0">
-                <a:effectLst/>
-                <a:latin typeface="source-serif-pro"/>
-              </a:rPr>
-              <a:t>When building ensemble models, try to use good models that are as different as possible to reduce correlation between the base learners. We could’ve enhanced our stacked ensemble model by adding </a:t>
-            </a:r>
-            <a:r>
-              <a:rPr lang="en-US" sz="1100" b="0" i="1" dirty="0">
-                <a:effectLst/>
-                <a:latin typeface="source-serif-pro"/>
-              </a:rPr>
-              <a:t>Dense Neural Network</a:t>
-            </a:r>
-            <a:r>
-              <a:rPr lang="en-US" sz="1100" b="0" i="0" dirty="0">
-                <a:effectLst/>
-                <a:latin typeface="source-serif-pro"/>
-              </a:rPr>
-              <a:t> and some other kind of base learners as well as adding more layers to the stacked model.</a:t>
-            </a:r>
-          </a:p>
-          <a:p>
-            <a:pPr>
-              <a:lnSpc>
-                <a:spcPct val="90000"/>
-              </a:lnSpc>
-              <a:buFont typeface="Arial" panose="020B0604020202020204" pitchFamily="34" charset="0"/>
-              <a:buChar char="•"/>
-            </a:pPr>
-            <a:r>
-              <a:rPr lang="en-US" sz="1100" b="0" i="0" dirty="0" err="1">
-                <a:effectLst/>
-                <a:latin typeface="source-serif-pro"/>
-              </a:rPr>
-              <a:t>EasyEnsemble</a:t>
-            </a:r>
-            <a:r>
-              <a:rPr lang="en-US" sz="1100" b="0" i="0" dirty="0">
-                <a:effectLst/>
-                <a:latin typeface="source-serif-pro"/>
-              </a:rPr>
-              <a:t> usually performs better than any other resampling methods.</a:t>
-            </a:r>
-          </a:p>
-          <a:p>
-            <a:pPr>
-              <a:lnSpc>
-                <a:spcPct val="90000"/>
-              </a:lnSpc>
-              <a:buFont typeface="Arial" panose="020B0604020202020204" pitchFamily="34" charset="0"/>
-              <a:buChar char="•"/>
-            </a:pPr>
-            <a:r>
-              <a:rPr lang="en-US" sz="1100" b="0" i="0" dirty="0">
-                <a:effectLst/>
-                <a:latin typeface="source-serif-pro"/>
-              </a:rPr>
-              <a:t>Missing values sometimes add more information to the model than we might expect. One way of capturing it is to add binary features for each feature that has missing values to check if each example is missing or not.</a:t>
-            </a:r>
-          </a:p>
-          <a:p>
-            <a:pPr marL="0" indent="0">
-              <a:lnSpc>
-                <a:spcPct val="90000"/>
-              </a:lnSpc>
-              <a:buNone/>
-            </a:pPr>
-            <a:br>
-              <a:rPr lang="en-US" sz="1100" dirty="0">
-                <a:effectLst/>
-              </a:rPr>
-            </a:br>
-            <a:endParaRPr lang="en-AU" sz="1100" dirty="0"/>
-          </a:p>
-        </p:txBody>
-      </p:sp>
-    </p:spTree>
-    <p:extLst>
-      <p:ext uri="{BB962C8B-B14F-4D97-AF65-F5344CB8AC3E}">
-        <p14:creationId xmlns:p14="http://schemas.microsoft.com/office/powerpoint/2010/main" val="1173549489"/>
-      </p:ext>
-    </p:extLst>
-  </p:cSld>
-  <p:clrMapOvr>
-    <a:masterClrMapping/>
-  </p:clrMapOvr>
-  <p:timing>
-    <p:tnLst>
-      <p:par>
-        <p:cTn id="1" dur="indefinite" restart="never" nodeType="tmRoot">
-          <p:childTnLst>
-            <p:seq concurrent="1" nextAc="seek">
-              <p:cTn id="2" dur="indefinite" nodeType="mainSeq">
-                <p:childTnLst>
-                  <p:par>
-                    <p:cTn id="3" fill="hold">
-                      <p:stCondLst>
-                        <p:cond delay="indefinite"/>
-                      </p:stCondLst>
-                      <p:childTnLst>
-                        <p:par>
-                          <p:cTn id="4" fill="hold">
-                            <p:stCondLst>
-                              <p:cond delay="0"/>
-                            </p:stCondLst>
-                            <p:childTnLst>
-                              <p:par>
-                                <p:cTn id="5" presetID="1" presetClass="entr" presetSubtype="0" fill="hold" grpId="0" nodeType="clickEffect">
-                                  <p:stCondLst>
-                                    <p:cond delay="0"/>
-                                  </p:stCondLst>
-                                  <p:childTnLst>
-                                    <p:set>
-                                      <p:cBhvr>
-                                        <p:cTn id="6" dur="1" fill="hold">
-                                          <p:stCondLst>
-                                            <p:cond delay="0"/>
-                                          </p:stCondLst>
-                                        </p:cTn>
-                                        <p:tgtEl>
-                                          <p:spTgt spid="27">
-                                            <p:txEl>
-                                              <p:pRg st="0" end="0"/>
-                                            </p:txEl>
-                                          </p:spTgt>
-                                        </p:tgtEl>
-                                        <p:attrNameLst>
-                                          <p:attrName>style.visibility</p:attrName>
-                                        </p:attrNameLst>
-                                      </p:cBhvr>
-                                      <p:to>
-                                        <p:strVal val="visible"/>
-                                      </p:to>
-                                    </p:set>
-                                  </p:childTnLst>
-                                </p:cTn>
-                              </p:par>
-                            </p:childTnLst>
-                          </p:cTn>
-                        </p:par>
-                      </p:childTnLst>
-                    </p:cTn>
-                  </p:par>
-                  <p:par>
-                    <p:cTn id="7" fill="hold">
-                      <p:stCondLst>
-                        <p:cond delay="indefinite"/>
-                      </p:stCondLst>
-                      <p:childTnLst>
-                        <p:par>
-                          <p:cTn id="8" fill="hold">
-                            <p:stCondLst>
-                              <p:cond delay="0"/>
-                            </p:stCondLst>
-                            <p:childTnLst>
-                              <p:par>
-                                <p:cTn id="9" presetID="1" presetClass="entr" presetSubtype="0" fill="hold" grpId="0" nodeType="clickEffect">
-                                  <p:stCondLst>
-                                    <p:cond delay="0"/>
-                                  </p:stCondLst>
-                                  <p:childTnLst>
-                                    <p:set>
-                                      <p:cBhvr>
-                                        <p:cTn id="10" dur="1" fill="hold">
-                                          <p:stCondLst>
-                                            <p:cond delay="0"/>
-                                          </p:stCondLst>
-                                        </p:cTn>
-                                        <p:tgtEl>
-                                          <p:spTgt spid="27">
-                                            <p:txEl>
-                                              <p:pRg st="1" end="1"/>
-                                            </p:txEl>
-                                          </p:spTgt>
-                                        </p:tgtEl>
-                                        <p:attrNameLst>
-                                          <p:attrName>style.visibility</p:attrName>
-                                        </p:attrNameLst>
-                                      </p:cBhvr>
-                                      <p:to>
-                                        <p:strVal val="visible"/>
-                                      </p:to>
-                                    </p:set>
-                                  </p:childTnLst>
-                                </p:cTn>
-                              </p:par>
-                            </p:childTnLst>
-                          </p:cTn>
-                        </p:par>
-                      </p:childTnLst>
-                    </p:cTn>
-                  </p:par>
-                  <p:par>
-                    <p:cTn id="11" fill="hold">
-                      <p:stCondLst>
-                        <p:cond delay="indefinite"/>
-                      </p:stCondLst>
-                      <p:childTnLst>
-                        <p:par>
-                          <p:cTn id="12" fill="hold">
-                            <p:stCondLst>
-                              <p:cond delay="0"/>
-                            </p:stCondLst>
-                            <p:childTnLst>
-                              <p:par>
-                                <p:cTn id="13" presetID="1" presetClass="entr" presetSubtype="0" fill="hold" grpId="0" nodeType="clickEffect">
-                                  <p:stCondLst>
-                                    <p:cond delay="0"/>
-                                  </p:stCondLst>
-                                  <p:childTnLst>
-                                    <p:set>
-                                      <p:cBhvr>
-                                        <p:cTn id="14" dur="1" fill="hold">
-                                          <p:stCondLst>
-                                            <p:cond delay="0"/>
-                                          </p:stCondLst>
-                                        </p:cTn>
-                                        <p:tgtEl>
-                                          <p:spTgt spid="27">
-                                            <p:txEl>
-                                              <p:pRg st="2" end="2"/>
-                                            </p:txEl>
-                                          </p:spTgt>
-                                        </p:tgtEl>
-                                        <p:attrNameLst>
-                                          <p:attrName>style.visibility</p:attrName>
-                                        </p:attrNameLst>
-                                      </p:cBhvr>
-                                      <p:to>
-                                        <p:strVal val="visible"/>
-                                      </p:to>
-                                    </p:set>
-                                  </p:childTnLst>
-                                </p:cTn>
-                              </p:par>
-                            </p:childTnLst>
-                          </p:cTn>
-                        </p:par>
-                      </p:childTnLst>
-                    </p:cTn>
-                  </p:par>
-                  <p:par>
-                    <p:cTn id="15" fill="hold">
-                      <p:stCondLst>
-                        <p:cond delay="indefinite"/>
-                      </p:stCondLst>
-                      <p:childTnLst>
-                        <p:par>
-                          <p:cTn id="16" fill="hold">
-                            <p:stCondLst>
-                              <p:cond delay="0"/>
-                            </p:stCondLst>
-                            <p:childTnLst>
-                              <p:par>
-                                <p:cTn id="17" presetID="1" presetClass="entr" presetSubtype="0" fill="hold" grpId="0" nodeType="clickEffect">
-                                  <p:stCondLst>
-                                    <p:cond delay="0"/>
-                                  </p:stCondLst>
-                                  <p:childTnLst>
-                                    <p:set>
-                                      <p:cBhvr>
-                                        <p:cTn id="18" dur="1" fill="hold">
-                                          <p:stCondLst>
-                                            <p:cond delay="0"/>
-                                          </p:stCondLst>
-                                        </p:cTn>
-                                        <p:tgtEl>
-                                          <p:spTgt spid="27">
-                                            <p:txEl>
-                                              <p:pRg st="3" end="3"/>
-                                            </p:txEl>
-                                          </p:spTgt>
-                                        </p:tgtEl>
-                                        <p:attrNameLst>
-                                          <p:attrName>style.visibility</p:attrName>
-                                        </p:attrNameLst>
-                                      </p:cBhvr>
-                                      <p:to>
-                                        <p:strVal val="visible"/>
-                                      </p:to>
-                                    </p:set>
-                                  </p:childTnLst>
-                                </p:cTn>
-                              </p:par>
-                            </p:childTnLst>
-                          </p:cTn>
-                        </p:par>
-                      </p:childTnLst>
-                    </p:cTn>
-                  </p:par>
-                  <p:par>
-                    <p:cTn id="19" fill="hold">
-                      <p:stCondLst>
-                        <p:cond delay="indefinite"/>
-                      </p:stCondLst>
-                      <p:childTnLst>
-                        <p:par>
-                          <p:cTn id="20" fill="hold">
-                            <p:stCondLst>
-                              <p:cond delay="0"/>
-                            </p:stCondLst>
-                            <p:childTnLst>
-                              <p:par>
-                                <p:cTn id="21" presetID="1" presetClass="entr" presetSubtype="0" fill="hold" grpId="0" nodeType="clickEffect">
-                                  <p:stCondLst>
-                                    <p:cond delay="0"/>
-                                  </p:stCondLst>
-                                  <p:childTnLst>
-                                    <p:set>
-                                      <p:cBhvr>
-                                        <p:cTn id="22" dur="1" fill="hold">
-                                          <p:stCondLst>
-                                            <p:cond delay="0"/>
-                                          </p:stCondLst>
-                                        </p:cTn>
-                                        <p:tgtEl>
-                                          <p:spTgt spid="27">
-                                            <p:txEl>
-                                              <p:pRg st="4" end="4"/>
-                                            </p:txEl>
-                                          </p:spTgt>
-                                        </p:tgtEl>
-                                        <p:attrNameLst>
-                                          <p:attrName>style.visibility</p:attrName>
-                                        </p:attrNameLst>
-                                      </p:cBhvr>
-                                      <p:to>
-                                        <p:strVal val="visible"/>
-                                      </p:to>
-                                    </p:set>
-                                  </p:childTnLst>
-                                </p:cTn>
-                              </p:par>
-                            </p:childTnLst>
-                          </p:cTn>
-                        </p:par>
-                      </p:childTnLst>
-                    </p:cTn>
-                  </p:par>
-                  <p:par>
-                    <p:cTn id="23" fill="hold">
-                      <p:stCondLst>
-                        <p:cond delay="indefinite"/>
-                      </p:stCondLst>
-                      <p:childTnLst>
-                        <p:par>
-                          <p:cTn id="24" fill="hold">
-                            <p:stCondLst>
-                              <p:cond delay="0"/>
-                            </p:stCondLst>
-                            <p:childTnLst>
-                              <p:par>
-                                <p:cTn id="25" presetID="1" presetClass="entr" presetSubtype="0" fill="hold" grpId="0" nodeType="clickEffect">
-                                  <p:stCondLst>
-                                    <p:cond delay="0"/>
-                                  </p:stCondLst>
-                                  <p:childTnLst>
-                                    <p:set>
-                                      <p:cBhvr>
-                                        <p:cTn id="26" dur="1" fill="hold">
-                                          <p:stCondLst>
-                                            <p:cond delay="0"/>
-                                          </p:stCondLst>
-                                        </p:cTn>
-                                        <p:tgtEl>
-                                          <p:spTgt spid="27">
-                                            <p:txEl>
-                                              <p:pRg st="5" end="5"/>
-                                            </p:txEl>
-                                          </p:spTgt>
-                                        </p:tgtEl>
-                                        <p:attrNameLst>
-                                          <p:attrName>style.visibility</p:attrName>
-                                        </p:attrNameLst>
-                                      </p:cBhvr>
-                                      <p:to>
-                                        <p:strVal val="visible"/>
-                                      </p:to>
-                                    </p:set>
-                                  </p:childTnLst>
-                                </p:cTn>
-                              </p:par>
-                            </p:childTnLst>
-                          </p:cTn>
-                        </p:par>
-                      </p:childTnLst>
-                    </p:cTn>
-                  </p:par>
-                  <p:par>
-                    <p:cTn id="27" fill="hold">
-                      <p:stCondLst>
-                        <p:cond delay="indefinite"/>
-                      </p:stCondLst>
-                      <p:childTnLst>
-                        <p:par>
-                          <p:cTn id="28" fill="hold">
-                            <p:stCondLst>
-                              <p:cond delay="0"/>
-                            </p:stCondLst>
-                            <p:childTnLst>
-                              <p:par>
-                                <p:cTn id="29" presetID="1" presetClass="entr" presetSubtype="0" fill="hold" grpId="0" nodeType="clickEffect">
-                                  <p:stCondLst>
-                                    <p:cond delay="0"/>
-                                  </p:stCondLst>
-                                  <p:childTnLst>
-                                    <p:set>
-                                      <p:cBhvr>
-                                        <p:cTn id="30" dur="1" fill="hold">
-                                          <p:stCondLst>
-                                            <p:cond delay="0"/>
-                                          </p:stCondLst>
-                                        </p:cTn>
-                                        <p:tgtEl>
-                                          <p:spTgt spid="27">
-                                            <p:txEl>
-                                              <p:pRg st="6" end="6"/>
-                                            </p:txEl>
-                                          </p:spTgt>
-                                        </p:tgtEl>
-                                        <p:attrNameLst>
-                                          <p:attrName>style.visibility</p:attrName>
-                                        </p:attrNameLst>
-                                      </p:cBhvr>
-                                      <p:to>
-                                        <p:strVal val="visible"/>
-                                      </p:to>
-                                    </p:set>
-                                  </p:childTnLst>
-                                </p:cTn>
-                              </p:par>
-                            </p:childTnLst>
-                          </p:cTn>
-                        </p:par>
-                      </p:childTnLst>
-                    </p:cTn>
-                  </p:par>
-                </p:childTnLst>
-              </p:cTn>
-              <p:prevCondLst>
-                <p:cond evt="onPrev" delay="0">
-                  <p:tgtEl>
-                    <p:sldTgt/>
-                  </p:tgtEl>
-                </p:cond>
-              </p:prevCondLst>
-              <p:nextCondLst>
-                <p:cond evt="onNext" delay="0">
-                  <p:tgtEl>
-                    <p:sldTgt/>
-                  </p:tgtEl>
-                </p:cond>
-              </p:nextCondLst>
-            </p:seq>
-          </p:childTnLst>
-        </p:cTn>
-      </p:par>
-    </p:tnLst>
-    <p:bldLst>
-      <p:bldP spid="27" grpId="0" uiExpand="1" build="p"/>
-    </p:bldLst>
   </p:timing>
 </p:sld>
 </file>

--- a/project 4 presentation.pptx
+++ b/project 4 presentation.pptx
@@ -7,10 +7,10 @@
   <p:sldIdLst>
     <p:sldId id="256" r:id="rId2"/>
     <p:sldId id="257" r:id="rId3"/>
-    <p:sldId id="267" r:id="rId4"/>
-    <p:sldId id="268" r:id="rId5"/>
-    <p:sldId id="264" r:id="rId6"/>
-    <p:sldId id="258" r:id="rId7"/>
+    <p:sldId id="258" r:id="rId4"/>
+    <p:sldId id="267" r:id="rId5"/>
+    <p:sldId id="268" r:id="rId6"/>
+    <p:sldId id="264" r:id="rId7"/>
     <p:sldId id="259" r:id="rId8"/>
     <p:sldId id="260" r:id="rId9"/>
     <p:sldId id="270" r:id="rId10"/>
@@ -5815,7 +5815,7 @@
           <a:p>
             <a:fld id="{073D55F9-11A3-4523-8F38-6BA37933791A}" type="datetime1">
               <a:rPr lang="en-US" smtClean="0"/>
-              <a:t>5/15/2023</a:t>
+              <a:t>5/16/2023</a:t>
             </a:fld>
             <a:endParaRPr lang="en-US"/>
           </a:p>
@@ -6094,7 +6094,7 @@
             <a:fld id="{193BAB95-8DA7-460B-B00A-7037C8394FB0}" type="datetime1">
               <a:rPr lang="en-US" smtClean="0"/>
               <a:pPr/>
-              <a:t>5/15/2023</a:t>
+              <a:t>5/16/2023</a:t>
             </a:fld>
             <a:endParaRPr lang="en-US" dirty="0"/>
           </a:p>
@@ -6299,7 +6299,7 @@
             <a:fld id="{193BAB95-8DA7-460B-B00A-7037C8394FB0}" type="datetime1">
               <a:rPr lang="en-US" smtClean="0"/>
               <a:pPr/>
-              <a:t>5/15/2023</a:t>
+              <a:t>5/16/2023</a:t>
             </a:fld>
             <a:endParaRPr lang="en-US" dirty="0"/>
           </a:p>
@@ -6578,7 +6578,7 @@
             <a:fld id="{193BAB95-8DA7-460B-B00A-7037C8394FB0}" type="datetime1">
               <a:rPr lang="en-US" smtClean="0"/>
               <a:pPr/>
-              <a:t>5/15/2023</a:t>
+              <a:t>5/16/2023</a:t>
             </a:fld>
             <a:endParaRPr lang="en-US" dirty="0"/>
           </a:p>
@@ -6921,7 +6921,7 @@
             <a:fld id="{193BAB95-8DA7-460B-B00A-7037C8394FB0}" type="datetime1">
               <a:rPr lang="en-US" smtClean="0"/>
               <a:pPr/>
-              <a:t>5/15/2023</a:t>
+              <a:t>5/16/2023</a:t>
             </a:fld>
             <a:endParaRPr lang="en-US" dirty="0"/>
           </a:p>
@@ -7542,7 +7542,7 @@
             <a:fld id="{193BAB95-8DA7-460B-B00A-7037C8394FB0}" type="datetime1">
               <a:rPr lang="en-US" smtClean="0"/>
               <a:pPr/>
-              <a:t>5/15/2023</a:t>
+              <a:t>5/16/2023</a:t>
             </a:fld>
             <a:endParaRPr lang="en-US" dirty="0"/>
           </a:p>
@@ -8400,7 +8400,7 @@
             <a:fld id="{193BAB95-8DA7-460B-B00A-7037C8394FB0}" type="datetime1">
               <a:rPr lang="en-US" smtClean="0"/>
               <a:pPr/>
-              <a:t>5/15/2023</a:t>
+              <a:t>5/16/2023</a:t>
             </a:fld>
             <a:endParaRPr lang="en-US" dirty="0"/>
           </a:p>
@@ -8580,7 +8580,7 @@
           <a:p>
             <a:fld id="{0B4E757A-3EC2-4683-9080-1A460C37C843}" type="datetime1">
               <a:rPr lang="en-US" smtClean="0"/>
-              <a:t>5/15/2023</a:t>
+              <a:t>5/16/2023</a:t>
             </a:fld>
             <a:endParaRPr lang="en-US"/>
           </a:p>
@@ -8763,7 +8763,7 @@
           <a:p>
             <a:fld id="{5CC8096C-64ED-4153-A483-5C02E44AD5C3}" type="datetime1">
               <a:rPr lang="en-US" smtClean="0"/>
-              <a:t>5/15/2023</a:t>
+              <a:t>5/16/2023</a:t>
             </a:fld>
             <a:endParaRPr lang="en-US" dirty="0"/>
           </a:p>
@@ -8936,7 +8936,7 @@
           <a:p>
             <a:fld id="{1CB9D56B-6EBE-4E5F-99D9-2A3DBDF37D0A}" type="datetime1">
               <a:rPr lang="en-US" smtClean="0"/>
-              <a:t>5/15/2023</a:t>
+              <a:t>5/16/2023</a:t>
             </a:fld>
             <a:endParaRPr lang="en-US"/>
           </a:p>
@@ -9183,7 +9183,7 @@
           <a:p>
             <a:fld id="{8C33F3CA-C7E3-432D-9282-18F13836509A}" type="datetime1">
               <a:rPr lang="en-US" smtClean="0"/>
-              <a:t>5/15/2023</a:t>
+              <a:t>5/16/2023</a:t>
             </a:fld>
             <a:endParaRPr lang="en-US" dirty="0"/>
           </a:p>
@@ -9478,7 +9478,7 @@
           <a:p>
             <a:fld id="{75BE9C62-1337-40B8-BA50-E9F4861DB4BC}" type="datetime1">
               <a:rPr lang="en-US" smtClean="0"/>
-              <a:t>5/15/2023</a:t>
+              <a:t>5/16/2023</a:t>
             </a:fld>
             <a:endParaRPr lang="en-US"/>
           </a:p>
@@ -9919,7 +9919,7 @@
           <a:p>
             <a:fld id="{47C195EB-2DA3-4B24-8725-19BC22A7BE50}" type="datetime1">
               <a:rPr lang="en-US" smtClean="0"/>
-              <a:t>5/15/2023</a:t>
+              <a:t>5/16/2023</a:t>
             </a:fld>
             <a:endParaRPr lang="en-US"/>
           </a:p>
@@ -10040,7 +10040,7 @@
           <a:p>
             <a:fld id="{F4E237E6-0076-4915-A5A8-B7C11FA4F374}" type="datetime1">
               <a:rPr lang="en-US" smtClean="0"/>
-              <a:t>5/15/2023</a:t>
+              <a:t>5/16/2023</a:t>
             </a:fld>
             <a:endParaRPr lang="en-US"/>
           </a:p>
@@ -10138,7 +10138,7 @@
           <a:p>
             <a:fld id="{3505F58F-C0B5-422A-8E5A-6B99E5D80F0A}" type="datetime1">
               <a:rPr lang="en-US" smtClean="0"/>
-              <a:t>5/15/2023</a:t>
+              <a:t>5/16/2023</a:t>
             </a:fld>
             <a:endParaRPr lang="en-US"/>
           </a:p>
@@ -10420,7 +10420,7 @@
           <a:p>
             <a:fld id="{7565E655-9687-48DF-A33F-F8824CCCB5D1}" type="datetime1">
               <a:rPr lang="en-US" smtClean="0"/>
-              <a:t>5/15/2023</a:t>
+              <a:t>5/16/2023</a:t>
             </a:fld>
             <a:endParaRPr lang="en-US"/>
           </a:p>
@@ -10698,7 +10698,7 @@
           <a:p>
             <a:fld id="{B97FD56A-AAB8-4544-A495-D0645413C9E3}" type="datetime1">
               <a:rPr lang="en-US" smtClean="0"/>
-              <a:t>5/15/2023</a:t>
+              <a:t>5/16/2023</a:t>
             </a:fld>
             <a:endParaRPr lang="en-US"/>
           </a:p>
@@ -11131,7 +11131,7 @@
             <a:fld id="{193BAB95-8DA7-460B-B00A-7037C8394FB0}" type="datetime1">
               <a:rPr lang="en-US" smtClean="0"/>
               <a:pPr/>
-              <a:t>5/15/2023</a:t>
+              <a:t>5/16/2023</a:t>
             </a:fld>
             <a:endParaRPr lang="en-US" dirty="0"/>
           </a:p>
@@ -12908,17 +12908,10 @@
               </a:lnSpc>
             </a:pPr>
             <a:r>
-              <a:rPr lang="en-US" sz="1600" dirty="0">
-                <a:latin typeface="source-serif-pro"/>
+              <a:rPr lang="en-US" sz="1400" dirty="0">
+                <a:latin typeface="Arial Rounded MT Bold" panose="020B0604020202020204" pitchFamily="34" charset="0"/>
               </a:rPr>
-              <a:t>C</a:t>
-            </a:r>
-            <a:r>
-              <a:rPr lang="en-US" sz="1600" b="0" dirty="0">
-                <a:effectLst/>
-                <a:latin typeface="source-serif-pro"/>
-              </a:rPr>
-              <a:t>lassification problems in the real world are imbalanced. Also, almost  data sets have missing values. There is no definitive guide of which algorithms to use given any situation. What may work on some data sets may not necessarily work on others. In some classification problems, False Negatives are a lot more expensive than False Positives. Usually, Missing values sometimes add more information to the model than we might expect. </a:t>
+              <a:t>We used three machine learning models. </a:t>
             </a:r>
           </a:p>
           <a:p>
@@ -12928,15 +12921,17 @@
               </a:lnSpc>
             </a:pPr>
             <a:r>
-              <a:rPr lang="en-US" sz="1600" dirty="0">
-                <a:latin typeface="source-serif-pro"/>
+              <a:rPr lang="en-US" sz="1400" dirty="0">
+                <a:latin typeface="Arial Rounded MT Bold" panose="020B0604020202020204" pitchFamily="34" charset="0"/>
               </a:rPr>
-              <a:t>We checked and used three machine learning models, out of those three models would recommend SVM model due to high accuracy.</a:t>
-            </a:r>
-            <a:endParaRPr lang="en-US" sz="1600" b="0" dirty="0">
-              <a:effectLst/>
-              <a:latin typeface="source-serif-pro"/>
-            </a:endParaRPr>
+              <a:t>Out of three models, </a:t>
+            </a:r>
+            <a:r>
+              <a:rPr lang="en-AU" sz="1400" dirty="0">
+                <a:latin typeface="Arial Rounded MT Bold" panose="020B0604020202020204" pitchFamily="34" charset="0"/>
+              </a:rPr>
+              <a:t>SVM model is recommended compared to other models  due to much higher precession and recall score for default loan and successful loans. Means this is more accurately classify all for both predictions. </a:t>
+            </a:r>
           </a:p>
           <a:p>
             <a:pPr>
@@ -12944,10 +12939,26 @@
                 <a:spcPct val="90000"/>
               </a:lnSpc>
             </a:pPr>
-            <a:endParaRPr lang="en-US" sz="1600" b="0" i="0" dirty="0">
-              <a:effectLst/>
-              <a:latin typeface="source-serif-pro"/>
-            </a:endParaRPr>
+            <a:r>
+              <a:rPr lang="en-AU" sz="1400" dirty="0">
+                <a:latin typeface="Arial Rounded MT Bold" panose="020B0604020202020204" pitchFamily="34" charset="0"/>
+              </a:rPr>
+              <a:t>Overall, SVM has dominant performance in accuracy. This is useful if we want to use the model to determine if a loan is potentially default or not. </a:t>
+            </a:r>
+          </a:p>
+          <a:p>
+            <a:r>
+              <a:rPr lang="en-US" sz="1400" dirty="0">
+                <a:latin typeface="Arial Rounded MT Bold" panose="020B0604020202020204" pitchFamily="34" charset="0"/>
+              </a:rPr>
+              <a:t>Classification problems in the real world are imbalanced. Also,  data sets may have missing values. There is no definitive guide of which algorithms to use given any situation. What may work on some data sets may not work on others. </a:t>
+            </a:r>
+            <a:r>
+              <a:rPr lang="en-AU" sz="1400" dirty="0">
+                <a:latin typeface="Arial Rounded MT Bold" panose="020B0604020202020204" pitchFamily="34" charset="0"/>
+              </a:rPr>
+              <a:t>Still there could be incorrect predictions such as false positives and false negatives.</a:t>
+            </a:r>
           </a:p>
           <a:p>
             <a:pPr marL="0" indent="0">
@@ -13081,6 +13092,153 @@
                       </p:childTnLst>
                     </p:cTn>
                   </p:par>
+                  <p:par>
+                    <p:cTn id="11" fill="hold">
+                      <p:stCondLst>
+                        <p:cond delay="indefinite"/>
+                      </p:stCondLst>
+                      <p:childTnLst>
+                        <p:par>
+                          <p:cTn id="12" fill="hold">
+                            <p:stCondLst>
+                              <p:cond delay="0"/>
+                            </p:stCondLst>
+                            <p:childTnLst>
+                              <p:par>
+                                <p:cTn id="13" presetID="1" presetClass="entr" presetSubtype="0" fill="hold" grpId="0" nodeType="clickEffect">
+                                  <p:stCondLst>
+                                    <p:cond delay="0"/>
+                                  </p:stCondLst>
+                                  <p:childTnLst>
+                                    <p:set>
+                                      <p:cBhvr>
+                                        <p:cTn id="14" dur="1" fill="hold">
+                                          <p:stCondLst>
+                                            <p:cond delay="0"/>
+                                          </p:stCondLst>
+                                        </p:cTn>
+                                        <p:tgtEl>
+                                          <p:spTgt spid="27">
+                                            <p:txEl>
+                                              <p:pRg st="2" end="2"/>
+                                            </p:txEl>
+                                          </p:spTgt>
+                                        </p:tgtEl>
+                                        <p:attrNameLst>
+                                          <p:attrName>style.visibility</p:attrName>
+                                        </p:attrNameLst>
+                                      </p:cBhvr>
+                                      <p:to>
+                                        <p:strVal val="visible"/>
+                                      </p:to>
+                                    </p:set>
+                                  </p:childTnLst>
+                                </p:cTn>
+                              </p:par>
+                            </p:childTnLst>
+                          </p:cTn>
+                        </p:par>
+                      </p:childTnLst>
+                    </p:cTn>
+                  </p:par>
+                  <p:par>
+                    <p:cTn id="15" fill="hold">
+                      <p:stCondLst>
+                        <p:cond delay="indefinite"/>
+                      </p:stCondLst>
+                      <p:childTnLst>
+                        <p:par>
+                          <p:cTn id="16" fill="hold">
+                            <p:stCondLst>
+                              <p:cond delay="0"/>
+                            </p:stCondLst>
+                            <p:childTnLst>
+                              <p:par>
+                                <p:cTn id="17" presetID="1" presetClass="entr" presetSubtype="0" fill="hold" grpId="0" nodeType="clickEffect">
+                                  <p:stCondLst>
+                                    <p:cond delay="0"/>
+                                  </p:stCondLst>
+                                  <p:childTnLst>
+                                    <p:set>
+                                      <p:cBhvr>
+                                        <p:cTn id="18" dur="1" fill="hold">
+                                          <p:stCondLst>
+                                            <p:cond delay="0"/>
+                                          </p:stCondLst>
+                                        </p:cTn>
+                                        <p:tgtEl>
+                                          <p:spTgt spid="27">
+                                            <p:txEl>
+                                              <p:pRg st="3" end="3"/>
+                                            </p:txEl>
+                                          </p:spTgt>
+                                        </p:tgtEl>
+                                        <p:attrNameLst>
+                                          <p:attrName>style.visibility</p:attrName>
+                                        </p:attrNameLst>
+                                      </p:cBhvr>
+                                      <p:to>
+                                        <p:strVal val="visible"/>
+                                      </p:to>
+                                    </p:set>
+                                  </p:childTnLst>
+                                </p:cTn>
+                              </p:par>
+                            </p:childTnLst>
+                          </p:cTn>
+                        </p:par>
+                      </p:childTnLst>
+                    </p:cTn>
+                  </p:par>
+                  <p:par>
+                    <p:cTn id="19" fill="hold">
+                      <p:stCondLst>
+                        <p:cond delay="indefinite"/>
+                      </p:stCondLst>
+                      <p:childTnLst>
+                        <p:par>
+                          <p:cTn id="20" fill="hold">
+                            <p:stCondLst>
+                              <p:cond delay="0"/>
+                            </p:stCondLst>
+                            <p:childTnLst>
+                              <p:par>
+                                <p:cTn id="21" presetID="1" presetClass="entr" presetSubtype="0" fill="hold" grpId="0" nodeType="clickEffect">
+                                  <p:stCondLst>
+                                    <p:cond delay="0"/>
+                                  </p:stCondLst>
+                                  <p:childTnLst>
+                                    <p:set>
+                                      <p:cBhvr>
+                                        <p:cTn id="22" dur="1" fill="hold">
+                                          <p:stCondLst>
+                                            <p:cond delay="0"/>
+                                          </p:stCondLst>
+                                        </p:cTn>
+                                        <p:tgtEl>
+                                          <p:spTgt spid="27">
+                                            <p:txEl>
+                                              <p:pRg st="4" end="4"/>
+                                            </p:txEl>
+                                          </p:spTgt>
+                                        </p:tgtEl>
+                                        <p:attrNameLst>
+                                          <p:attrName>style.visibility</p:attrName>
+                                        </p:attrNameLst>
+                                      </p:cBhvr>
+                                      <p:to>
+                                        <p:strVal val="visible"/>
+                                      </p:to>
+                                    </p:set>
+                                  </p:childTnLst>
+                                </p:cTn>
+                              </p:par>
+                            </p:childTnLst>
+                          </p:cTn>
+                        </p:par>
+                      </p:childTnLst>
+                    </p:cTn>
+                  </p:par>
                 </p:childTnLst>
               </p:cTn>
               <p:prevCondLst>
@@ -13175,7 +13333,7 @@
             <p:ph idx="1"/>
             <p:extLst>
               <p:ext uri="{D42A27DB-BD31-4B8C-83A1-F6EECF244321}">
-                <p14:modId xmlns:p14="http://schemas.microsoft.com/office/powerpoint/2010/main" val="1293890824"/>
+                <p14:modId xmlns:p14="http://schemas.microsoft.com/office/powerpoint/2010/main" val="832643256"/>
               </p:ext>
             </p:extLst>
           </p:nvPr>
@@ -13227,7 +13385,7 @@
                     <a:p>
                       <a:r>
                         <a:rPr lang="en-AU" dirty="0"/>
-                        <a:t>Responsibilities</a:t>
+                        <a:t>Tasks &amp; Responsibilities</a:t>
                       </a:r>
                     </a:p>
                   </a:txBody>
@@ -13569,6 +13727,879 @@
 </file>
 
 <file path=ppt/slides/slide3.xml><?xml version="1.0" encoding="utf-8"?>
+<p:sld xmlns:a="http://schemas.openxmlformats.org/drawingml/2006/main" xmlns:r="http://schemas.openxmlformats.org/officeDocument/2006/relationships" xmlns:p="http://schemas.openxmlformats.org/presentationml/2006/main">
+  <p:cSld>
+    <p:bg>
+      <p:bgPr>
+        <a:solidFill>
+          <a:schemeClr val="bg1"/>
+        </a:solidFill>
+        <a:effectLst/>
+      </p:bgPr>
+    </p:bg>
+    <p:spTree>
+      <p:nvGrpSpPr>
+        <p:cNvPr id="1" name=""/>
+        <p:cNvGrpSpPr/>
+        <p:nvPr/>
+      </p:nvGrpSpPr>
+      <p:grpSpPr>
+        <a:xfrm>
+          <a:off x="0" y="0"/>
+          <a:ext cx="0" cy="0"/>
+          <a:chOff x="0" y="0"/>
+          <a:chExt cx="0" cy="0"/>
+        </a:xfrm>
+      </p:grpSpPr>
+      <p:sp>
+        <p:nvSpPr>
+          <p:cNvPr id="2" name="Title 1">
+            <a:extLst>
+              <a:ext uri="{FF2B5EF4-FFF2-40B4-BE49-F238E27FC236}">
+                <a16:creationId xmlns:a16="http://schemas.microsoft.com/office/drawing/2014/main" id="{E31D61D9-9039-133C-C496-C82302AA706C}"/>
+              </a:ext>
+            </a:extLst>
+          </p:cNvPr>
+          <p:cNvSpPr>
+            <a:spLocks noGrp="1"/>
+          </p:cNvSpPr>
+          <p:nvPr>
+            <p:ph type="title"/>
+          </p:nvPr>
+        </p:nvSpPr>
+        <p:spPr>
+          <a:xfrm>
+            <a:off x="789965" y="725467"/>
+            <a:ext cx="4952999" cy="1580411"/>
+          </a:xfrm>
+        </p:spPr>
+        <p:txBody>
+          <a:bodyPr>
+            <a:normAutofit/>
+          </a:bodyPr>
+          <a:lstStyle/>
+          <a:p>
+            <a:r>
+              <a:rPr lang="en-AU" dirty="0"/>
+              <a:t>Introduction</a:t>
+            </a:r>
+          </a:p>
+        </p:txBody>
+      </p:sp>
+      <p:sp>
+        <p:nvSpPr>
+          <p:cNvPr id="3" name="Content Placeholder 2">
+            <a:extLst>
+              <a:ext uri="{FF2B5EF4-FFF2-40B4-BE49-F238E27FC236}">
+                <a16:creationId xmlns:a16="http://schemas.microsoft.com/office/drawing/2014/main" id="{BB59DD5E-5F10-A0B7-AE54-62FF24BCDA43}"/>
+              </a:ext>
+            </a:extLst>
+          </p:cNvPr>
+          <p:cNvSpPr>
+            <a:spLocks noGrp="1"/>
+          </p:cNvSpPr>
+          <p:nvPr>
+            <p:ph idx="1"/>
+          </p:nvPr>
+        </p:nvSpPr>
+        <p:spPr>
+          <a:xfrm>
+            <a:off x="457200" y="2001078"/>
+            <a:ext cx="4952999" cy="4131455"/>
+          </a:xfrm>
+        </p:spPr>
+        <p:txBody>
+          <a:bodyPr>
+            <a:normAutofit/>
+          </a:bodyPr>
+          <a:lstStyle/>
+          <a:p>
+            <a:pPr marL="0" indent="0">
+              <a:lnSpc>
+                <a:spcPct val="100000"/>
+              </a:lnSpc>
+              <a:buNone/>
+            </a:pPr>
+            <a:endParaRPr lang="en-US" sz="1000" b="1" i="0" dirty="0">
+              <a:effectLst/>
+              <a:latin typeface="sohne"/>
+            </a:endParaRPr>
+          </a:p>
+          <a:p>
+            <a:pPr>
+              <a:lnSpc>
+                <a:spcPct val="100000"/>
+              </a:lnSpc>
+            </a:pPr>
+            <a:r>
+              <a:rPr lang="en-US" sz="1400" b="0" i="0" dirty="0">
+                <a:effectLst/>
+                <a:latin typeface="source-serif-pro"/>
+              </a:rPr>
+              <a:t>The two critical questions in the lending industry are</a:t>
+            </a:r>
+            <a:r>
+              <a:rPr lang="en-US" sz="1400" dirty="0">
+                <a:latin typeface="source-serif-pro"/>
+              </a:rPr>
+              <a:t>,  </a:t>
+            </a:r>
+            <a:r>
+              <a:rPr lang="en-US" sz="1400" b="0" i="0" dirty="0">
+                <a:effectLst/>
+                <a:latin typeface="source-serif-pro"/>
+              </a:rPr>
+              <a:t>A) What </a:t>
+            </a:r>
+            <a:r>
+              <a:rPr lang="en-US" sz="1400" dirty="0">
+                <a:latin typeface="source-serif-pro"/>
+              </a:rPr>
+              <a:t>type </a:t>
+            </a:r>
+            <a:r>
+              <a:rPr lang="en-US" sz="1400" b="0" i="0" dirty="0">
+                <a:effectLst/>
+                <a:latin typeface="source-serif-pro"/>
+              </a:rPr>
+              <a:t>of the borrower we are going to serve? B) </a:t>
+            </a:r>
+            <a:r>
+              <a:rPr lang="en-US" sz="1400" dirty="0">
+                <a:latin typeface="source-serif-pro"/>
+              </a:rPr>
+              <a:t>Considering </a:t>
+            </a:r>
+            <a:r>
+              <a:rPr lang="en-US" sz="1400" b="0" i="0" dirty="0">
+                <a:effectLst/>
+                <a:latin typeface="source-serif-pro"/>
+              </a:rPr>
+              <a:t>the borrower’s risk, Could we lend </a:t>
+            </a:r>
+            <a:r>
+              <a:rPr lang="en-US" sz="1400" dirty="0">
+                <a:latin typeface="source-serif-pro"/>
+              </a:rPr>
+              <a:t>to this  borrower</a:t>
+            </a:r>
+            <a:r>
+              <a:rPr lang="en-US" sz="1400" b="0" i="0" dirty="0">
+                <a:effectLst/>
+                <a:latin typeface="source-serif-pro"/>
+              </a:rPr>
+              <a:t>?</a:t>
+            </a:r>
+          </a:p>
+          <a:p>
+            <a:pPr>
+              <a:lnSpc>
+                <a:spcPct val="100000"/>
+              </a:lnSpc>
+            </a:pPr>
+            <a:r>
+              <a:rPr lang="en-US" sz="1400" b="0" i="0" dirty="0">
+                <a:effectLst/>
+                <a:latin typeface="source-serif-pro"/>
+              </a:rPr>
+              <a:t> Lenders provide loans to borrowers in exchange </a:t>
+            </a:r>
+            <a:r>
+              <a:rPr lang="en-US" sz="1400" dirty="0">
+                <a:latin typeface="source-serif-pro"/>
+              </a:rPr>
+              <a:t>for </a:t>
+            </a:r>
+            <a:r>
+              <a:rPr lang="en-US" sz="1400" b="0" i="0" dirty="0">
+                <a:effectLst/>
+                <a:latin typeface="source-serif-pro"/>
+              </a:rPr>
+              <a:t>repayment with capital and interest. </a:t>
+            </a:r>
+            <a:r>
+              <a:rPr lang="en-US" sz="1400" dirty="0">
+                <a:latin typeface="source-serif-pro"/>
+              </a:rPr>
+              <a:t>M</a:t>
+            </a:r>
+            <a:r>
+              <a:rPr lang="en-US" sz="1400" b="0" i="0" dirty="0">
+                <a:effectLst/>
+                <a:latin typeface="source-serif-pro"/>
+              </a:rPr>
+              <a:t>eans the lender only makes profit if the borrower pays off the loan in full on time. However, if </a:t>
+            </a:r>
+            <a:r>
+              <a:rPr lang="en-US" sz="1400" dirty="0">
+                <a:latin typeface="source-serif-pro"/>
+              </a:rPr>
+              <a:t>borrower </a:t>
+            </a:r>
+            <a:r>
+              <a:rPr lang="en-US" sz="1400" b="0" i="0" dirty="0">
+                <a:effectLst/>
+                <a:latin typeface="source-serif-pro"/>
+              </a:rPr>
+              <a:t>doesn’t repay the loan, then the lender loses money. </a:t>
+            </a:r>
+          </a:p>
+          <a:p>
+            <a:pPr>
+              <a:lnSpc>
+                <a:spcPct val="100000"/>
+              </a:lnSpc>
+            </a:pPr>
+            <a:r>
+              <a:rPr lang="en-US" sz="1400" b="0" i="0" dirty="0">
+                <a:effectLst/>
+                <a:latin typeface="source-serif-pro"/>
+              </a:rPr>
+              <a:t>So, for this project We’ll be using publicly available data from </a:t>
+            </a:r>
+            <a:r>
+              <a:rPr lang="en-US" sz="1400" u="sng" dirty="0">
+                <a:latin typeface="source-serif-pro"/>
+              </a:rPr>
+              <a:t>www.kaggle.com </a:t>
+            </a:r>
+            <a:r>
+              <a:rPr lang="en-US" sz="1400" b="0" i="0" dirty="0">
+                <a:effectLst/>
+                <a:latin typeface="source-serif-pro"/>
+              </a:rPr>
+              <a:t> </a:t>
+            </a:r>
+            <a:r>
+              <a:rPr lang="en-US" sz="1400" dirty="0">
+                <a:latin typeface="source-serif-pro"/>
+              </a:rPr>
+              <a:t>and </a:t>
+            </a:r>
+            <a:r>
+              <a:rPr lang="en-US" sz="1400" dirty="0">
+                <a:latin typeface="source-serif-pro"/>
+                <a:hlinkClick r:id="rId2"/>
+              </a:rPr>
+              <a:t>www.lendingclub.com</a:t>
+            </a:r>
+            <a:r>
+              <a:rPr lang="en-US" sz="1400" dirty="0">
+                <a:latin typeface="source-serif-pro"/>
+              </a:rPr>
+              <a:t> </a:t>
+            </a:r>
+          </a:p>
+          <a:p>
+            <a:pPr>
+              <a:lnSpc>
+                <a:spcPct val="100000"/>
+              </a:lnSpc>
+            </a:pPr>
+            <a:r>
+              <a:rPr lang="en-US" sz="1400" dirty="0">
+                <a:latin typeface="source-serif-pro"/>
+              </a:rPr>
+              <a:t>The </a:t>
+            </a:r>
+            <a:r>
+              <a:rPr lang="en-US" sz="1400" b="0" i="0" dirty="0">
+                <a:effectLst/>
+                <a:latin typeface="source-serif-pro"/>
+              </a:rPr>
+              <a:t>data covers the approximately 9,578 loans funded by the platform between year 2007 and 2010. Considering all, we’ll predict if the borrower will repay the loan by its mature date or not. </a:t>
+            </a:r>
+          </a:p>
+          <a:p>
+            <a:pPr>
+              <a:lnSpc>
+                <a:spcPct val="100000"/>
+              </a:lnSpc>
+            </a:pPr>
+            <a:endParaRPr lang="en-AU" sz="1000" dirty="0"/>
+          </a:p>
+        </p:txBody>
+      </p:sp>
+      <p:pic>
+        <p:nvPicPr>
+          <p:cNvPr id="53" name="Picture 4" descr="Graph">
+            <a:extLst>
+              <a:ext uri="{FF2B5EF4-FFF2-40B4-BE49-F238E27FC236}">
+                <a16:creationId xmlns:a16="http://schemas.microsoft.com/office/drawing/2014/main" id="{23387D32-7E6B-7229-2C18-5347681455FA}"/>
+              </a:ext>
+            </a:extLst>
+          </p:cNvPr>
+          <p:cNvPicPr>
+            <a:picLocks noChangeAspect="1"/>
+          </p:cNvPicPr>
+          <p:nvPr/>
+        </p:nvPicPr>
+        <p:blipFill rotWithShape="1">
+          <a:blip r:embed="rId3"/>
+          <a:srcRect l="14518" r="29652" b="1"/>
+          <a:stretch/>
+        </p:blipFill>
+        <p:spPr>
+          <a:xfrm>
+            <a:off x="6075730" y="-3440"/>
+            <a:ext cx="6129239" cy="6861439"/>
+          </a:xfrm>
+          <a:prstGeom prst="rect">
+            <a:avLst/>
+          </a:prstGeom>
+        </p:spPr>
+      </p:pic>
+    </p:spTree>
+    <p:extLst>
+      <p:ext uri="{BB962C8B-B14F-4D97-AF65-F5344CB8AC3E}">
+        <p14:creationId xmlns:p14="http://schemas.microsoft.com/office/powerpoint/2010/main" val="1323158687"/>
+      </p:ext>
+    </p:extLst>
+  </p:cSld>
+  <p:clrMapOvr>
+    <a:masterClrMapping/>
+  </p:clrMapOvr>
+  <p:timing>
+    <p:tnLst>
+      <p:par>
+        <p:cTn id="1" dur="indefinite" restart="never" nodeType="tmRoot">
+          <p:childTnLst>
+            <p:seq concurrent="1" nextAc="seek">
+              <p:cTn id="2" dur="indefinite" nodeType="mainSeq">
+                <p:childTnLst>
+                  <p:par>
+                    <p:cTn id="3" fill="hold">
+                      <p:stCondLst>
+                        <p:cond delay="indefinite"/>
+                      </p:stCondLst>
+                      <p:childTnLst>
+                        <p:par>
+                          <p:cTn id="4" fill="hold">
+                            <p:stCondLst>
+                              <p:cond delay="0"/>
+                            </p:stCondLst>
+                            <p:childTnLst>
+                              <p:par>
+                                <p:cTn id="5" presetID="2" presetClass="entr" presetSubtype="4" fill="hold" grpId="0" nodeType="clickEffect">
+                                  <p:stCondLst>
+                                    <p:cond delay="0"/>
+                                  </p:stCondLst>
+                                  <p:childTnLst>
+                                    <p:set>
+                                      <p:cBhvr>
+                                        <p:cTn id="6" dur="1" fill="hold">
+                                          <p:stCondLst>
+                                            <p:cond delay="0"/>
+                                          </p:stCondLst>
+                                        </p:cTn>
+                                        <p:tgtEl>
+                                          <p:spTgt spid="2"/>
+                                        </p:tgtEl>
+                                        <p:attrNameLst>
+                                          <p:attrName>style.visibility</p:attrName>
+                                        </p:attrNameLst>
+                                      </p:cBhvr>
+                                      <p:to>
+                                        <p:strVal val="visible"/>
+                                      </p:to>
+                                    </p:set>
+                                    <p:anim calcmode="lin" valueType="num">
+                                      <p:cBhvr additive="base">
+                                        <p:cTn id="7" dur="500" fill="hold"/>
+                                        <p:tgtEl>
+                                          <p:spTgt spid="2"/>
+                                        </p:tgtEl>
+                                        <p:attrNameLst>
+                                          <p:attrName>ppt_x</p:attrName>
+                                        </p:attrNameLst>
+                                      </p:cBhvr>
+                                      <p:tavLst>
+                                        <p:tav tm="0">
+                                          <p:val>
+                                            <p:strVal val="#ppt_x"/>
+                                          </p:val>
+                                        </p:tav>
+                                        <p:tav tm="100000">
+                                          <p:val>
+                                            <p:strVal val="#ppt_x"/>
+                                          </p:val>
+                                        </p:tav>
+                                      </p:tavLst>
+                                    </p:anim>
+                                    <p:anim calcmode="lin" valueType="num">
+                                      <p:cBhvr additive="base">
+                                        <p:cTn id="8" dur="500" fill="hold"/>
+                                        <p:tgtEl>
+                                          <p:spTgt spid="2"/>
+                                        </p:tgtEl>
+                                        <p:attrNameLst>
+                                          <p:attrName>ppt_y</p:attrName>
+                                        </p:attrNameLst>
+                                      </p:cBhvr>
+                                      <p:tavLst>
+                                        <p:tav tm="0">
+                                          <p:val>
+                                            <p:strVal val="1+#ppt_h/2"/>
+                                          </p:val>
+                                        </p:tav>
+                                        <p:tav tm="100000">
+                                          <p:val>
+                                            <p:strVal val="#ppt_y"/>
+                                          </p:val>
+                                        </p:tav>
+                                      </p:tavLst>
+                                    </p:anim>
+                                  </p:childTnLst>
+                                </p:cTn>
+                              </p:par>
+                            </p:childTnLst>
+                          </p:cTn>
+                        </p:par>
+                      </p:childTnLst>
+                    </p:cTn>
+                  </p:par>
+                  <p:par>
+                    <p:cTn id="9" fill="hold">
+                      <p:stCondLst>
+                        <p:cond delay="indefinite"/>
+                      </p:stCondLst>
+                      <p:childTnLst>
+                        <p:par>
+                          <p:cTn id="10" fill="hold">
+                            <p:stCondLst>
+                              <p:cond delay="0"/>
+                            </p:stCondLst>
+                            <p:childTnLst>
+                              <p:par>
+                                <p:cTn id="11" presetID="2" presetClass="entr" presetSubtype="4" fill="hold" grpId="0" nodeType="clickEffect">
+                                  <p:stCondLst>
+                                    <p:cond delay="0"/>
+                                  </p:stCondLst>
+                                  <p:childTnLst>
+                                    <p:set>
+                                      <p:cBhvr>
+                                        <p:cTn id="12" dur="1" fill="hold">
+                                          <p:stCondLst>
+                                            <p:cond delay="0"/>
+                                          </p:stCondLst>
+                                        </p:cTn>
+                                        <p:tgtEl>
+                                          <p:spTgt spid="3">
+                                            <p:txEl>
+                                              <p:pRg st="1" end="1"/>
+                                            </p:txEl>
+                                          </p:spTgt>
+                                        </p:tgtEl>
+                                        <p:attrNameLst>
+                                          <p:attrName>style.visibility</p:attrName>
+                                        </p:attrNameLst>
+                                      </p:cBhvr>
+                                      <p:to>
+                                        <p:strVal val="visible"/>
+                                      </p:to>
+                                    </p:set>
+                                    <p:anim calcmode="lin" valueType="num">
+                                      <p:cBhvr additive="base">
+                                        <p:cTn id="13" dur="500" fill="hold"/>
+                                        <p:tgtEl>
+                                          <p:spTgt spid="3">
+                                            <p:txEl>
+                                              <p:pRg st="1" end="1"/>
+                                            </p:txEl>
+                                          </p:spTgt>
+                                        </p:tgtEl>
+                                        <p:attrNameLst>
+                                          <p:attrName>ppt_x</p:attrName>
+                                        </p:attrNameLst>
+                                      </p:cBhvr>
+                                      <p:tavLst>
+                                        <p:tav tm="0">
+                                          <p:val>
+                                            <p:strVal val="#ppt_x"/>
+                                          </p:val>
+                                        </p:tav>
+                                        <p:tav tm="100000">
+                                          <p:val>
+                                            <p:strVal val="#ppt_x"/>
+                                          </p:val>
+                                        </p:tav>
+                                      </p:tavLst>
+                                    </p:anim>
+                                    <p:anim calcmode="lin" valueType="num">
+                                      <p:cBhvr additive="base">
+                                        <p:cTn id="14" dur="500" fill="hold"/>
+                                        <p:tgtEl>
+                                          <p:spTgt spid="3">
+                                            <p:txEl>
+                                              <p:pRg st="1" end="1"/>
+                                            </p:txEl>
+                                          </p:spTgt>
+                                        </p:tgtEl>
+                                        <p:attrNameLst>
+                                          <p:attrName>ppt_y</p:attrName>
+                                        </p:attrNameLst>
+                                      </p:cBhvr>
+                                      <p:tavLst>
+                                        <p:tav tm="0">
+                                          <p:val>
+                                            <p:strVal val="1+#ppt_h/2"/>
+                                          </p:val>
+                                        </p:tav>
+                                        <p:tav tm="100000">
+                                          <p:val>
+                                            <p:strVal val="#ppt_y"/>
+                                          </p:val>
+                                        </p:tav>
+                                      </p:tavLst>
+                                    </p:anim>
+                                  </p:childTnLst>
+                                </p:cTn>
+                              </p:par>
+                            </p:childTnLst>
+                          </p:cTn>
+                        </p:par>
+                      </p:childTnLst>
+                    </p:cTn>
+                  </p:par>
+                  <p:par>
+                    <p:cTn id="15" fill="hold">
+                      <p:stCondLst>
+                        <p:cond delay="indefinite"/>
+                      </p:stCondLst>
+                      <p:childTnLst>
+                        <p:par>
+                          <p:cTn id="16" fill="hold">
+                            <p:stCondLst>
+                              <p:cond delay="0"/>
+                            </p:stCondLst>
+                            <p:childTnLst>
+                              <p:par>
+                                <p:cTn id="17" presetID="2" presetClass="entr" presetSubtype="4" fill="hold" grpId="0" nodeType="clickEffect">
+                                  <p:stCondLst>
+                                    <p:cond delay="0"/>
+                                  </p:stCondLst>
+                                  <p:childTnLst>
+                                    <p:set>
+                                      <p:cBhvr>
+                                        <p:cTn id="18" dur="1" fill="hold">
+                                          <p:stCondLst>
+                                            <p:cond delay="0"/>
+                                          </p:stCondLst>
+                                        </p:cTn>
+                                        <p:tgtEl>
+                                          <p:spTgt spid="3">
+                                            <p:txEl>
+                                              <p:pRg st="2" end="2"/>
+                                            </p:txEl>
+                                          </p:spTgt>
+                                        </p:tgtEl>
+                                        <p:attrNameLst>
+                                          <p:attrName>style.visibility</p:attrName>
+                                        </p:attrNameLst>
+                                      </p:cBhvr>
+                                      <p:to>
+                                        <p:strVal val="visible"/>
+                                      </p:to>
+                                    </p:set>
+                                    <p:anim calcmode="lin" valueType="num">
+                                      <p:cBhvr additive="base">
+                                        <p:cTn id="19" dur="500" fill="hold"/>
+                                        <p:tgtEl>
+                                          <p:spTgt spid="3">
+                                            <p:txEl>
+                                              <p:pRg st="2" end="2"/>
+                                            </p:txEl>
+                                          </p:spTgt>
+                                        </p:tgtEl>
+                                        <p:attrNameLst>
+                                          <p:attrName>ppt_x</p:attrName>
+                                        </p:attrNameLst>
+                                      </p:cBhvr>
+                                      <p:tavLst>
+                                        <p:tav tm="0">
+                                          <p:val>
+                                            <p:strVal val="#ppt_x"/>
+                                          </p:val>
+                                        </p:tav>
+                                        <p:tav tm="100000">
+                                          <p:val>
+                                            <p:strVal val="#ppt_x"/>
+                                          </p:val>
+                                        </p:tav>
+                                      </p:tavLst>
+                                    </p:anim>
+                                    <p:anim calcmode="lin" valueType="num">
+                                      <p:cBhvr additive="base">
+                                        <p:cTn id="20" dur="500" fill="hold"/>
+                                        <p:tgtEl>
+                                          <p:spTgt spid="3">
+                                            <p:txEl>
+                                              <p:pRg st="2" end="2"/>
+                                            </p:txEl>
+                                          </p:spTgt>
+                                        </p:tgtEl>
+                                        <p:attrNameLst>
+                                          <p:attrName>ppt_y</p:attrName>
+                                        </p:attrNameLst>
+                                      </p:cBhvr>
+                                      <p:tavLst>
+                                        <p:tav tm="0">
+                                          <p:val>
+                                            <p:strVal val="1+#ppt_h/2"/>
+                                          </p:val>
+                                        </p:tav>
+                                        <p:tav tm="100000">
+                                          <p:val>
+                                            <p:strVal val="#ppt_y"/>
+                                          </p:val>
+                                        </p:tav>
+                                      </p:tavLst>
+                                    </p:anim>
+                                  </p:childTnLst>
+                                </p:cTn>
+                              </p:par>
+                            </p:childTnLst>
+                          </p:cTn>
+                        </p:par>
+                      </p:childTnLst>
+                    </p:cTn>
+                  </p:par>
+                  <p:par>
+                    <p:cTn id="21" fill="hold">
+                      <p:stCondLst>
+                        <p:cond delay="indefinite"/>
+                      </p:stCondLst>
+                      <p:childTnLst>
+                        <p:par>
+                          <p:cTn id="22" fill="hold">
+                            <p:stCondLst>
+                              <p:cond delay="0"/>
+                            </p:stCondLst>
+                            <p:childTnLst>
+                              <p:par>
+                                <p:cTn id="23" presetID="2" presetClass="entr" presetSubtype="4" fill="hold" grpId="0" nodeType="clickEffect">
+                                  <p:stCondLst>
+                                    <p:cond delay="0"/>
+                                  </p:stCondLst>
+                                  <p:childTnLst>
+                                    <p:set>
+                                      <p:cBhvr>
+                                        <p:cTn id="24" dur="1" fill="hold">
+                                          <p:stCondLst>
+                                            <p:cond delay="0"/>
+                                          </p:stCondLst>
+                                        </p:cTn>
+                                        <p:tgtEl>
+                                          <p:spTgt spid="3">
+                                            <p:txEl>
+                                              <p:pRg st="3" end="3"/>
+                                            </p:txEl>
+                                          </p:spTgt>
+                                        </p:tgtEl>
+                                        <p:attrNameLst>
+                                          <p:attrName>style.visibility</p:attrName>
+                                        </p:attrNameLst>
+                                      </p:cBhvr>
+                                      <p:to>
+                                        <p:strVal val="visible"/>
+                                      </p:to>
+                                    </p:set>
+                                    <p:anim calcmode="lin" valueType="num">
+                                      <p:cBhvr additive="base">
+                                        <p:cTn id="25" dur="500" fill="hold"/>
+                                        <p:tgtEl>
+                                          <p:spTgt spid="3">
+                                            <p:txEl>
+                                              <p:pRg st="3" end="3"/>
+                                            </p:txEl>
+                                          </p:spTgt>
+                                        </p:tgtEl>
+                                        <p:attrNameLst>
+                                          <p:attrName>ppt_x</p:attrName>
+                                        </p:attrNameLst>
+                                      </p:cBhvr>
+                                      <p:tavLst>
+                                        <p:tav tm="0">
+                                          <p:val>
+                                            <p:strVal val="#ppt_x"/>
+                                          </p:val>
+                                        </p:tav>
+                                        <p:tav tm="100000">
+                                          <p:val>
+                                            <p:strVal val="#ppt_x"/>
+                                          </p:val>
+                                        </p:tav>
+                                      </p:tavLst>
+                                    </p:anim>
+                                    <p:anim calcmode="lin" valueType="num">
+                                      <p:cBhvr additive="base">
+                                        <p:cTn id="26" dur="500" fill="hold"/>
+                                        <p:tgtEl>
+                                          <p:spTgt spid="3">
+                                            <p:txEl>
+                                              <p:pRg st="3" end="3"/>
+                                            </p:txEl>
+                                          </p:spTgt>
+                                        </p:tgtEl>
+                                        <p:attrNameLst>
+                                          <p:attrName>ppt_y</p:attrName>
+                                        </p:attrNameLst>
+                                      </p:cBhvr>
+                                      <p:tavLst>
+                                        <p:tav tm="0">
+                                          <p:val>
+                                            <p:strVal val="1+#ppt_h/2"/>
+                                          </p:val>
+                                        </p:tav>
+                                        <p:tav tm="100000">
+                                          <p:val>
+                                            <p:strVal val="#ppt_y"/>
+                                          </p:val>
+                                        </p:tav>
+                                      </p:tavLst>
+                                    </p:anim>
+                                  </p:childTnLst>
+                                </p:cTn>
+                              </p:par>
+                            </p:childTnLst>
+                          </p:cTn>
+                        </p:par>
+                      </p:childTnLst>
+                    </p:cTn>
+                  </p:par>
+                  <p:par>
+                    <p:cTn id="27" fill="hold">
+                      <p:stCondLst>
+                        <p:cond delay="indefinite"/>
+                      </p:stCondLst>
+                      <p:childTnLst>
+                        <p:par>
+                          <p:cTn id="28" fill="hold">
+                            <p:stCondLst>
+                              <p:cond delay="0"/>
+                            </p:stCondLst>
+                            <p:childTnLst>
+                              <p:par>
+                                <p:cTn id="29" presetID="2" presetClass="entr" presetSubtype="4" fill="hold" grpId="0" nodeType="clickEffect">
+                                  <p:stCondLst>
+                                    <p:cond delay="0"/>
+                                  </p:stCondLst>
+                                  <p:childTnLst>
+                                    <p:set>
+                                      <p:cBhvr>
+                                        <p:cTn id="30" dur="1" fill="hold">
+                                          <p:stCondLst>
+                                            <p:cond delay="0"/>
+                                          </p:stCondLst>
+                                        </p:cTn>
+                                        <p:tgtEl>
+                                          <p:spTgt spid="3">
+                                            <p:txEl>
+                                              <p:pRg st="4" end="4"/>
+                                            </p:txEl>
+                                          </p:spTgt>
+                                        </p:tgtEl>
+                                        <p:attrNameLst>
+                                          <p:attrName>style.visibility</p:attrName>
+                                        </p:attrNameLst>
+                                      </p:cBhvr>
+                                      <p:to>
+                                        <p:strVal val="visible"/>
+                                      </p:to>
+                                    </p:set>
+                                    <p:anim calcmode="lin" valueType="num">
+                                      <p:cBhvr additive="base">
+                                        <p:cTn id="31" dur="500" fill="hold"/>
+                                        <p:tgtEl>
+                                          <p:spTgt spid="3">
+                                            <p:txEl>
+                                              <p:pRg st="4" end="4"/>
+                                            </p:txEl>
+                                          </p:spTgt>
+                                        </p:tgtEl>
+                                        <p:attrNameLst>
+                                          <p:attrName>ppt_x</p:attrName>
+                                        </p:attrNameLst>
+                                      </p:cBhvr>
+                                      <p:tavLst>
+                                        <p:tav tm="0">
+                                          <p:val>
+                                            <p:strVal val="#ppt_x"/>
+                                          </p:val>
+                                        </p:tav>
+                                        <p:tav tm="100000">
+                                          <p:val>
+                                            <p:strVal val="#ppt_x"/>
+                                          </p:val>
+                                        </p:tav>
+                                      </p:tavLst>
+                                    </p:anim>
+                                    <p:anim calcmode="lin" valueType="num">
+                                      <p:cBhvr additive="base">
+                                        <p:cTn id="32" dur="500" fill="hold"/>
+                                        <p:tgtEl>
+                                          <p:spTgt spid="3">
+                                            <p:txEl>
+                                              <p:pRg st="4" end="4"/>
+                                            </p:txEl>
+                                          </p:spTgt>
+                                        </p:tgtEl>
+                                        <p:attrNameLst>
+                                          <p:attrName>ppt_y</p:attrName>
+                                        </p:attrNameLst>
+                                      </p:cBhvr>
+                                      <p:tavLst>
+                                        <p:tav tm="0">
+                                          <p:val>
+                                            <p:strVal val="1+#ppt_h/2"/>
+                                          </p:val>
+                                        </p:tav>
+                                        <p:tav tm="100000">
+                                          <p:val>
+                                            <p:strVal val="#ppt_y"/>
+                                          </p:val>
+                                        </p:tav>
+                                      </p:tavLst>
+                                    </p:anim>
+                                  </p:childTnLst>
+                                </p:cTn>
+                              </p:par>
+                            </p:childTnLst>
+                          </p:cTn>
+                        </p:par>
+                      </p:childTnLst>
+                    </p:cTn>
+                  </p:par>
+                </p:childTnLst>
+              </p:cTn>
+              <p:prevCondLst>
+                <p:cond evt="onPrev" delay="0">
+                  <p:tgtEl>
+                    <p:sldTgt/>
+                  </p:tgtEl>
+                </p:cond>
+              </p:prevCondLst>
+              <p:nextCondLst>
+                <p:cond evt="onNext" delay="0">
+                  <p:tgtEl>
+                    <p:sldTgt/>
+                  </p:tgtEl>
+                </p:cond>
+              </p:nextCondLst>
+            </p:seq>
+          </p:childTnLst>
+        </p:cTn>
+      </p:par>
+    </p:tnLst>
+    <p:bldLst>
+      <p:bldP spid="2" grpId="0"/>
+      <p:bldP spid="3" grpId="0" build="p"/>
+    </p:bldLst>
+  </p:timing>
+</p:sld>
+</file>
+
+<file path=ppt/slides/slide4.xml><?xml version="1.0" encoding="utf-8"?>
 <p:sld xmlns:a="http://schemas.openxmlformats.org/drawingml/2006/main" xmlns:r="http://schemas.openxmlformats.org/officeDocument/2006/relationships" xmlns:p="http://schemas.openxmlformats.org/presentationml/2006/main">
   <p:cSld>
     <p:spTree>
@@ -14219,7 +15250,7 @@
 </p:sld>
 </file>
 
-<file path=ppt/slides/slide4.xml><?xml version="1.0" encoding="utf-8"?>
+<file path=ppt/slides/slide5.xml><?xml version="1.0" encoding="utf-8"?>
 <p:sld xmlns:a="http://schemas.openxmlformats.org/drawingml/2006/main" xmlns:r="http://schemas.openxmlformats.org/officeDocument/2006/relationships" xmlns:p="http://schemas.openxmlformats.org/presentationml/2006/main">
   <p:cSld>
     <p:spTree>
@@ -14434,6 +15465,97 @@
                       </p:childTnLst>
                     </p:cTn>
                   </p:par>
+                  <p:par>
+                    <p:cTn id="7" fill="hold">
+                      <p:stCondLst>
+                        <p:cond delay="indefinite"/>
+                      </p:stCondLst>
+                      <p:childTnLst>
+                        <p:par>
+                          <p:cTn id="8" fill="hold">
+                            <p:stCondLst>
+                              <p:cond delay="0"/>
+                            </p:stCondLst>
+                            <p:childTnLst>
+                              <p:par>
+                                <p:cTn id="9" presetID="2" presetClass="entr" presetSubtype="4" fill="hold" grpId="0" nodeType="clickEffect">
+                                  <p:stCondLst>
+                                    <p:cond delay="0"/>
+                                  </p:stCondLst>
+                                  <p:childTnLst>
+                                    <p:set>
+                                      <p:cBhvr>
+                                        <p:cTn id="10" dur="1" fill="hold">
+                                          <p:stCondLst>
+                                            <p:cond delay="0"/>
+                                          </p:stCondLst>
+                                        </p:cTn>
+                                        <p:tgtEl>
+                                          <p:spTgt spid="5"/>
+                                        </p:tgtEl>
+                                        <p:attrNameLst>
+                                          <p:attrName>style.visibility</p:attrName>
+                                        </p:attrNameLst>
+                                      </p:cBhvr>
+                                      <p:to>
+                                        <p:strVal val="visible"/>
+                                      </p:to>
+                                    </p:set>
+                                    <p:anim calcmode="lin" valueType="num">
+                                      <p:cBhvr additive="base">
+                                        <p:cTn id="11" dur="500" fill="hold"/>
+                                        <p:tgtEl>
+                                          <p:spTgt spid="5"/>
+                                        </p:tgtEl>
+                                        <p:attrNameLst>
+                                          <p:attrName>ppt_x</p:attrName>
+                                        </p:attrNameLst>
+                                      </p:cBhvr>
+                                      <p:tavLst>
+                                        <p:tav tm="0">
+                                          <p:val>
+                                            <p:strVal val="#ppt_x"/>
+                                          </p:val>
+                                        </p:tav>
+                                        <p:tav tm="100000">
+                                          <p:val>
+                                            <p:strVal val="#ppt_x"/>
+                                          </p:val>
+                                        </p:tav>
+                                      </p:tavLst>
+                                    </p:anim>
+                                    <p:anim calcmode="lin" valueType="num">
+                                      <p:cBhvr additive="base">
+                                        <p:cTn id="12" dur="500" fill="hold"/>
+                                        <p:tgtEl>
+                                          <p:spTgt spid="5"/>
+                                        </p:tgtEl>
+                                        <p:attrNameLst>
+                                          <p:attrName>ppt_y</p:attrName>
+                                        </p:attrNameLst>
+                                      </p:cBhvr>
+                                      <p:tavLst>
+                                        <p:tav tm="0">
+                                          <p:val>
+                                            <p:strVal val="1+#ppt_h/2"/>
+                                          </p:val>
+                                        </p:tav>
+                                        <p:tav tm="100000">
+                                          <p:val>
+                                            <p:strVal val="#ppt_y"/>
+                                          </p:val>
+                                        </p:tav>
+                                      </p:tavLst>
+                                    </p:anim>
+                                  </p:childTnLst>
+                                </p:cTn>
+                              </p:par>
+                            </p:childTnLst>
+                          </p:cTn>
+                        </p:par>
+                      </p:childTnLst>
+                    </p:cTn>
+                  </p:par>
                 </p:childTnLst>
               </p:cTn>
               <p:prevCondLst>
@@ -14457,12 +15579,15 @@
     </p:tnLst>
     <p:bldLst>
       <p:bldP spid="2" grpId="0"/>
+      <p:bldGraphic spid="5" grpId="0">
+        <p:bldAsOne/>
+      </p:bldGraphic>
     </p:bldLst>
   </p:timing>
 </p:sld>
 </file>
 
-<file path=ppt/slides/slide5.xml><?xml version="1.0" encoding="utf-8"?>
+<file path=ppt/slides/slide6.xml><?xml version="1.0" encoding="utf-8"?>
 <p:sld xmlns:a="http://schemas.openxmlformats.org/drawingml/2006/main" xmlns:r="http://schemas.openxmlformats.org/officeDocument/2006/relationships" xmlns:p="http://schemas.openxmlformats.org/presentationml/2006/main">
   <p:cSld>
     <p:bg>
@@ -14807,698 +15932,6 @@
 </p:sld>
 </file>
 
-<file path=ppt/slides/slide6.xml><?xml version="1.0" encoding="utf-8"?>
-<p:sld xmlns:a="http://schemas.openxmlformats.org/drawingml/2006/main" xmlns:r="http://schemas.openxmlformats.org/officeDocument/2006/relationships" xmlns:p="http://schemas.openxmlformats.org/presentationml/2006/main">
-  <p:cSld>
-    <p:bg>
-      <p:bgPr>
-        <a:solidFill>
-          <a:schemeClr val="bg1"/>
-        </a:solidFill>
-        <a:effectLst/>
-      </p:bgPr>
-    </p:bg>
-    <p:spTree>
-      <p:nvGrpSpPr>
-        <p:cNvPr id="1" name=""/>
-        <p:cNvGrpSpPr/>
-        <p:nvPr/>
-      </p:nvGrpSpPr>
-      <p:grpSpPr>
-        <a:xfrm>
-          <a:off x="0" y="0"/>
-          <a:ext cx="0" cy="0"/>
-          <a:chOff x="0" y="0"/>
-          <a:chExt cx="0" cy="0"/>
-        </a:xfrm>
-      </p:grpSpPr>
-      <p:sp>
-        <p:nvSpPr>
-          <p:cNvPr id="2" name="Title 1">
-            <a:extLst>
-              <a:ext uri="{FF2B5EF4-FFF2-40B4-BE49-F238E27FC236}">
-                <a16:creationId xmlns:a16="http://schemas.microsoft.com/office/drawing/2014/main" id="{E31D61D9-9039-133C-C496-C82302AA706C}"/>
-              </a:ext>
-            </a:extLst>
-          </p:cNvPr>
-          <p:cNvSpPr>
-            <a:spLocks noGrp="1"/>
-          </p:cNvSpPr>
-          <p:nvPr>
-            <p:ph type="title"/>
-          </p:nvPr>
-        </p:nvSpPr>
-        <p:spPr>
-          <a:xfrm>
-            <a:off x="789965" y="725467"/>
-            <a:ext cx="4952999" cy="1580411"/>
-          </a:xfrm>
-        </p:spPr>
-        <p:txBody>
-          <a:bodyPr>
-            <a:normAutofit/>
-          </a:bodyPr>
-          <a:lstStyle/>
-          <a:p>
-            <a:r>
-              <a:rPr lang="en-AU" dirty="0"/>
-              <a:t>Introduction</a:t>
-            </a:r>
-          </a:p>
-        </p:txBody>
-      </p:sp>
-      <p:sp>
-        <p:nvSpPr>
-          <p:cNvPr id="3" name="Content Placeholder 2">
-            <a:extLst>
-              <a:ext uri="{FF2B5EF4-FFF2-40B4-BE49-F238E27FC236}">
-                <a16:creationId xmlns:a16="http://schemas.microsoft.com/office/drawing/2014/main" id="{BB59DD5E-5F10-A0B7-AE54-62FF24BCDA43}"/>
-              </a:ext>
-            </a:extLst>
-          </p:cNvPr>
-          <p:cNvSpPr>
-            <a:spLocks noGrp="1"/>
-          </p:cNvSpPr>
-          <p:nvPr>
-            <p:ph idx="1"/>
-          </p:nvPr>
-        </p:nvSpPr>
-        <p:spPr>
-          <a:xfrm>
-            <a:off x="457200" y="2001078"/>
-            <a:ext cx="4952999" cy="4131455"/>
-          </a:xfrm>
-        </p:spPr>
-        <p:txBody>
-          <a:bodyPr>
-            <a:normAutofit/>
-          </a:bodyPr>
-          <a:lstStyle/>
-          <a:p>
-            <a:pPr marL="0" indent="0">
-              <a:lnSpc>
-                <a:spcPct val="100000"/>
-              </a:lnSpc>
-              <a:buNone/>
-            </a:pPr>
-            <a:endParaRPr lang="en-US" sz="1000" b="1" i="0" dirty="0">
-              <a:effectLst/>
-              <a:latin typeface="sohne"/>
-            </a:endParaRPr>
-          </a:p>
-          <a:p>
-            <a:pPr>
-              <a:lnSpc>
-                <a:spcPct val="100000"/>
-              </a:lnSpc>
-            </a:pPr>
-            <a:r>
-              <a:rPr lang="en-US" sz="1400" b="0" i="0" dirty="0">
-                <a:effectLst/>
-                <a:latin typeface="source-serif-pro"/>
-              </a:rPr>
-              <a:t>The two critical questions in the lending industry are</a:t>
-            </a:r>
-            <a:r>
-              <a:rPr lang="en-US" sz="1400" dirty="0">
-                <a:latin typeface="source-serif-pro"/>
-              </a:rPr>
-              <a:t>,  </a:t>
-            </a:r>
-            <a:r>
-              <a:rPr lang="en-US" sz="1400" b="0" i="0" dirty="0">
-                <a:effectLst/>
-                <a:latin typeface="source-serif-pro"/>
-              </a:rPr>
-              <a:t>A) What sort of is the borrower? B) </a:t>
-            </a:r>
-            <a:r>
-              <a:rPr lang="en-US" sz="1400" dirty="0">
-                <a:latin typeface="source-serif-pro"/>
-              </a:rPr>
-              <a:t>Considering </a:t>
-            </a:r>
-            <a:r>
-              <a:rPr lang="en-US" sz="1400" b="0" i="0" dirty="0">
-                <a:effectLst/>
-                <a:latin typeface="source-serif-pro"/>
-              </a:rPr>
-              <a:t>the borrower’s risk, Could we lend </a:t>
-            </a:r>
-            <a:r>
-              <a:rPr lang="en-US" sz="1400" dirty="0">
-                <a:latin typeface="source-serif-pro"/>
-              </a:rPr>
-              <a:t>to the borrower</a:t>
-            </a:r>
-            <a:r>
-              <a:rPr lang="en-US" sz="1400" b="0" i="0" dirty="0">
-                <a:effectLst/>
-                <a:latin typeface="source-serif-pro"/>
-              </a:rPr>
-              <a:t>?</a:t>
-            </a:r>
-          </a:p>
-          <a:p>
-            <a:pPr>
-              <a:lnSpc>
-                <a:spcPct val="100000"/>
-              </a:lnSpc>
-            </a:pPr>
-            <a:r>
-              <a:rPr lang="en-US" sz="1400" b="0" i="0" dirty="0">
-                <a:effectLst/>
-                <a:latin typeface="source-serif-pro"/>
-              </a:rPr>
-              <a:t> Lenders provide loans to borrowers in exchange for the promise of repayment with interest. That means the lender only makes profit if the borrower pays off the loan. However, if </a:t>
-            </a:r>
-            <a:r>
-              <a:rPr lang="en-US" sz="1400" dirty="0">
-                <a:latin typeface="source-serif-pro"/>
-              </a:rPr>
-              <a:t>borrower </a:t>
-            </a:r>
-            <a:r>
-              <a:rPr lang="en-US" sz="1400" b="0" i="0" dirty="0">
-                <a:effectLst/>
-                <a:latin typeface="source-serif-pro"/>
-              </a:rPr>
-              <a:t>doesn’t repay the loan, then the lender loses money. </a:t>
-            </a:r>
-          </a:p>
-          <a:p>
-            <a:pPr>
-              <a:lnSpc>
-                <a:spcPct val="100000"/>
-              </a:lnSpc>
-            </a:pPr>
-            <a:r>
-              <a:rPr lang="en-US" sz="1400" b="0" i="0" dirty="0">
-                <a:effectLst/>
-                <a:latin typeface="source-serif-pro"/>
-              </a:rPr>
-              <a:t>So for this project We’ll be using publicly available data from </a:t>
-            </a:r>
-            <a:r>
-              <a:rPr lang="en-US" sz="1400" u="sng" dirty="0">
-                <a:latin typeface="source-serif-pro"/>
-              </a:rPr>
-              <a:t>https://www.kaggle.com </a:t>
-            </a:r>
-            <a:r>
-              <a:rPr lang="en-US" sz="1400" b="0" i="0" dirty="0">
-                <a:effectLst/>
-                <a:latin typeface="source-serif-pro"/>
-              </a:rPr>
-              <a:t> . The data covers the 9,578 loans funded by the platform between 2007 and 2010. Considering all we’ll predict if the borrower will repay the loan by its mature date or not. </a:t>
-            </a:r>
-          </a:p>
-          <a:p>
-            <a:pPr>
-              <a:lnSpc>
-                <a:spcPct val="100000"/>
-              </a:lnSpc>
-            </a:pPr>
-            <a:endParaRPr lang="en-AU" sz="1000" dirty="0"/>
-          </a:p>
-        </p:txBody>
-      </p:sp>
-      <p:pic>
-        <p:nvPicPr>
-          <p:cNvPr id="53" name="Picture 4" descr="Graph">
-            <a:extLst>
-              <a:ext uri="{FF2B5EF4-FFF2-40B4-BE49-F238E27FC236}">
-                <a16:creationId xmlns:a16="http://schemas.microsoft.com/office/drawing/2014/main" id="{23387D32-7E6B-7229-2C18-5347681455FA}"/>
-              </a:ext>
-            </a:extLst>
-          </p:cNvPr>
-          <p:cNvPicPr>
-            <a:picLocks noChangeAspect="1"/>
-          </p:cNvPicPr>
-          <p:nvPr/>
-        </p:nvPicPr>
-        <p:blipFill rotWithShape="1">
-          <a:blip r:embed="rId2"/>
-          <a:srcRect l="14518" r="29652" b="1"/>
-          <a:stretch/>
-        </p:blipFill>
-        <p:spPr>
-          <a:xfrm>
-            <a:off x="6075730" y="-3440"/>
-            <a:ext cx="6129239" cy="6861439"/>
-          </a:xfrm>
-          <a:prstGeom prst="rect">
-            <a:avLst/>
-          </a:prstGeom>
-        </p:spPr>
-      </p:pic>
-    </p:spTree>
-    <p:extLst>
-      <p:ext uri="{BB962C8B-B14F-4D97-AF65-F5344CB8AC3E}">
-        <p14:creationId xmlns:p14="http://schemas.microsoft.com/office/powerpoint/2010/main" val="1323158687"/>
-      </p:ext>
-    </p:extLst>
-  </p:cSld>
-  <p:clrMapOvr>
-    <a:masterClrMapping/>
-  </p:clrMapOvr>
-  <p:timing>
-    <p:tnLst>
-      <p:par>
-        <p:cTn id="1" dur="indefinite" restart="never" nodeType="tmRoot">
-          <p:childTnLst>
-            <p:seq concurrent="1" nextAc="seek">
-              <p:cTn id="2" dur="indefinite" nodeType="mainSeq">
-                <p:childTnLst>
-                  <p:par>
-                    <p:cTn id="3" fill="hold">
-                      <p:stCondLst>
-                        <p:cond delay="indefinite"/>
-                      </p:stCondLst>
-                      <p:childTnLst>
-                        <p:par>
-                          <p:cTn id="4" fill="hold">
-                            <p:stCondLst>
-                              <p:cond delay="0"/>
-                            </p:stCondLst>
-                            <p:childTnLst>
-                              <p:par>
-                                <p:cTn id="5" presetID="2" presetClass="entr" presetSubtype="4" fill="hold" grpId="0" nodeType="clickEffect">
-                                  <p:stCondLst>
-                                    <p:cond delay="0"/>
-                                  </p:stCondLst>
-                                  <p:childTnLst>
-                                    <p:set>
-                                      <p:cBhvr>
-                                        <p:cTn id="6" dur="1" fill="hold">
-                                          <p:stCondLst>
-                                            <p:cond delay="0"/>
-                                          </p:stCondLst>
-                                        </p:cTn>
-                                        <p:tgtEl>
-                                          <p:spTgt spid="2"/>
-                                        </p:tgtEl>
-                                        <p:attrNameLst>
-                                          <p:attrName>style.visibility</p:attrName>
-                                        </p:attrNameLst>
-                                      </p:cBhvr>
-                                      <p:to>
-                                        <p:strVal val="visible"/>
-                                      </p:to>
-                                    </p:set>
-                                    <p:anim calcmode="lin" valueType="num">
-                                      <p:cBhvr additive="base">
-                                        <p:cTn id="7" dur="500" fill="hold"/>
-                                        <p:tgtEl>
-                                          <p:spTgt spid="2"/>
-                                        </p:tgtEl>
-                                        <p:attrNameLst>
-                                          <p:attrName>ppt_x</p:attrName>
-                                        </p:attrNameLst>
-                                      </p:cBhvr>
-                                      <p:tavLst>
-                                        <p:tav tm="0">
-                                          <p:val>
-                                            <p:strVal val="#ppt_x"/>
-                                          </p:val>
-                                        </p:tav>
-                                        <p:tav tm="100000">
-                                          <p:val>
-                                            <p:strVal val="#ppt_x"/>
-                                          </p:val>
-                                        </p:tav>
-                                      </p:tavLst>
-                                    </p:anim>
-                                    <p:anim calcmode="lin" valueType="num">
-                                      <p:cBhvr additive="base">
-                                        <p:cTn id="8" dur="500" fill="hold"/>
-                                        <p:tgtEl>
-                                          <p:spTgt spid="2"/>
-                                        </p:tgtEl>
-                                        <p:attrNameLst>
-                                          <p:attrName>ppt_y</p:attrName>
-                                        </p:attrNameLst>
-                                      </p:cBhvr>
-                                      <p:tavLst>
-                                        <p:tav tm="0">
-                                          <p:val>
-                                            <p:strVal val="1+#ppt_h/2"/>
-                                          </p:val>
-                                        </p:tav>
-                                        <p:tav tm="100000">
-                                          <p:val>
-                                            <p:strVal val="#ppt_y"/>
-                                          </p:val>
-                                        </p:tav>
-                                      </p:tavLst>
-                                    </p:anim>
-                                  </p:childTnLst>
-                                </p:cTn>
-                              </p:par>
-                            </p:childTnLst>
-                          </p:cTn>
-                        </p:par>
-                      </p:childTnLst>
-                    </p:cTn>
-                  </p:par>
-                  <p:par>
-                    <p:cTn id="9" fill="hold">
-                      <p:stCondLst>
-                        <p:cond delay="indefinite"/>
-                      </p:stCondLst>
-                      <p:childTnLst>
-                        <p:par>
-                          <p:cTn id="10" fill="hold">
-                            <p:stCondLst>
-                              <p:cond delay="0"/>
-                            </p:stCondLst>
-                            <p:childTnLst>
-                              <p:par>
-                                <p:cTn id="11" presetID="2" presetClass="entr" presetSubtype="4" fill="hold" grpId="0" nodeType="clickEffect">
-                                  <p:stCondLst>
-                                    <p:cond delay="0"/>
-                                  </p:stCondLst>
-                                  <p:childTnLst>
-                                    <p:set>
-                                      <p:cBhvr>
-                                        <p:cTn id="12" dur="1" fill="hold">
-                                          <p:stCondLst>
-                                            <p:cond delay="0"/>
-                                          </p:stCondLst>
-                                        </p:cTn>
-                                        <p:tgtEl>
-                                          <p:spTgt spid="3">
-                                            <p:txEl>
-                                              <p:pRg st="1" end="1"/>
-                                            </p:txEl>
-                                          </p:spTgt>
-                                        </p:tgtEl>
-                                        <p:attrNameLst>
-                                          <p:attrName>style.visibility</p:attrName>
-                                        </p:attrNameLst>
-                                      </p:cBhvr>
-                                      <p:to>
-                                        <p:strVal val="visible"/>
-                                      </p:to>
-                                    </p:set>
-                                    <p:anim calcmode="lin" valueType="num">
-                                      <p:cBhvr additive="base">
-                                        <p:cTn id="13" dur="500" fill="hold"/>
-                                        <p:tgtEl>
-                                          <p:spTgt spid="3">
-                                            <p:txEl>
-                                              <p:pRg st="1" end="1"/>
-                                            </p:txEl>
-                                          </p:spTgt>
-                                        </p:tgtEl>
-                                        <p:attrNameLst>
-                                          <p:attrName>ppt_x</p:attrName>
-                                        </p:attrNameLst>
-                                      </p:cBhvr>
-                                      <p:tavLst>
-                                        <p:tav tm="0">
-                                          <p:val>
-                                            <p:strVal val="#ppt_x"/>
-                                          </p:val>
-                                        </p:tav>
-                                        <p:tav tm="100000">
-                                          <p:val>
-                                            <p:strVal val="#ppt_x"/>
-                                          </p:val>
-                                        </p:tav>
-                                      </p:tavLst>
-                                    </p:anim>
-                                    <p:anim calcmode="lin" valueType="num">
-                                      <p:cBhvr additive="base">
-                                        <p:cTn id="14" dur="500" fill="hold"/>
-                                        <p:tgtEl>
-                                          <p:spTgt spid="3">
-                                            <p:txEl>
-                                              <p:pRg st="1" end="1"/>
-                                            </p:txEl>
-                                          </p:spTgt>
-                                        </p:tgtEl>
-                                        <p:attrNameLst>
-                                          <p:attrName>ppt_y</p:attrName>
-                                        </p:attrNameLst>
-                                      </p:cBhvr>
-                                      <p:tavLst>
-                                        <p:tav tm="0">
-                                          <p:val>
-                                            <p:strVal val="1+#ppt_h/2"/>
-                                          </p:val>
-                                        </p:tav>
-                                        <p:tav tm="100000">
-                                          <p:val>
-                                            <p:strVal val="#ppt_y"/>
-                                          </p:val>
-                                        </p:tav>
-                                      </p:tavLst>
-                                    </p:anim>
-                                  </p:childTnLst>
-                                </p:cTn>
-                              </p:par>
-                            </p:childTnLst>
-                          </p:cTn>
-                        </p:par>
-                      </p:childTnLst>
-                    </p:cTn>
-                  </p:par>
-                  <p:par>
-                    <p:cTn id="15" fill="hold">
-                      <p:stCondLst>
-                        <p:cond delay="indefinite"/>
-                      </p:stCondLst>
-                      <p:childTnLst>
-                        <p:par>
-                          <p:cTn id="16" fill="hold">
-                            <p:stCondLst>
-                              <p:cond delay="0"/>
-                            </p:stCondLst>
-                            <p:childTnLst>
-                              <p:par>
-                                <p:cTn id="17" presetID="2" presetClass="entr" presetSubtype="4" fill="hold" grpId="0" nodeType="clickEffect">
-                                  <p:stCondLst>
-                                    <p:cond delay="0"/>
-                                  </p:stCondLst>
-                                  <p:childTnLst>
-                                    <p:set>
-                                      <p:cBhvr>
-                                        <p:cTn id="18" dur="1" fill="hold">
-                                          <p:stCondLst>
-                                            <p:cond delay="0"/>
-                                          </p:stCondLst>
-                                        </p:cTn>
-                                        <p:tgtEl>
-                                          <p:spTgt spid="3">
-                                            <p:txEl>
-                                              <p:pRg st="2" end="2"/>
-                                            </p:txEl>
-                                          </p:spTgt>
-                                        </p:tgtEl>
-                                        <p:attrNameLst>
-                                          <p:attrName>style.visibility</p:attrName>
-                                        </p:attrNameLst>
-                                      </p:cBhvr>
-                                      <p:to>
-                                        <p:strVal val="visible"/>
-                                      </p:to>
-                                    </p:set>
-                                    <p:anim calcmode="lin" valueType="num">
-                                      <p:cBhvr additive="base">
-                                        <p:cTn id="19" dur="500" fill="hold"/>
-                                        <p:tgtEl>
-                                          <p:spTgt spid="3">
-                                            <p:txEl>
-                                              <p:pRg st="2" end="2"/>
-                                            </p:txEl>
-                                          </p:spTgt>
-                                        </p:tgtEl>
-                                        <p:attrNameLst>
-                                          <p:attrName>ppt_x</p:attrName>
-                                        </p:attrNameLst>
-                                      </p:cBhvr>
-                                      <p:tavLst>
-                                        <p:tav tm="0">
-                                          <p:val>
-                                            <p:strVal val="#ppt_x"/>
-                                          </p:val>
-                                        </p:tav>
-                                        <p:tav tm="100000">
-                                          <p:val>
-                                            <p:strVal val="#ppt_x"/>
-                                          </p:val>
-                                        </p:tav>
-                                      </p:tavLst>
-                                    </p:anim>
-                                    <p:anim calcmode="lin" valueType="num">
-                                      <p:cBhvr additive="base">
-                                        <p:cTn id="20" dur="500" fill="hold"/>
-                                        <p:tgtEl>
-                                          <p:spTgt spid="3">
-                                            <p:txEl>
-                                              <p:pRg st="2" end="2"/>
-                                            </p:txEl>
-                                          </p:spTgt>
-                                        </p:tgtEl>
-                                        <p:attrNameLst>
-                                          <p:attrName>ppt_y</p:attrName>
-                                        </p:attrNameLst>
-                                      </p:cBhvr>
-                                      <p:tavLst>
-                                        <p:tav tm="0">
-                                          <p:val>
-                                            <p:strVal val="1+#ppt_h/2"/>
-                                          </p:val>
-                                        </p:tav>
-                                        <p:tav tm="100000">
-                                          <p:val>
-                                            <p:strVal val="#ppt_y"/>
-                                          </p:val>
-                                        </p:tav>
-                                      </p:tavLst>
-                                    </p:anim>
-                                  </p:childTnLst>
-                                </p:cTn>
-                              </p:par>
-                            </p:childTnLst>
-                          </p:cTn>
-                        </p:par>
-                      </p:childTnLst>
-                    </p:cTn>
-                  </p:par>
-                  <p:par>
-                    <p:cTn id="21" fill="hold">
-                      <p:stCondLst>
-                        <p:cond delay="indefinite"/>
-                      </p:stCondLst>
-                      <p:childTnLst>
-                        <p:par>
-                          <p:cTn id="22" fill="hold">
-                            <p:stCondLst>
-                              <p:cond delay="0"/>
-                            </p:stCondLst>
-                            <p:childTnLst>
-                              <p:par>
-                                <p:cTn id="23" presetID="2" presetClass="entr" presetSubtype="4" fill="hold" grpId="0" nodeType="clickEffect">
-                                  <p:stCondLst>
-                                    <p:cond delay="0"/>
-                                  </p:stCondLst>
-                                  <p:childTnLst>
-                                    <p:set>
-                                      <p:cBhvr>
-                                        <p:cTn id="24" dur="1" fill="hold">
-                                          <p:stCondLst>
-                                            <p:cond delay="0"/>
-                                          </p:stCondLst>
-                                        </p:cTn>
-                                        <p:tgtEl>
-                                          <p:spTgt spid="3">
-                                            <p:txEl>
-                                              <p:pRg st="3" end="3"/>
-                                            </p:txEl>
-                                          </p:spTgt>
-                                        </p:tgtEl>
-                                        <p:attrNameLst>
-                                          <p:attrName>style.visibility</p:attrName>
-                                        </p:attrNameLst>
-                                      </p:cBhvr>
-                                      <p:to>
-                                        <p:strVal val="visible"/>
-                                      </p:to>
-                                    </p:set>
-                                    <p:anim calcmode="lin" valueType="num">
-                                      <p:cBhvr additive="base">
-                                        <p:cTn id="25" dur="500" fill="hold"/>
-                                        <p:tgtEl>
-                                          <p:spTgt spid="3">
-                                            <p:txEl>
-                                              <p:pRg st="3" end="3"/>
-                                            </p:txEl>
-                                          </p:spTgt>
-                                        </p:tgtEl>
-                                        <p:attrNameLst>
-                                          <p:attrName>ppt_x</p:attrName>
-                                        </p:attrNameLst>
-                                      </p:cBhvr>
-                                      <p:tavLst>
-                                        <p:tav tm="0">
-                                          <p:val>
-                                            <p:strVal val="#ppt_x"/>
-                                          </p:val>
-                                        </p:tav>
-                                        <p:tav tm="100000">
-                                          <p:val>
-                                            <p:strVal val="#ppt_x"/>
-                                          </p:val>
-                                        </p:tav>
-                                      </p:tavLst>
-                                    </p:anim>
-                                    <p:anim calcmode="lin" valueType="num">
-                                      <p:cBhvr additive="base">
-                                        <p:cTn id="26" dur="500" fill="hold"/>
-                                        <p:tgtEl>
-                                          <p:spTgt spid="3">
-                                            <p:txEl>
-                                              <p:pRg st="3" end="3"/>
-                                            </p:txEl>
-                                          </p:spTgt>
-                                        </p:tgtEl>
-                                        <p:attrNameLst>
-                                          <p:attrName>ppt_y</p:attrName>
-                                        </p:attrNameLst>
-                                      </p:cBhvr>
-                                      <p:tavLst>
-                                        <p:tav tm="0">
-                                          <p:val>
-                                            <p:strVal val="1+#ppt_h/2"/>
-                                          </p:val>
-                                        </p:tav>
-                                        <p:tav tm="100000">
-                                          <p:val>
-                                            <p:strVal val="#ppt_y"/>
-                                          </p:val>
-                                        </p:tav>
-                                      </p:tavLst>
-                                    </p:anim>
-                                  </p:childTnLst>
-                                </p:cTn>
-                              </p:par>
-                            </p:childTnLst>
-                          </p:cTn>
-                        </p:par>
-                      </p:childTnLst>
-                    </p:cTn>
-                  </p:par>
-                </p:childTnLst>
-              </p:cTn>
-              <p:prevCondLst>
-                <p:cond evt="onPrev" delay="0">
-                  <p:tgtEl>
-                    <p:sldTgt/>
-                  </p:tgtEl>
-                </p:cond>
-              </p:prevCondLst>
-              <p:nextCondLst>
-                <p:cond evt="onNext" delay="0">
-                  <p:tgtEl>
-                    <p:sldTgt/>
-                  </p:tgtEl>
-                </p:cond>
-              </p:nextCondLst>
-            </p:seq>
-          </p:childTnLst>
-        </p:cTn>
-      </p:par>
-    </p:tnLst>
-    <p:bldLst>
-      <p:bldP spid="2" grpId="0"/>
-      <p:bldP spid="3" grpId="0" build="p"/>
-    </p:bldLst>
-  </p:timing>
-</p:sld>
-</file>
-
 <file path=ppt/slides/slide7.xml><?xml version="1.0" encoding="utf-8"?>
 <p:sld xmlns:a="http://schemas.openxmlformats.org/drawingml/2006/main" xmlns:r="http://schemas.openxmlformats.org/officeDocument/2006/relationships" xmlns:p="http://schemas.openxmlformats.org/presentationml/2006/main">
   <p:cSld>
@@ -15648,69 +16081,20 @@
                 <a:effectLst/>
                 <a:latin typeface="source-serif-pro"/>
               </a:rPr>
-              <a:t>: The purpose of the loan such as: </a:t>
-            </a:r>
-            <a:r>
-              <a:rPr lang="en-US" b="0" i="0" dirty="0" err="1">
-                <a:effectLst/>
+              <a:t>: The purpose of the loan such as: credit card, Educational, debt consolidation</a:t>
+            </a:r>
+            <a:r>
+              <a:rPr lang="en-US" dirty="0">
                 <a:latin typeface="source-serif-pro"/>
               </a:rPr>
-              <a:t>credit_card</a:t>
+              <a:t>.</a:t>
             </a:r>
             <a:r>
               <a:rPr lang="en-US" b="0" i="0" dirty="0">
                 <a:effectLst/>
                 <a:latin typeface="source-serif-pro"/>
               </a:rPr>
-              <a:t>, </a:t>
-            </a:r>
-            <a:r>
-              <a:rPr lang="en-US" b="0" i="0" dirty="0" err="1">
-                <a:effectLst/>
-                <a:latin typeface="source-serif-pro"/>
-              </a:rPr>
-              <a:t>Educationl</a:t>
-            </a:r>
-            <a:r>
-              <a:rPr lang="en-US" b="0" i="0" dirty="0">
-                <a:effectLst/>
-                <a:latin typeface="source-serif-pro"/>
-              </a:rPr>
-              <a:t>, </a:t>
-            </a:r>
-            <a:r>
-              <a:rPr lang="en-US" b="0" i="0" dirty="0" err="1">
-                <a:effectLst/>
-                <a:latin typeface="source-serif-pro"/>
-              </a:rPr>
-              <a:t>debt_consolidation</a:t>
-            </a:r>
-            <a:r>
-              <a:rPr lang="en-US" dirty="0">
-                <a:latin typeface="source-serif-pro"/>
-              </a:rPr>
-              <a:t>.</a:t>
-            </a:r>
-            <a:r>
-              <a:rPr lang="en-US" b="0" i="0" dirty="0">
-                <a:effectLst/>
-                <a:latin typeface="source-serif-pro"/>
-              </a:rPr>
-              <a:t> </a:t>
-            </a:r>
-            <a:r>
-              <a:rPr lang="en-US" b="0" i="0" dirty="0" err="1">
-                <a:effectLst/>
-                <a:latin typeface="source-serif-pro"/>
-              </a:rPr>
-              <a:t>Home_improvement</a:t>
-            </a:r>
-            <a:r>
-              <a:rPr lang="en-US" b="0" i="0" dirty="0">
-                <a:effectLst/>
-                <a:latin typeface="source-serif-pro"/>
-              </a:rPr>
-              <a:t> etc.</a:t>
+              <a:t> Home improvement etc.</a:t>
             </a:r>
           </a:p>
           <a:p>

--- a/project 4 presentation.pptx
+++ b/project 4 presentation.pptx
@@ -12565,9 +12565,81 @@
         </p:blipFill>
         <p:spPr>
           <a:xfrm>
-            <a:off x="3176335" y="1882745"/>
-            <a:ext cx="3827712" cy="4195762"/>
+            <a:off x="1103313" y="1866180"/>
+            <a:ext cx="2881075" cy="4195762"/>
           </a:xfrm>
+        </p:spPr>
+      </p:pic>
+      <p:pic>
+        <p:nvPicPr>
+          <p:cNvPr id="4" name="Picture 3" descr="A screenshot of a credit card&#10;&#10;Description automatically generated with low confidence">
+            <a:extLst>
+              <a:ext uri="{FF2B5EF4-FFF2-40B4-BE49-F238E27FC236}">
+                <a16:creationId xmlns:a16="http://schemas.microsoft.com/office/drawing/2014/main" id="{F22B0E3B-0EC6-A4C7-7F96-F21D9F9059B6}"/>
+              </a:ext>
+            </a:extLst>
+          </p:cNvPr>
+          <p:cNvPicPr>
+            <a:picLocks noChangeAspect="1"/>
+          </p:cNvPicPr>
+          <p:nvPr/>
+        </p:nvPicPr>
+        <p:blipFill>
+          <a:blip r:embed="rId3">
+            <a:extLst>
+              <a:ext uri="{28A0092B-C50C-407E-A947-70E740481C1C}">
+                <a14:useLocalDpi xmlns:a14="http://schemas.microsoft.com/office/drawing/2010/main" val="0"/>
+              </a:ext>
+            </a:extLst>
+          </a:blip>
+          <a:stretch>
+            <a:fillRect/>
+          </a:stretch>
+        </p:blipFill>
+        <p:spPr>
+          <a:xfrm>
+            <a:off x="4523024" y="1866180"/>
+            <a:ext cx="3061921" cy="4195762"/>
+          </a:xfrm>
+          <a:prstGeom prst="rect">
+            <a:avLst/>
+          </a:prstGeom>
+        </p:spPr>
+      </p:pic>
+      <p:pic>
+        <p:nvPicPr>
+          <p:cNvPr id="11" name="Picture 10" descr="A screenshot of a credit card&#10;&#10;Description automatically generated with low confidence">
+            <a:extLst>
+              <a:ext uri="{FF2B5EF4-FFF2-40B4-BE49-F238E27FC236}">
+                <a16:creationId xmlns:a16="http://schemas.microsoft.com/office/drawing/2014/main" id="{E8521982-0A19-F639-616F-DF6B05F7ED70}"/>
+              </a:ext>
+            </a:extLst>
+          </p:cNvPr>
+          <p:cNvPicPr>
+            <a:picLocks noChangeAspect="1"/>
+          </p:cNvPicPr>
+          <p:nvPr/>
+        </p:nvPicPr>
+        <p:blipFill>
+          <a:blip r:embed="rId4">
+            <a:extLst>
+              <a:ext uri="{28A0092B-C50C-407E-A947-70E740481C1C}">
+                <a14:useLocalDpi xmlns:a14="http://schemas.microsoft.com/office/drawing/2010/main" val="0"/>
+              </a:ext>
+            </a:extLst>
+          </a:blip>
+          <a:stretch>
+            <a:fillRect/>
+          </a:stretch>
+        </p:blipFill>
+        <p:spPr>
+          <a:xfrm>
+            <a:off x="8123582" y="1866181"/>
+            <a:ext cx="2881075" cy="4195762"/>
+          </a:xfrm>
+          <a:prstGeom prst="rect">
+            <a:avLst/>
+          </a:prstGeom>
         </p:spPr>
       </p:pic>
     </p:spTree>
@@ -12911,8 +12983,33 @@
               <a:rPr lang="en-US" sz="1400" dirty="0">
                 <a:latin typeface="Arial Rounded MT Bold" panose="020B0604020202020204" pitchFamily="34" charset="0"/>
               </a:rPr>
-              <a:t>We used three machine learning models. </a:t>
-            </a:r>
+              <a:t>We used three machine learning models, </a:t>
+            </a:r>
+            <a:r>
+              <a:rPr lang="en-AU" sz="1400" dirty="0">
+                <a:latin typeface="Arial Rounded MT Bold" panose="020F0704030504030204" pitchFamily="34" charset="0"/>
+              </a:rPr>
+              <a:t>Decision Tree Classifier</a:t>
+            </a:r>
+            <a:r>
+              <a:rPr lang="en-US" sz="1400" dirty="0">
+                <a:latin typeface="Arial Rounded MT Bold" panose="020F0704030504030204" pitchFamily="34" charset="0"/>
+              </a:rPr>
+              <a:t>, </a:t>
+            </a:r>
+            <a:r>
+              <a:rPr lang="en-AU" sz="1400" dirty="0">
+                <a:latin typeface="Arial Rounded MT Bold" panose="020F0704030504030204" pitchFamily="34" charset="0"/>
+              </a:rPr>
+              <a:t>Logistics Regression and Support Vector Machine (SVM)</a:t>
+            </a:r>
+            <a:r>
+              <a:rPr lang="en-AU" sz="1400" dirty="0"/>
+              <a:t>.</a:t>
+            </a:r>
+            <a:endParaRPr lang="en-US" sz="1400" dirty="0">
+              <a:latin typeface="Arial Rounded MT Bold" panose="020B0604020202020204" pitchFamily="34" charset="0"/>
+            </a:endParaRPr>
           </a:p>
           <a:p>
             <a:pPr>
@@ -12951,7 +13048,7 @@
               <a:rPr lang="en-US" sz="1400" dirty="0">
                 <a:latin typeface="Arial Rounded MT Bold" panose="020B0604020202020204" pitchFamily="34" charset="0"/>
               </a:rPr>
-              <a:t>Classification problems in the real world are imbalanced. Also,  data sets may have missing values. There is no definitive guide of which algorithms to use given any situation. What may work on some data sets may not work on others. </a:t>
+              <a:t>Classification problems in the real world are imbalanced. Also,  data sets may have missing values. There is no definitive guide of which algorithms to use given any situation. What may work on some data sets may not work on others. So, </a:t>
             </a:r>
             <a:r>
               <a:rPr lang="en-AU" sz="1400" dirty="0">
@@ -13333,14 +13430,14 @@
             <p:ph idx="1"/>
             <p:extLst>
               <p:ext uri="{D42A27DB-BD31-4B8C-83A1-F6EECF244321}">
-                <p14:modId xmlns:p14="http://schemas.microsoft.com/office/powerpoint/2010/main" val="832643256"/>
+                <p14:modId xmlns:p14="http://schemas.microsoft.com/office/powerpoint/2010/main" val="3004491534"/>
               </p:ext>
             </p:extLst>
           </p:nvPr>
         </p:nvGraphicFramePr>
         <p:xfrm>
-          <a:off x="1103312" y="2052638"/>
-          <a:ext cx="10326687" cy="2908572"/>
+          <a:off x="1103313" y="2226505"/>
+          <a:ext cx="8737394" cy="2908572"/>
         </p:xfrm>
         <a:graphic>
           <a:graphicData uri="http://schemas.openxmlformats.org/drawingml/2006/table">
@@ -13349,7 +13446,7 @@
                 <a:tableStyleId>{5C22544A-7EE6-4342-B048-85BDC9FD1C3A}</a:tableStyleId>
               </a:tblPr>
               <a:tblGrid>
-                <a:gridCol w="3619892">
+                <a:gridCol w="2030599">
                   <a:extLst>
                     <a:ext uri="{9D8B030D-6E8A-4147-A177-3AD203B41FA5}">
                       <a16:colId xmlns:a16="http://schemas.microsoft.com/office/drawing/2014/main" val="2461700964"/>
@@ -15283,14 +15380,19 @@
             <p:ph type="title"/>
           </p:nvPr>
         </p:nvSpPr>
-        <p:spPr/>
+        <p:spPr>
+          <a:xfrm>
+            <a:off x="1202702" y="420445"/>
+            <a:ext cx="9404723" cy="1400530"/>
+          </a:xfrm>
+        </p:spPr>
         <p:txBody>
           <a:bodyPr/>
           <a:lstStyle/>
           <a:p>
             <a:r>
               <a:rPr lang="en-AU" dirty="0"/>
-              <a:t>Steps</a:t>
+              <a:t>Main Steps</a:t>
             </a:r>
           </a:p>
         </p:txBody>
@@ -15412,178 +15514,6 @@
   <p:clrMapOvr>
     <a:masterClrMapping/>
   </p:clrMapOvr>
-  <p:timing>
-    <p:tnLst>
-      <p:par>
-        <p:cTn id="1" dur="indefinite" restart="never" nodeType="tmRoot">
-          <p:childTnLst>
-            <p:seq concurrent="1" nextAc="seek">
-              <p:cTn id="2" dur="indefinite" nodeType="mainSeq">
-                <p:childTnLst>
-                  <p:par>
-                    <p:cTn id="3" fill="hold">
-                      <p:stCondLst>
-                        <p:cond delay="indefinite"/>
-                      </p:stCondLst>
-                      <p:childTnLst>
-                        <p:par>
-                          <p:cTn id="4" fill="hold">
-                            <p:stCondLst>
-                              <p:cond delay="0"/>
-                            </p:stCondLst>
-                            <p:childTnLst>
-                              <p:par>
-                                <p:cTn id="5" presetID="1" presetClass="entr" presetSubtype="0" fill="hold" grpId="0" nodeType="clickEffect">
-                                  <p:stCondLst>
-                                    <p:cond delay="0"/>
-                                  </p:stCondLst>
-                                  <p:childTnLst>
-                                    <p:set>
-                                      <p:cBhvr>
-                                        <p:cTn id="6" dur="1" fill="hold">
-                                          <p:stCondLst>
-                                            <p:cond delay="0"/>
-                                          </p:stCondLst>
-                                        </p:cTn>
-                                        <p:tgtEl>
-                                          <p:spTgt spid="2"/>
-                                        </p:tgtEl>
-                                        <p:attrNameLst>
-                                          <p:attrName>style.visibility</p:attrName>
-                                        </p:attrNameLst>
-                                      </p:cBhvr>
-                                      <p:to>
-                                        <p:strVal val="visible"/>
-                                      </p:to>
-                                    </p:set>
-                                  </p:childTnLst>
-                                </p:cTn>
-                              </p:par>
-                            </p:childTnLst>
-                          </p:cTn>
-                        </p:par>
-                      </p:childTnLst>
-                    </p:cTn>
-                  </p:par>
-                  <p:par>
-                    <p:cTn id="7" fill="hold">
-                      <p:stCondLst>
-                        <p:cond delay="indefinite"/>
-                      </p:stCondLst>
-                      <p:childTnLst>
-                        <p:par>
-                          <p:cTn id="8" fill="hold">
-                            <p:stCondLst>
-                              <p:cond delay="0"/>
-                            </p:stCondLst>
-                            <p:childTnLst>
-                              <p:par>
-                                <p:cTn id="9" presetID="2" presetClass="entr" presetSubtype="4" fill="hold" grpId="0" nodeType="clickEffect">
-                                  <p:stCondLst>
-                                    <p:cond delay="0"/>
-                                  </p:stCondLst>
-                                  <p:childTnLst>
-                                    <p:set>
-                                      <p:cBhvr>
-                                        <p:cTn id="10" dur="1" fill="hold">
-                                          <p:stCondLst>
-                                            <p:cond delay="0"/>
-                                          </p:stCondLst>
-                                        </p:cTn>
-                                        <p:tgtEl>
-                                          <p:spTgt spid="5"/>
-                                        </p:tgtEl>
-                                        <p:attrNameLst>
-                                          <p:attrName>style.visibility</p:attrName>
-                                        </p:attrNameLst>
-                                      </p:cBhvr>
-                                      <p:to>
-                                        <p:strVal val="visible"/>
-                                      </p:to>
-                                    </p:set>
-                                    <p:anim calcmode="lin" valueType="num">
-                                      <p:cBhvr additive="base">
-                                        <p:cTn id="11" dur="500" fill="hold"/>
-                                        <p:tgtEl>
-                                          <p:spTgt spid="5"/>
-                                        </p:tgtEl>
-                                        <p:attrNameLst>
-                                          <p:attrName>ppt_x</p:attrName>
-                                        </p:attrNameLst>
-                                      </p:cBhvr>
-                                      <p:tavLst>
-                                        <p:tav tm="0">
-                                          <p:val>
-                                            <p:strVal val="#ppt_x"/>
-                                          </p:val>
-                                        </p:tav>
-                                        <p:tav tm="100000">
-                                          <p:val>
-                                            <p:strVal val="#ppt_x"/>
-                                          </p:val>
-                                        </p:tav>
-                                      </p:tavLst>
-                                    </p:anim>
-                                    <p:anim calcmode="lin" valueType="num">
-                                      <p:cBhvr additive="base">
-                                        <p:cTn id="12" dur="500" fill="hold"/>
-                                        <p:tgtEl>
-                                          <p:spTgt spid="5"/>
-                                        </p:tgtEl>
-                                        <p:attrNameLst>
-                                          <p:attrName>ppt_y</p:attrName>
-                                        </p:attrNameLst>
-                                      </p:cBhvr>
-                                      <p:tavLst>
-                                        <p:tav tm="0">
-                                          <p:val>
-                                            <p:strVal val="1+#ppt_h/2"/>
-                                          </p:val>
-                                        </p:tav>
-                                        <p:tav tm="100000">
-                                          <p:val>
-                                            <p:strVal val="#ppt_y"/>
-                                          </p:val>
-                                        </p:tav>
-                                      </p:tavLst>
-                                    </p:anim>
-                                  </p:childTnLst>
-                                </p:cTn>
-                              </p:par>
-                            </p:childTnLst>
-                          </p:cTn>
-                        </p:par>
-                      </p:childTnLst>
-                    </p:cTn>
-                  </p:par>
-                </p:childTnLst>
-              </p:cTn>
-              <p:prevCondLst>
-                <p:cond evt="onPrev" delay="0">
-                  <p:tgtEl>
-                    <p:sldTgt/>
-                  </p:tgtEl>
-                </p:cond>
-              </p:prevCondLst>
-              <p:nextCondLst>
-                <p:cond evt="onNext" delay="0">
-                  <p:tgtEl>
-                    <p:sldTgt/>
-                  </p:tgtEl>
-                </p:cond>
-              </p:nextCondLst>
-            </p:seq>
-          </p:childTnLst>
-        </p:cTn>
-      </p:par>
-    </p:tnLst>
-    <p:bldLst>
-      <p:bldP spid="2" grpId="0"/>
-      <p:bldGraphic spid="5" grpId="0">
-        <p:bldAsOne/>
-      </p:bldGraphic>
-    </p:bldLst>
-  </p:timing>
 </p:sld>
 </file>
 
